--- a/MTLChaussures.pptx
+++ b/MTLChaussures.pptx
@@ -6,18 +6,19 @@
   </p:sldMasterIdLst>
   <p:sldIdLst>
     <p:sldId id="256" r:id="rId2"/>
-    <p:sldId id="257" r:id="rId3"/>
-    <p:sldId id="258" r:id="rId4"/>
-    <p:sldId id="259" r:id="rId5"/>
-    <p:sldId id="260" r:id="rId6"/>
-    <p:sldId id="261" r:id="rId7"/>
-    <p:sldId id="262" r:id="rId8"/>
-    <p:sldId id="263" r:id="rId9"/>
-    <p:sldId id="264" r:id="rId10"/>
-    <p:sldId id="265" r:id="rId11"/>
-    <p:sldId id="266" r:id="rId12"/>
-    <p:sldId id="267" r:id="rId13"/>
-    <p:sldId id="268" r:id="rId14"/>
+    <p:sldId id="269" r:id="rId3"/>
+    <p:sldId id="257" r:id="rId4"/>
+    <p:sldId id="258" r:id="rId5"/>
+    <p:sldId id="259" r:id="rId6"/>
+    <p:sldId id="260" r:id="rId7"/>
+    <p:sldId id="261" r:id="rId8"/>
+    <p:sldId id="262" r:id="rId9"/>
+    <p:sldId id="266" r:id="rId10"/>
+    <p:sldId id="267" r:id="rId11"/>
+    <p:sldId id="265" r:id="rId12"/>
+    <p:sldId id="263" r:id="rId13"/>
+    <p:sldId id="264" r:id="rId14"/>
+    <p:sldId id="268" r:id="rId15"/>
   </p:sldIdLst>
   <p:sldSz cx="12192000" cy="6858000"/>
   <p:notesSz cx="6858000" cy="9144000"/>
@@ -116,7 +117,2850 @@
       </a:defRPr>
     </a:lvl9pPr>
   </p:defaultTextStyle>
+  <p:extLst>
+    <p:ext uri="{EFAFB233-063F-42B5-8137-9DF3F51BA10A}">
+      <p15:sldGuideLst xmlns:p15="http://schemas.microsoft.com/office/powerpoint/2012/main"/>
+    </p:ext>
+  </p:extLst>
 </p:presentation>
+</file>
+
+<file path=ppt/diagrams/colors1.xml><?xml version="1.0" encoding="utf-8"?>
+<dgm:colorsDef xmlns:dgm="http://schemas.openxmlformats.org/drawingml/2006/diagram" xmlns:a="http://schemas.openxmlformats.org/drawingml/2006/main" uniqueId="urn:microsoft.com/office/officeart/2005/8/colors/colorful1">
+  <dgm:title val=""/>
+  <dgm:desc val=""/>
+  <dgm:catLst>
+    <dgm:cat type="colorful" pri="10100"/>
+  </dgm:catLst>
+  <dgm:styleLbl name="node0">
+    <dgm:fillClrLst meth="repeat">
+      <a:schemeClr val="accent1"/>
+    </dgm:fillClrLst>
+    <dgm:linClrLst meth="repeat">
+      <a:schemeClr val="lt1"/>
+    </dgm:linClrLst>
+    <dgm:effectClrLst/>
+    <dgm:txLinClrLst/>
+    <dgm:txFillClrLst/>
+    <dgm:txEffectClrLst/>
+  </dgm:styleLbl>
+  <dgm:styleLbl name="node1">
+    <dgm:fillClrLst meth="repeat">
+      <a:schemeClr val="accent2"/>
+      <a:schemeClr val="accent3"/>
+      <a:schemeClr val="accent4"/>
+      <a:schemeClr val="accent5"/>
+      <a:schemeClr val="accent6"/>
+    </dgm:fillClrLst>
+    <dgm:linClrLst meth="repeat">
+      <a:schemeClr val="lt1"/>
+    </dgm:linClrLst>
+    <dgm:effectClrLst/>
+    <dgm:txLinClrLst/>
+    <dgm:txFillClrLst/>
+    <dgm:txEffectClrLst/>
+  </dgm:styleLbl>
+  <dgm:styleLbl name="alignNode1">
+    <dgm:fillClrLst meth="repeat">
+      <a:schemeClr val="accent2"/>
+      <a:schemeClr val="accent3"/>
+      <a:schemeClr val="accent4"/>
+      <a:schemeClr val="accent5"/>
+      <a:schemeClr val="accent6"/>
+    </dgm:fillClrLst>
+    <dgm:linClrLst meth="repeat">
+      <a:schemeClr val="accent2"/>
+      <a:schemeClr val="accent3"/>
+      <a:schemeClr val="accent4"/>
+      <a:schemeClr val="accent5"/>
+      <a:schemeClr val="accent6"/>
+    </dgm:linClrLst>
+    <dgm:effectClrLst/>
+    <dgm:txLinClrLst/>
+    <dgm:txFillClrLst/>
+    <dgm:txEffectClrLst/>
+  </dgm:styleLbl>
+  <dgm:styleLbl name="lnNode1">
+    <dgm:fillClrLst meth="repeat">
+      <a:schemeClr val="accent2"/>
+      <a:schemeClr val="accent3"/>
+      <a:schemeClr val="accent4"/>
+      <a:schemeClr val="accent5"/>
+      <a:schemeClr val="accent6"/>
+    </dgm:fillClrLst>
+    <dgm:linClrLst meth="repeat">
+      <a:schemeClr val="lt1"/>
+    </dgm:linClrLst>
+    <dgm:effectClrLst/>
+    <dgm:txLinClrLst/>
+    <dgm:txFillClrLst/>
+    <dgm:txEffectClrLst/>
+  </dgm:styleLbl>
+  <dgm:styleLbl name="vennNode1">
+    <dgm:fillClrLst meth="repeat">
+      <a:schemeClr val="accent2">
+        <a:alpha val="50000"/>
+      </a:schemeClr>
+      <a:schemeClr val="accent3">
+        <a:alpha val="50000"/>
+      </a:schemeClr>
+      <a:schemeClr val="accent4">
+        <a:alpha val="50000"/>
+      </a:schemeClr>
+      <a:schemeClr val="accent5">
+        <a:alpha val="50000"/>
+      </a:schemeClr>
+      <a:schemeClr val="accent6">
+        <a:alpha val="50000"/>
+      </a:schemeClr>
+    </dgm:fillClrLst>
+    <dgm:linClrLst meth="repeat">
+      <a:schemeClr val="lt1"/>
+    </dgm:linClrLst>
+    <dgm:effectClrLst/>
+    <dgm:txLinClrLst/>
+    <dgm:txFillClrLst/>
+    <dgm:txEffectClrLst/>
+  </dgm:styleLbl>
+  <dgm:styleLbl name="node2">
+    <dgm:fillClrLst>
+      <a:schemeClr val="accent2"/>
+    </dgm:fillClrLst>
+    <dgm:linClrLst meth="repeat">
+      <a:schemeClr val="lt1"/>
+    </dgm:linClrLst>
+    <dgm:effectClrLst/>
+    <dgm:txLinClrLst/>
+    <dgm:txFillClrLst/>
+    <dgm:txEffectClrLst/>
+  </dgm:styleLbl>
+  <dgm:styleLbl name="node3">
+    <dgm:fillClrLst>
+      <a:schemeClr val="accent3"/>
+    </dgm:fillClrLst>
+    <dgm:linClrLst meth="repeat">
+      <a:schemeClr val="lt1"/>
+    </dgm:linClrLst>
+    <dgm:effectClrLst/>
+    <dgm:txLinClrLst/>
+    <dgm:txFillClrLst/>
+    <dgm:txEffectClrLst/>
+  </dgm:styleLbl>
+  <dgm:styleLbl name="node4">
+    <dgm:fillClrLst>
+      <a:schemeClr val="accent4"/>
+    </dgm:fillClrLst>
+    <dgm:linClrLst meth="repeat">
+      <a:schemeClr val="lt1"/>
+    </dgm:linClrLst>
+    <dgm:effectClrLst/>
+    <dgm:txLinClrLst/>
+    <dgm:txFillClrLst/>
+    <dgm:txEffectClrLst/>
+  </dgm:styleLbl>
+  <dgm:styleLbl name="fgImgPlace1">
+    <dgm:fillClrLst meth="repeat">
+      <a:schemeClr val="accent2">
+        <a:tint val="50000"/>
+      </a:schemeClr>
+      <a:schemeClr val="accent3">
+        <a:tint val="50000"/>
+      </a:schemeClr>
+      <a:schemeClr val="accent4">
+        <a:tint val="50000"/>
+      </a:schemeClr>
+      <a:schemeClr val="accent5">
+        <a:tint val="50000"/>
+      </a:schemeClr>
+      <a:schemeClr val="accent6">
+        <a:tint val="50000"/>
+      </a:schemeClr>
+    </dgm:fillClrLst>
+    <dgm:linClrLst meth="repeat">
+      <a:schemeClr val="lt1"/>
+    </dgm:linClrLst>
+    <dgm:effectClrLst/>
+    <dgm:txLinClrLst/>
+    <dgm:txFillClrLst meth="repeat">
+      <a:schemeClr val="lt1"/>
+    </dgm:txFillClrLst>
+    <dgm:txEffectClrLst/>
+  </dgm:styleLbl>
+  <dgm:styleLbl name="alignImgPlace1">
+    <dgm:fillClrLst>
+      <a:schemeClr val="accent1">
+        <a:tint val="50000"/>
+      </a:schemeClr>
+      <a:schemeClr val="accent2">
+        <a:tint val="20000"/>
+      </a:schemeClr>
+    </dgm:fillClrLst>
+    <dgm:linClrLst meth="repeat">
+      <a:schemeClr val="lt1"/>
+    </dgm:linClrLst>
+    <dgm:effectClrLst/>
+    <dgm:txLinClrLst/>
+    <dgm:txFillClrLst meth="repeat">
+      <a:schemeClr val="lt1"/>
+    </dgm:txFillClrLst>
+    <dgm:txEffectClrLst/>
+  </dgm:styleLbl>
+  <dgm:styleLbl name="bgImgPlace1">
+    <dgm:fillClrLst>
+      <a:schemeClr val="accent1">
+        <a:tint val="50000"/>
+      </a:schemeClr>
+      <a:schemeClr val="accent2">
+        <a:tint val="20000"/>
+      </a:schemeClr>
+    </dgm:fillClrLst>
+    <dgm:linClrLst meth="repeat">
+      <a:schemeClr val="lt1"/>
+    </dgm:linClrLst>
+    <dgm:effectClrLst/>
+    <dgm:txLinClrLst/>
+    <dgm:txFillClrLst meth="repeat">
+      <a:schemeClr val="lt1"/>
+    </dgm:txFillClrLst>
+    <dgm:txEffectClrLst/>
+  </dgm:styleLbl>
+  <dgm:styleLbl name="sibTrans2D1">
+    <dgm:fillClrLst meth="repeat">
+      <a:schemeClr val="accent2"/>
+      <a:schemeClr val="accent3"/>
+      <a:schemeClr val="accent4"/>
+      <a:schemeClr val="accent5"/>
+      <a:schemeClr val="accent6"/>
+    </dgm:fillClrLst>
+    <dgm:linClrLst meth="cycle">
+      <a:schemeClr val="lt1"/>
+    </dgm:linClrLst>
+    <dgm:effectClrLst/>
+    <dgm:txLinClrLst/>
+    <dgm:txFillClrLst/>
+    <dgm:txEffectClrLst/>
+  </dgm:styleLbl>
+  <dgm:styleLbl name="fgSibTrans2D1">
+    <dgm:fillClrLst meth="repeat">
+      <a:schemeClr val="accent2"/>
+      <a:schemeClr val="accent3"/>
+      <a:schemeClr val="accent4"/>
+      <a:schemeClr val="accent5"/>
+      <a:schemeClr val="accent6"/>
+    </dgm:fillClrLst>
+    <dgm:linClrLst meth="cycle">
+      <a:schemeClr val="lt1"/>
+    </dgm:linClrLst>
+    <dgm:effectClrLst/>
+    <dgm:txLinClrLst/>
+    <dgm:txFillClrLst meth="repeat">
+      <a:schemeClr val="lt1"/>
+    </dgm:txFillClrLst>
+    <dgm:txEffectClrLst/>
+  </dgm:styleLbl>
+  <dgm:styleLbl name="bgSibTrans2D1">
+    <dgm:fillClrLst meth="repeat">
+      <a:schemeClr val="accent2"/>
+      <a:schemeClr val="accent3"/>
+      <a:schemeClr val="accent4"/>
+      <a:schemeClr val="accent5"/>
+      <a:schemeClr val="accent6"/>
+    </dgm:fillClrLst>
+    <dgm:linClrLst meth="cycle">
+      <a:schemeClr val="lt1"/>
+    </dgm:linClrLst>
+    <dgm:effectClrLst/>
+    <dgm:txLinClrLst/>
+    <dgm:txFillClrLst meth="repeat">
+      <a:schemeClr val="lt1"/>
+    </dgm:txFillClrLst>
+    <dgm:txEffectClrLst/>
+  </dgm:styleLbl>
+  <dgm:styleLbl name="sibTrans1D1">
+    <dgm:fillClrLst meth="repeat">
+      <a:schemeClr val="accent2"/>
+      <a:schemeClr val="accent3"/>
+      <a:schemeClr val="accent4"/>
+      <a:schemeClr val="accent5"/>
+      <a:schemeClr val="accent6"/>
+    </dgm:fillClrLst>
+    <dgm:linClrLst meth="repeat">
+      <a:schemeClr val="accent2"/>
+      <a:schemeClr val="accent3"/>
+      <a:schemeClr val="accent4"/>
+      <a:schemeClr val="accent5"/>
+      <a:schemeClr val="accent6"/>
+    </dgm:linClrLst>
+    <dgm:effectClrLst/>
+    <dgm:txLinClrLst/>
+    <dgm:txFillClrLst meth="repeat">
+      <a:schemeClr val="tx1"/>
+    </dgm:txFillClrLst>
+    <dgm:txEffectClrLst/>
+  </dgm:styleLbl>
+  <dgm:styleLbl name="callout">
+    <dgm:fillClrLst meth="repeat">
+      <a:schemeClr val="accent2"/>
+    </dgm:fillClrLst>
+    <dgm:linClrLst meth="repeat">
+      <a:schemeClr val="accent2">
+        <a:tint val="50000"/>
+      </a:schemeClr>
+    </dgm:linClrLst>
+    <dgm:effectClrLst/>
+    <dgm:txLinClrLst/>
+    <dgm:txFillClrLst meth="repeat">
+      <a:schemeClr val="tx1"/>
+    </dgm:txFillClrLst>
+    <dgm:txEffectClrLst/>
+  </dgm:styleLbl>
+  <dgm:styleLbl name="asst0">
+    <dgm:fillClrLst meth="repeat">
+      <a:schemeClr val="accent1"/>
+    </dgm:fillClrLst>
+    <dgm:linClrLst meth="repeat">
+      <a:schemeClr val="lt1"/>
+    </dgm:linClrLst>
+    <dgm:effectClrLst/>
+    <dgm:txLinClrLst/>
+    <dgm:txFillClrLst/>
+    <dgm:txEffectClrLst/>
+  </dgm:styleLbl>
+  <dgm:styleLbl name="asst1">
+    <dgm:fillClrLst meth="repeat">
+      <a:schemeClr val="accent2"/>
+    </dgm:fillClrLst>
+    <dgm:linClrLst meth="repeat">
+      <a:schemeClr val="lt1"/>
+    </dgm:linClrLst>
+    <dgm:effectClrLst/>
+    <dgm:txLinClrLst/>
+    <dgm:txFillClrLst/>
+    <dgm:txEffectClrLst/>
+  </dgm:styleLbl>
+  <dgm:styleLbl name="asst2">
+    <dgm:fillClrLst>
+      <a:schemeClr val="accent3"/>
+    </dgm:fillClrLst>
+    <dgm:linClrLst meth="repeat">
+      <a:schemeClr val="lt1"/>
+    </dgm:linClrLst>
+    <dgm:effectClrLst/>
+    <dgm:txLinClrLst/>
+    <dgm:txFillClrLst/>
+    <dgm:txEffectClrLst/>
+  </dgm:styleLbl>
+  <dgm:styleLbl name="asst3">
+    <dgm:fillClrLst>
+      <a:schemeClr val="accent4"/>
+    </dgm:fillClrLst>
+    <dgm:linClrLst meth="repeat">
+      <a:schemeClr val="lt1"/>
+    </dgm:linClrLst>
+    <dgm:effectClrLst/>
+    <dgm:txLinClrLst/>
+    <dgm:txFillClrLst/>
+    <dgm:txEffectClrLst/>
+  </dgm:styleLbl>
+  <dgm:styleLbl name="asst4">
+    <dgm:fillClrLst>
+      <a:schemeClr val="accent5"/>
+    </dgm:fillClrLst>
+    <dgm:linClrLst meth="repeat">
+      <a:schemeClr val="lt1"/>
+    </dgm:linClrLst>
+    <dgm:effectClrLst/>
+    <dgm:txLinClrLst/>
+    <dgm:txFillClrLst/>
+    <dgm:txEffectClrLst/>
+  </dgm:styleLbl>
+  <dgm:styleLbl name="parChTrans2D1">
+    <dgm:fillClrLst meth="repeat">
+      <a:schemeClr val="accent2"/>
+    </dgm:fillClrLst>
+    <dgm:linClrLst meth="repeat">
+      <a:schemeClr val="lt1"/>
+    </dgm:linClrLst>
+    <dgm:effectClrLst/>
+    <dgm:txLinClrLst/>
+    <dgm:txFillClrLst meth="repeat">
+      <a:schemeClr val="lt1"/>
+    </dgm:txFillClrLst>
+    <dgm:txEffectClrLst/>
+  </dgm:styleLbl>
+  <dgm:styleLbl name="parChTrans2D2">
+    <dgm:fillClrLst meth="repeat">
+      <a:schemeClr val="accent3"/>
+    </dgm:fillClrLst>
+    <dgm:linClrLst meth="repeat">
+      <a:schemeClr val="lt1"/>
+    </dgm:linClrLst>
+    <dgm:effectClrLst/>
+    <dgm:txLinClrLst/>
+    <dgm:txFillClrLst/>
+    <dgm:txEffectClrLst/>
+  </dgm:styleLbl>
+  <dgm:styleLbl name="parChTrans2D3">
+    <dgm:fillClrLst meth="repeat">
+      <a:schemeClr val="accent4"/>
+    </dgm:fillClrLst>
+    <dgm:linClrLst meth="repeat">
+      <a:schemeClr val="lt1"/>
+    </dgm:linClrLst>
+    <dgm:effectClrLst/>
+    <dgm:txLinClrLst/>
+    <dgm:txFillClrLst/>
+    <dgm:txEffectClrLst/>
+  </dgm:styleLbl>
+  <dgm:styleLbl name="parChTrans2D4">
+    <dgm:fillClrLst meth="repeat">
+      <a:schemeClr val="accent5"/>
+    </dgm:fillClrLst>
+    <dgm:linClrLst meth="repeat">
+      <a:schemeClr val="lt1"/>
+    </dgm:linClrLst>
+    <dgm:effectClrLst/>
+    <dgm:txLinClrLst/>
+    <dgm:txFillClrLst meth="repeat">
+      <a:schemeClr val="lt1"/>
+    </dgm:txFillClrLst>
+    <dgm:txEffectClrLst/>
+  </dgm:styleLbl>
+  <dgm:styleLbl name="parChTrans1D1">
+    <dgm:fillClrLst meth="repeat">
+      <a:schemeClr val="accent2"/>
+    </dgm:fillClrLst>
+    <dgm:linClrLst meth="repeat">
+      <a:schemeClr val="accent1"/>
+    </dgm:linClrLst>
+    <dgm:effectClrLst/>
+    <dgm:txLinClrLst/>
+    <dgm:txFillClrLst meth="repeat">
+      <a:schemeClr val="tx1"/>
+    </dgm:txFillClrLst>
+    <dgm:txEffectClrLst/>
+  </dgm:styleLbl>
+  <dgm:styleLbl name="parChTrans1D2">
+    <dgm:fillClrLst meth="repeat">
+      <a:schemeClr val="accent3">
+        <a:tint val="90000"/>
+      </a:schemeClr>
+    </dgm:fillClrLst>
+    <dgm:linClrLst meth="repeat">
+      <a:schemeClr val="accent2"/>
+    </dgm:linClrLst>
+    <dgm:effectClrLst/>
+    <dgm:txLinClrLst/>
+    <dgm:txFillClrLst meth="repeat">
+      <a:schemeClr val="tx1"/>
+    </dgm:txFillClrLst>
+    <dgm:txEffectClrLst/>
+  </dgm:styleLbl>
+  <dgm:styleLbl name="parChTrans1D3">
+    <dgm:fillClrLst meth="repeat">
+      <a:schemeClr val="accent4">
+        <a:tint val="70000"/>
+      </a:schemeClr>
+    </dgm:fillClrLst>
+    <dgm:linClrLst meth="repeat">
+      <a:schemeClr val="accent3"/>
+    </dgm:linClrLst>
+    <dgm:effectClrLst/>
+    <dgm:txLinClrLst/>
+    <dgm:txFillClrLst meth="repeat">
+      <a:schemeClr val="tx1"/>
+    </dgm:txFillClrLst>
+    <dgm:txEffectClrLst/>
+  </dgm:styleLbl>
+  <dgm:styleLbl name="parChTrans1D4">
+    <dgm:fillClrLst meth="repeat">
+      <a:schemeClr val="accent5">
+        <a:tint val="50000"/>
+      </a:schemeClr>
+    </dgm:fillClrLst>
+    <dgm:linClrLst meth="repeat">
+      <a:schemeClr val="accent4"/>
+    </dgm:linClrLst>
+    <dgm:effectClrLst/>
+    <dgm:txLinClrLst/>
+    <dgm:txFillClrLst meth="repeat">
+      <a:schemeClr val="tx1"/>
+    </dgm:txFillClrLst>
+    <dgm:txEffectClrLst/>
+  </dgm:styleLbl>
+  <dgm:styleLbl name="fgAcc1">
+    <dgm:fillClrLst meth="repeat">
+      <a:schemeClr val="lt1">
+        <a:alpha val="90000"/>
+      </a:schemeClr>
+    </dgm:fillClrLst>
+    <dgm:linClrLst meth="repeat">
+      <a:schemeClr val="accent2"/>
+      <a:schemeClr val="accent3"/>
+      <a:schemeClr val="accent4"/>
+      <a:schemeClr val="accent5"/>
+      <a:schemeClr val="accent6"/>
+    </dgm:linClrLst>
+    <dgm:effectClrLst/>
+    <dgm:txLinClrLst/>
+    <dgm:txFillClrLst meth="repeat">
+      <a:schemeClr val="dk1"/>
+    </dgm:txFillClrLst>
+    <dgm:txEffectClrLst/>
+  </dgm:styleLbl>
+  <dgm:styleLbl name="conFgAcc1">
+    <dgm:fillClrLst meth="repeat">
+      <a:schemeClr val="lt1">
+        <a:alpha val="90000"/>
+      </a:schemeClr>
+    </dgm:fillClrLst>
+    <dgm:linClrLst meth="repeat">
+      <a:schemeClr val="accent2"/>
+      <a:schemeClr val="accent3"/>
+      <a:schemeClr val="accent4"/>
+      <a:schemeClr val="accent5"/>
+      <a:schemeClr val="accent6"/>
+    </dgm:linClrLst>
+    <dgm:effectClrLst/>
+    <dgm:txLinClrLst/>
+    <dgm:txFillClrLst meth="repeat">
+      <a:schemeClr val="dk1"/>
+    </dgm:txFillClrLst>
+    <dgm:txEffectClrLst/>
+  </dgm:styleLbl>
+  <dgm:styleLbl name="alignAcc1">
+    <dgm:fillClrLst meth="repeat">
+      <a:schemeClr val="lt1">
+        <a:alpha val="90000"/>
+      </a:schemeClr>
+    </dgm:fillClrLst>
+    <dgm:linClrLst meth="repeat">
+      <a:schemeClr val="accent2"/>
+      <a:schemeClr val="accent3"/>
+      <a:schemeClr val="accent4"/>
+      <a:schemeClr val="accent5"/>
+      <a:schemeClr val="accent6"/>
+    </dgm:linClrLst>
+    <dgm:effectClrLst/>
+    <dgm:txLinClrLst/>
+    <dgm:txFillClrLst meth="repeat">
+      <a:schemeClr val="dk1"/>
+    </dgm:txFillClrLst>
+    <dgm:txEffectClrLst/>
+  </dgm:styleLbl>
+  <dgm:styleLbl name="trAlignAcc1">
+    <dgm:fillClrLst meth="repeat">
+      <a:schemeClr val="lt1">
+        <a:alpha val="40000"/>
+      </a:schemeClr>
+    </dgm:fillClrLst>
+    <dgm:linClrLst meth="repeat">
+      <a:schemeClr val="accent1"/>
+    </dgm:linClrLst>
+    <dgm:effectClrLst/>
+    <dgm:txLinClrLst/>
+    <dgm:txFillClrLst meth="repeat">
+      <a:schemeClr val="dk1"/>
+    </dgm:txFillClrLst>
+    <dgm:txEffectClrLst/>
+  </dgm:styleLbl>
+  <dgm:styleLbl name="bgAcc1">
+    <dgm:fillClrLst meth="repeat">
+      <a:schemeClr val="lt1">
+        <a:alpha val="90000"/>
+      </a:schemeClr>
+    </dgm:fillClrLst>
+    <dgm:linClrLst meth="repeat">
+      <a:schemeClr val="accent2"/>
+      <a:schemeClr val="accent3"/>
+      <a:schemeClr val="accent4"/>
+      <a:schemeClr val="accent5"/>
+      <a:schemeClr val="accent6"/>
+    </dgm:linClrLst>
+    <dgm:effectClrLst/>
+    <dgm:txLinClrLst/>
+    <dgm:txFillClrLst meth="repeat">
+      <a:schemeClr val="dk1"/>
+    </dgm:txFillClrLst>
+    <dgm:txEffectClrLst/>
+  </dgm:styleLbl>
+  <dgm:styleLbl name="solidFgAcc1">
+    <dgm:fillClrLst meth="repeat">
+      <a:schemeClr val="lt1"/>
+    </dgm:fillClrLst>
+    <dgm:linClrLst meth="repeat">
+      <a:schemeClr val="accent2"/>
+      <a:schemeClr val="accent3"/>
+      <a:schemeClr val="accent4"/>
+      <a:schemeClr val="accent5"/>
+      <a:schemeClr val="accent6"/>
+    </dgm:linClrLst>
+    <dgm:effectClrLst/>
+    <dgm:txLinClrLst/>
+    <dgm:txFillClrLst meth="repeat">
+      <a:schemeClr val="dk1"/>
+    </dgm:txFillClrLst>
+    <dgm:txEffectClrLst/>
+  </dgm:styleLbl>
+  <dgm:styleLbl name="solidAlignAcc1">
+    <dgm:fillClrLst meth="repeat">
+      <a:schemeClr val="lt1"/>
+    </dgm:fillClrLst>
+    <dgm:linClrLst meth="repeat">
+      <a:schemeClr val="accent2"/>
+      <a:schemeClr val="accent3"/>
+      <a:schemeClr val="accent4"/>
+      <a:schemeClr val="accent5"/>
+      <a:schemeClr val="accent6"/>
+    </dgm:linClrLst>
+    <dgm:effectClrLst/>
+    <dgm:txLinClrLst/>
+    <dgm:txFillClrLst meth="repeat">
+      <a:schemeClr val="dk1"/>
+    </dgm:txFillClrLst>
+    <dgm:txEffectClrLst/>
+  </dgm:styleLbl>
+  <dgm:styleLbl name="solidBgAcc1">
+    <dgm:fillClrLst meth="repeat">
+      <a:schemeClr val="lt1"/>
+    </dgm:fillClrLst>
+    <dgm:linClrLst meth="repeat">
+      <a:schemeClr val="accent2"/>
+      <a:schemeClr val="accent3"/>
+      <a:schemeClr val="accent4"/>
+      <a:schemeClr val="accent5"/>
+      <a:schemeClr val="accent6"/>
+    </dgm:linClrLst>
+    <dgm:effectClrLst/>
+    <dgm:txLinClrLst/>
+    <dgm:txFillClrLst meth="repeat">
+      <a:schemeClr val="dk1"/>
+    </dgm:txFillClrLst>
+    <dgm:txEffectClrLst/>
+  </dgm:styleLbl>
+  <dgm:styleLbl name="fgAccFollowNode1">
+    <dgm:fillClrLst meth="repeat">
+      <a:schemeClr val="accent2">
+        <a:tint val="40000"/>
+        <a:alpha val="90000"/>
+      </a:schemeClr>
+      <a:schemeClr val="accent3">
+        <a:tint val="40000"/>
+        <a:alpha val="90000"/>
+      </a:schemeClr>
+      <a:schemeClr val="accent4">
+        <a:tint val="40000"/>
+        <a:alpha val="90000"/>
+      </a:schemeClr>
+      <a:schemeClr val="accent5">
+        <a:tint val="40000"/>
+        <a:alpha val="90000"/>
+      </a:schemeClr>
+      <a:schemeClr val="accent6">
+        <a:tint val="40000"/>
+        <a:alpha val="90000"/>
+      </a:schemeClr>
+    </dgm:fillClrLst>
+    <dgm:linClrLst meth="repeat">
+      <a:schemeClr val="accent2">
+        <a:tint val="40000"/>
+        <a:alpha val="90000"/>
+      </a:schemeClr>
+      <a:schemeClr val="accent3">
+        <a:tint val="40000"/>
+        <a:alpha val="90000"/>
+      </a:schemeClr>
+      <a:schemeClr val="accent4">
+        <a:tint val="40000"/>
+        <a:alpha val="90000"/>
+      </a:schemeClr>
+      <a:schemeClr val="accent5">
+        <a:tint val="40000"/>
+        <a:alpha val="90000"/>
+      </a:schemeClr>
+      <a:schemeClr val="accent6">
+        <a:tint val="40000"/>
+        <a:alpha val="90000"/>
+      </a:schemeClr>
+    </dgm:linClrLst>
+    <dgm:effectClrLst/>
+    <dgm:txLinClrLst/>
+    <dgm:txFillClrLst meth="repeat">
+      <a:schemeClr val="dk1"/>
+    </dgm:txFillClrLst>
+    <dgm:txEffectClrLst/>
+  </dgm:styleLbl>
+  <dgm:styleLbl name="alignAccFollowNode1">
+    <dgm:fillClrLst meth="repeat">
+      <a:schemeClr val="accent2">
+        <a:tint val="40000"/>
+        <a:alpha val="90000"/>
+      </a:schemeClr>
+      <a:schemeClr val="accent3">
+        <a:tint val="40000"/>
+        <a:alpha val="90000"/>
+      </a:schemeClr>
+      <a:schemeClr val="accent4">
+        <a:tint val="40000"/>
+        <a:alpha val="90000"/>
+      </a:schemeClr>
+      <a:schemeClr val="accent5">
+        <a:tint val="40000"/>
+        <a:alpha val="90000"/>
+      </a:schemeClr>
+      <a:schemeClr val="accent6">
+        <a:tint val="40000"/>
+        <a:alpha val="90000"/>
+      </a:schemeClr>
+    </dgm:fillClrLst>
+    <dgm:linClrLst meth="repeat">
+      <a:schemeClr val="accent2">
+        <a:tint val="40000"/>
+        <a:alpha val="90000"/>
+      </a:schemeClr>
+      <a:schemeClr val="accent3">
+        <a:tint val="40000"/>
+        <a:alpha val="90000"/>
+      </a:schemeClr>
+      <a:schemeClr val="accent4">
+        <a:tint val="40000"/>
+        <a:alpha val="90000"/>
+      </a:schemeClr>
+      <a:schemeClr val="accent5">
+        <a:tint val="40000"/>
+        <a:alpha val="90000"/>
+      </a:schemeClr>
+      <a:schemeClr val="accent6">
+        <a:tint val="40000"/>
+        <a:alpha val="90000"/>
+      </a:schemeClr>
+    </dgm:linClrLst>
+    <dgm:effectClrLst/>
+    <dgm:txLinClrLst/>
+    <dgm:txFillClrLst meth="repeat">
+      <a:schemeClr val="dk1"/>
+    </dgm:txFillClrLst>
+    <dgm:txEffectClrLst/>
+  </dgm:styleLbl>
+  <dgm:styleLbl name="bgAccFollowNode1">
+    <dgm:fillClrLst meth="repeat">
+      <a:schemeClr val="accent2">
+        <a:tint val="40000"/>
+        <a:alpha val="90000"/>
+      </a:schemeClr>
+      <a:schemeClr val="accent3">
+        <a:tint val="40000"/>
+        <a:alpha val="90000"/>
+      </a:schemeClr>
+      <a:schemeClr val="accent4">
+        <a:tint val="40000"/>
+        <a:alpha val="90000"/>
+      </a:schemeClr>
+      <a:schemeClr val="accent5">
+        <a:tint val="40000"/>
+        <a:alpha val="90000"/>
+      </a:schemeClr>
+      <a:schemeClr val="accent6">
+        <a:tint val="40000"/>
+        <a:alpha val="90000"/>
+      </a:schemeClr>
+    </dgm:fillClrLst>
+    <dgm:linClrLst meth="repeat">
+      <a:schemeClr val="accent2">
+        <a:tint val="40000"/>
+        <a:alpha val="90000"/>
+      </a:schemeClr>
+      <a:schemeClr val="accent3">
+        <a:tint val="40000"/>
+        <a:alpha val="90000"/>
+      </a:schemeClr>
+      <a:schemeClr val="accent4">
+        <a:tint val="40000"/>
+        <a:alpha val="90000"/>
+      </a:schemeClr>
+      <a:schemeClr val="accent5">
+        <a:tint val="40000"/>
+        <a:alpha val="90000"/>
+      </a:schemeClr>
+      <a:schemeClr val="accent6">
+        <a:tint val="40000"/>
+        <a:alpha val="90000"/>
+      </a:schemeClr>
+    </dgm:linClrLst>
+    <dgm:effectClrLst/>
+    <dgm:txLinClrLst/>
+    <dgm:txFillClrLst meth="repeat">
+      <a:schemeClr val="dk1"/>
+    </dgm:txFillClrLst>
+    <dgm:txEffectClrLst/>
+  </dgm:styleLbl>
+  <dgm:styleLbl name="fgAcc0">
+    <dgm:fillClrLst meth="repeat">
+      <a:schemeClr val="lt1">
+        <a:alpha val="90000"/>
+      </a:schemeClr>
+    </dgm:fillClrLst>
+    <dgm:linClrLst>
+      <a:schemeClr val="accent1"/>
+    </dgm:linClrLst>
+    <dgm:effectClrLst/>
+    <dgm:txLinClrLst/>
+    <dgm:txFillClrLst meth="repeat">
+      <a:schemeClr val="dk1"/>
+    </dgm:txFillClrLst>
+    <dgm:txEffectClrLst/>
+  </dgm:styleLbl>
+  <dgm:styleLbl name="fgAcc2">
+    <dgm:fillClrLst meth="repeat">
+      <a:schemeClr val="lt1">
+        <a:alpha val="90000"/>
+      </a:schemeClr>
+    </dgm:fillClrLst>
+    <dgm:linClrLst>
+      <a:schemeClr val="accent2"/>
+    </dgm:linClrLst>
+    <dgm:effectClrLst/>
+    <dgm:txLinClrLst/>
+    <dgm:txFillClrLst meth="repeat">
+      <a:schemeClr val="dk1"/>
+    </dgm:txFillClrLst>
+    <dgm:txEffectClrLst/>
+  </dgm:styleLbl>
+  <dgm:styleLbl name="fgAcc3">
+    <dgm:fillClrLst meth="repeat">
+      <a:schemeClr val="lt1">
+        <a:alpha val="90000"/>
+      </a:schemeClr>
+    </dgm:fillClrLst>
+    <dgm:linClrLst>
+      <a:schemeClr val="accent3"/>
+    </dgm:linClrLst>
+    <dgm:effectClrLst/>
+    <dgm:txLinClrLst/>
+    <dgm:txFillClrLst meth="repeat">
+      <a:schemeClr val="dk1"/>
+    </dgm:txFillClrLst>
+    <dgm:txEffectClrLst/>
+  </dgm:styleLbl>
+  <dgm:styleLbl name="fgAcc4">
+    <dgm:fillClrLst meth="repeat">
+      <a:schemeClr val="lt1">
+        <a:alpha val="90000"/>
+      </a:schemeClr>
+    </dgm:fillClrLst>
+    <dgm:linClrLst>
+      <a:schemeClr val="accent4"/>
+    </dgm:linClrLst>
+    <dgm:effectClrLst/>
+    <dgm:txLinClrLst/>
+    <dgm:txFillClrLst meth="repeat">
+      <a:schemeClr val="dk1"/>
+    </dgm:txFillClrLst>
+    <dgm:txEffectClrLst/>
+  </dgm:styleLbl>
+  <dgm:styleLbl name="bgShp">
+    <dgm:fillClrLst meth="repeat">
+      <a:schemeClr val="accent2">
+        <a:tint val="40000"/>
+      </a:schemeClr>
+    </dgm:fillClrLst>
+    <dgm:linClrLst meth="repeat">
+      <a:schemeClr val="dk1"/>
+    </dgm:linClrLst>
+    <dgm:effectClrLst/>
+    <dgm:txLinClrLst/>
+    <dgm:txFillClrLst meth="repeat">
+      <a:schemeClr val="dk1"/>
+    </dgm:txFillClrLst>
+    <dgm:txEffectClrLst/>
+  </dgm:styleLbl>
+  <dgm:styleLbl name="dkBgShp">
+    <dgm:fillClrLst meth="repeat">
+      <a:schemeClr val="accent2">
+        <a:shade val="90000"/>
+      </a:schemeClr>
+    </dgm:fillClrLst>
+    <dgm:linClrLst meth="repeat">
+      <a:schemeClr val="dk1"/>
+    </dgm:linClrLst>
+    <dgm:effectClrLst/>
+    <dgm:txLinClrLst/>
+    <dgm:txFillClrLst meth="repeat">
+      <a:schemeClr val="lt1"/>
+    </dgm:txFillClrLst>
+    <dgm:txEffectClrLst/>
+  </dgm:styleLbl>
+  <dgm:styleLbl name="trBgShp">
+    <dgm:fillClrLst meth="repeat">
+      <a:schemeClr val="accent1">
+        <a:tint val="50000"/>
+        <a:alpha val="40000"/>
+      </a:schemeClr>
+    </dgm:fillClrLst>
+    <dgm:linClrLst meth="repeat">
+      <a:schemeClr val="accent2"/>
+    </dgm:linClrLst>
+    <dgm:effectClrLst/>
+    <dgm:txLinClrLst/>
+    <dgm:txFillClrLst meth="repeat">
+      <a:schemeClr val="lt1"/>
+    </dgm:txFillClrLst>
+    <dgm:txEffectClrLst/>
+  </dgm:styleLbl>
+  <dgm:styleLbl name="fgShp">
+    <dgm:fillClrLst meth="repeat">
+      <a:schemeClr val="accent2">
+        <a:tint val="40000"/>
+      </a:schemeClr>
+    </dgm:fillClrLst>
+    <dgm:linClrLst meth="repeat">
+      <a:schemeClr val="lt1"/>
+    </dgm:linClrLst>
+    <dgm:effectClrLst/>
+    <dgm:txLinClrLst/>
+    <dgm:txFillClrLst meth="repeat">
+      <a:schemeClr val="dk1"/>
+    </dgm:txFillClrLst>
+    <dgm:txEffectClrLst/>
+  </dgm:styleLbl>
+  <dgm:styleLbl name="revTx">
+    <dgm:fillClrLst meth="repeat">
+      <a:schemeClr val="lt1">
+        <a:alpha val="0"/>
+      </a:schemeClr>
+    </dgm:fillClrLst>
+    <dgm:linClrLst meth="repeat">
+      <a:schemeClr val="dk1">
+        <a:alpha val="0"/>
+      </a:schemeClr>
+    </dgm:linClrLst>
+    <dgm:effectClrLst/>
+    <dgm:txLinClrLst/>
+    <dgm:txFillClrLst meth="repeat">
+      <a:schemeClr val="tx1"/>
+    </dgm:txFillClrLst>
+    <dgm:txEffectClrLst/>
+  </dgm:styleLbl>
+</dgm:colorsDef>
+</file>
+
+<file path=ppt/diagrams/data1.xml><?xml version="1.0" encoding="utf-8"?>
+<dgm:dataModel xmlns:dgm="http://schemas.openxmlformats.org/drawingml/2006/diagram" xmlns:a="http://schemas.openxmlformats.org/drawingml/2006/main">
+  <dgm:ptLst>
+    <dgm:pt modelId="{D31BD681-4692-4E9C-A0EE-8F6B27333AAE}" type="doc">
+      <dgm:prSet loTypeId="urn:microsoft.com/office/officeart/2005/8/layout/list1" loCatId="list" qsTypeId="urn:microsoft.com/office/officeart/2005/8/quickstyle/simple1" qsCatId="simple" csTypeId="urn:microsoft.com/office/officeart/2005/8/colors/colorful1" csCatId="colorful"/>
+      <dgm:spPr/>
+      <dgm:t>
+        <a:bodyPr/>
+        <a:lstStyle/>
+        <a:p>
+          <a:endParaRPr lang="en-US"/>
+        </a:p>
+      </dgm:t>
+    </dgm:pt>
+    <dgm:pt modelId="{C9BB6505-CDD0-4265-89B1-90FCC9DCB168}">
+      <dgm:prSet/>
+      <dgm:spPr/>
+      <dgm:t>
+        <a:bodyPr/>
+        <a:lstStyle/>
+        <a:p>
+          <a:r>
+            <a:rPr lang="en-US"/>
+            <a:t>Chintan Patel (2024318)</a:t>
+          </a:r>
+        </a:p>
+      </dgm:t>
+    </dgm:pt>
+    <dgm:pt modelId="{EE87D29D-91FA-45AB-86F5-BC3D0454A9E5}" type="parTrans" cxnId="{1B24F024-57A6-458A-869E-17A36DEECFE6}">
+      <dgm:prSet/>
+      <dgm:spPr/>
+      <dgm:t>
+        <a:bodyPr/>
+        <a:lstStyle/>
+        <a:p>
+          <a:endParaRPr lang="en-US"/>
+        </a:p>
+      </dgm:t>
+    </dgm:pt>
+    <dgm:pt modelId="{38EC4B34-46F0-46FF-A0A9-8C5BD69585EF}" type="sibTrans" cxnId="{1B24F024-57A6-458A-869E-17A36DEECFE6}">
+      <dgm:prSet/>
+      <dgm:spPr/>
+      <dgm:t>
+        <a:bodyPr/>
+        <a:lstStyle/>
+        <a:p>
+          <a:endParaRPr lang="en-US"/>
+        </a:p>
+      </dgm:t>
+    </dgm:pt>
+    <dgm:pt modelId="{F3784CB1-EF46-4C2B-A661-94759FA3F147}">
+      <dgm:prSet/>
+      <dgm:spPr/>
+      <dgm:t>
+        <a:bodyPr/>
+        <a:lstStyle/>
+        <a:p>
+          <a:r>
+            <a:rPr lang="en-US"/>
+            <a:t>Rohit Saini (2122294)</a:t>
+          </a:r>
+        </a:p>
+      </dgm:t>
+    </dgm:pt>
+    <dgm:pt modelId="{3D25C771-574E-4EB2-87AA-6558B773545C}" type="parTrans" cxnId="{27837E4E-3100-44BA-80FA-6FDDDA33C09E}">
+      <dgm:prSet/>
+      <dgm:spPr/>
+      <dgm:t>
+        <a:bodyPr/>
+        <a:lstStyle/>
+        <a:p>
+          <a:endParaRPr lang="en-US"/>
+        </a:p>
+      </dgm:t>
+    </dgm:pt>
+    <dgm:pt modelId="{2CD544D9-0576-4009-9F6F-1C54B32DDA82}" type="sibTrans" cxnId="{27837E4E-3100-44BA-80FA-6FDDDA33C09E}">
+      <dgm:prSet/>
+      <dgm:spPr/>
+      <dgm:t>
+        <a:bodyPr/>
+        <a:lstStyle/>
+        <a:p>
+          <a:endParaRPr lang="en-US"/>
+        </a:p>
+      </dgm:t>
+    </dgm:pt>
+    <dgm:pt modelId="{507B0964-78E2-40A5-84BD-FE75CBF492EE}">
+      <dgm:prSet/>
+      <dgm:spPr/>
+      <dgm:t>
+        <a:bodyPr/>
+        <a:lstStyle/>
+        <a:p>
+          <a:r>
+            <a:rPr lang="en-US"/>
+            <a:t>Aliasgar Gandhi (2122332)</a:t>
+          </a:r>
+        </a:p>
+      </dgm:t>
+    </dgm:pt>
+    <dgm:pt modelId="{8FA3D6AA-8D67-47FF-B25A-68212819DB31}" type="parTrans" cxnId="{91FF5E66-14A5-4365-8B55-069F8062BCF7}">
+      <dgm:prSet/>
+      <dgm:spPr/>
+      <dgm:t>
+        <a:bodyPr/>
+        <a:lstStyle/>
+        <a:p>
+          <a:endParaRPr lang="en-US"/>
+        </a:p>
+      </dgm:t>
+    </dgm:pt>
+    <dgm:pt modelId="{B0722F37-EBC8-4801-994B-124B64FB5F83}" type="sibTrans" cxnId="{91FF5E66-14A5-4365-8B55-069F8062BCF7}">
+      <dgm:prSet/>
+      <dgm:spPr/>
+      <dgm:t>
+        <a:bodyPr/>
+        <a:lstStyle/>
+        <a:p>
+          <a:endParaRPr lang="en-US"/>
+        </a:p>
+      </dgm:t>
+    </dgm:pt>
+    <dgm:pt modelId="{68E799CD-6B66-4AF2-88E7-CF80F8EB6871}" type="pres">
+      <dgm:prSet presAssocID="{D31BD681-4692-4E9C-A0EE-8F6B27333AAE}" presName="linear" presStyleCnt="0">
+        <dgm:presLayoutVars>
+          <dgm:dir/>
+          <dgm:animLvl val="lvl"/>
+          <dgm:resizeHandles val="exact"/>
+        </dgm:presLayoutVars>
+      </dgm:prSet>
+      <dgm:spPr/>
+    </dgm:pt>
+    <dgm:pt modelId="{67E7FA7D-5289-4374-8392-DEAC29013726}" type="pres">
+      <dgm:prSet presAssocID="{C9BB6505-CDD0-4265-89B1-90FCC9DCB168}" presName="parentLin" presStyleCnt="0"/>
+      <dgm:spPr/>
+    </dgm:pt>
+    <dgm:pt modelId="{9CFE724F-AA0C-4715-870E-F52B3BFBA68A}" type="pres">
+      <dgm:prSet presAssocID="{C9BB6505-CDD0-4265-89B1-90FCC9DCB168}" presName="parentLeftMargin" presStyleLbl="node1" presStyleIdx="0" presStyleCnt="3"/>
+      <dgm:spPr/>
+    </dgm:pt>
+    <dgm:pt modelId="{E3AFA6EF-6CC5-4D4B-84A3-5E70BC69479C}" type="pres">
+      <dgm:prSet presAssocID="{C9BB6505-CDD0-4265-89B1-90FCC9DCB168}" presName="parentText" presStyleLbl="node1" presStyleIdx="0" presStyleCnt="3">
+        <dgm:presLayoutVars>
+          <dgm:chMax val="0"/>
+          <dgm:bulletEnabled val="1"/>
+        </dgm:presLayoutVars>
+      </dgm:prSet>
+      <dgm:spPr/>
+    </dgm:pt>
+    <dgm:pt modelId="{51B7EE60-49D9-431F-B02C-849FC89BA24A}" type="pres">
+      <dgm:prSet presAssocID="{C9BB6505-CDD0-4265-89B1-90FCC9DCB168}" presName="negativeSpace" presStyleCnt="0"/>
+      <dgm:spPr/>
+    </dgm:pt>
+    <dgm:pt modelId="{35E89ECE-6487-4E1D-B512-900F21AB6527}" type="pres">
+      <dgm:prSet presAssocID="{C9BB6505-CDD0-4265-89B1-90FCC9DCB168}" presName="childText" presStyleLbl="conFgAcc1" presStyleIdx="0" presStyleCnt="3">
+        <dgm:presLayoutVars>
+          <dgm:bulletEnabled val="1"/>
+        </dgm:presLayoutVars>
+      </dgm:prSet>
+      <dgm:spPr/>
+    </dgm:pt>
+    <dgm:pt modelId="{99E2222E-9DBA-40EC-ABB4-4F772E2F8708}" type="pres">
+      <dgm:prSet presAssocID="{38EC4B34-46F0-46FF-A0A9-8C5BD69585EF}" presName="spaceBetweenRectangles" presStyleCnt="0"/>
+      <dgm:spPr/>
+    </dgm:pt>
+    <dgm:pt modelId="{5B6DDDF9-9828-44E3-916F-4220729A7D7B}" type="pres">
+      <dgm:prSet presAssocID="{F3784CB1-EF46-4C2B-A661-94759FA3F147}" presName="parentLin" presStyleCnt="0"/>
+      <dgm:spPr/>
+    </dgm:pt>
+    <dgm:pt modelId="{FE870793-B0FF-41C5-985B-43D13504D53B}" type="pres">
+      <dgm:prSet presAssocID="{F3784CB1-EF46-4C2B-A661-94759FA3F147}" presName="parentLeftMargin" presStyleLbl="node1" presStyleIdx="0" presStyleCnt="3"/>
+      <dgm:spPr/>
+    </dgm:pt>
+    <dgm:pt modelId="{1DCCA5D9-A507-4A3A-807B-E2E26F9EA61F}" type="pres">
+      <dgm:prSet presAssocID="{F3784CB1-EF46-4C2B-A661-94759FA3F147}" presName="parentText" presStyleLbl="node1" presStyleIdx="1" presStyleCnt="3">
+        <dgm:presLayoutVars>
+          <dgm:chMax val="0"/>
+          <dgm:bulletEnabled val="1"/>
+        </dgm:presLayoutVars>
+      </dgm:prSet>
+      <dgm:spPr/>
+    </dgm:pt>
+    <dgm:pt modelId="{E45C1C2B-A30E-4600-920D-CBC663C8F7CF}" type="pres">
+      <dgm:prSet presAssocID="{F3784CB1-EF46-4C2B-A661-94759FA3F147}" presName="negativeSpace" presStyleCnt="0"/>
+      <dgm:spPr/>
+    </dgm:pt>
+    <dgm:pt modelId="{DEE5A7AC-62DA-439E-BE74-6E8F9F42C387}" type="pres">
+      <dgm:prSet presAssocID="{F3784CB1-EF46-4C2B-A661-94759FA3F147}" presName="childText" presStyleLbl="conFgAcc1" presStyleIdx="1" presStyleCnt="3">
+        <dgm:presLayoutVars>
+          <dgm:bulletEnabled val="1"/>
+        </dgm:presLayoutVars>
+      </dgm:prSet>
+      <dgm:spPr/>
+    </dgm:pt>
+    <dgm:pt modelId="{19685844-3BD0-4615-8A71-063FAAEDB67D}" type="pres">
+      <dgm:prSet presAssocID="{2CD544D9-0576-4009-9F6F-1C54B32DDA82}" presName="spaceBetweenRectangles" presStyleCnt="0"/>
+      <dgm:spPr/>
+    </dgm:pt>
+    <dgm:pt modelId="{80AC05DC-5E58-4800-8096-F82C02E1ADDB}" type="pres">
+      <dgm:prSet presAssocID="{507B0964-78E2-40A5-84BD-FE75CBF492EE}" presName="parentLin" presStyleCnt="0"/>
+      <dgm:spPr/>
+    </dgm:pt>
+    <dgm:pt modelId="{05C149AA-48A5-4757-A8BC-9A941F88F4D8}" type="pres">
+      <dgm:prSet presAssocID="{507B0964-78E2-40A5-84BD-FE75CBF492EE}" presName="parentLeftMargin" presStyleLbl="node1" presStyleIdx="1" presStyleCnt="3"/>
+      <dgm:spPr/>
+    </dgm:pt>
+    <dgm:pt modelId="{7AF5DF37-80DA-450D-85FF-79CCB2F8F800}" type="pres">
+      <dgm:prSet presAssocID="{507B0964-78E2-40A5-84BD-FE75CBF492EE}" presName="parentText" presStyleLbl="node1" presStyleIdx="2" presStyleCnt="3">
+        <dgm:presLayoutVars>
+          <dgm:chMax val="0"/>
+          <dgm:bulletEnabled val="1"/>
+        </dgm:presLayoutVars>
+      </dgm:prSet>
+      <dgm:spPr/>
+    </dgm:pt>
+    <dgm:pt modelId="{0BA0D18D-35A6-47A4-9E5B-81C2D948DDCD}" type="pres">
+      <dgm:prSet presAssocID="{507B0964-78E2-40A5-84BD-FE75CBF492EE}" presName="negativeSpace" presStyleCnt="0"/>
+      <dgm:spPr/>
+    </dgm:pt>
+    <dgm:pt modelId="{7F069361-3251-47E2-82C0-EBDFE24148AC}" type="pres">
+      <dgm:prSet presAssocID="{507B0964-78E2-40A5-84BD-FE75CBF492EE}" presName="childText" presStyleLbl="conFgAcc1" presStyleIdx="2" presStyleCnt="3">
+        <dgm:presLayoutVars>
+          <dgm:bulletEnabled val="1"/>
+        </dgm:presLayoutVars>
+      </dgm:prSet>
+      <dgm:spPr/>
+    </dgm:pt>
+  </dgm:ptLst>
+  <dgm:cxnLst>
+    <dgm:cxn modelId="{5E13250F-C1D8-45DF-9824-C3646F34C3AB}" type="presOf" srcId="{507B0964-78E2-40A5-84BD-FE75CBF492EE}" destId="{05C149AA-48A5-4757-A8BC-9A941F88F4D8}" srcOrd="0" destOrd="0" presId="urn:microsoft.com/office/officeart/2005/8/layout/list1"/>
+    <dgm:cxn modelId="{1B24F024-57A6-458A-869E-17A36DEECFE6}" srcId="{D31BD681-4692-4E9C-A0EE-8F6B27333AAE}" destId="{C9BB6505-CDD0-4265-89B1-90FCC9DCB168}" srcOrd="0" destOrd="0" parTransId="{EE87D29D-91FA-45AB-86F5-BC3D0454A9E5}" sibTransId="{38EC4B34-46F0-46FF-A0A9-8C5BD69585EF}"/>
+    <dgm:cxn modelId="{91FF5E66-14A5-4365-8B55-069F8062BCF7}" srcId="{D31BD681-4692-4E9C-A0EE-8F6B27333AAE}" destId="{507B0964-78E2-40A5-84BD-FE75CBF492EE}" srcOrd="2" destOrd="0" parTransId="{8FA3D6AA-8D67-47FF-B25A-68212819DB31}" sibTransId="{B0722F37-EBC8-4801-994B-124B64FB5F83}"/>
+    <dgm:cxn modelId="{27837E4E-3100-44BA-80FA-6FDDDA33C09E}" srcId="{D31BD681-4692-4E9C-A0EE-8F6B27333AAE}" destId="{F3784CB1-EF46-4C2B-A661-94759FA3F147}" srcOrd="1" destOrd="0" parTransId="{3D25C771-574E-4EB2-87AA-6558B773545C}" sibTransId="{2CD544D9-0576-4009-9F6F-1C54B32DDA82}"/>
+    <dgm:cxn modelId="{6AE63E71-12BD-4D46-B3E6-2E45660CF283}" type="presOf" srcId="{F3784CB1-EF46-4C2B-A661-94759FA3F147}" destId="{1DCCA5D9-A507-4A3A-807B-E2E26F9EA61F}" srcOrd="1" destOrd="0" presId="urn:microsoft.com/office/officeart/2005/8/layout/list1"/>
+    <dgm:cxn modelId="{7779E753-8054-4691-A5B0-DFC8780A3633}" type="presOf" srcId="{C9BB6505-CDD0-4265-89B1-90FCC9DCB168}" destId="{9CFE724F-AA0C-4715-870E-F52B3BFBA68A}" srcOrd="0" destOrd="0" presId="urn:microsoft.com/office/officeart/2005/8/layout/list1"/>
+    <dgm:cxn modelId="{D67B1A9D-8F3B-4CCB-8829-5F291F84A656}" type="presOf" srcId="{C9BB6505-CDD0-4265-89B1-90FCC9DCB168}" destId="{E3AFA6EF-6CC5-4D4B-84A3-5E70BC69479C}" srcOrd="1" destOrd="0" presId="urn:microsoft.com/office/officeart/2005/8/layout/list1"/>
+    <dgm:cxn modelId="{A00EF7C1-3EA9-4FF1-88F4-2CD4D5C58873}" type="presOf" srcId="{507B0964-78E2-40A5-84BD-FE75CBF492EE}" destId="{7AF5DF37-80DA-450D-85FF-79CCB2F8F800}" srcOrd="1" destOrd="0" presId="urn:microsoft.com/office/officeart/2005/8/layout/list1"/>
+    <dgm:cxn modelId="{D80C7FC7-0A63-468C-9A6C-DCD76324CFE0}" type="presOf" srcId="{F3784CB1-EF46-4C2B-A661-94759FA3F147}" destId="{FE870793-B0FF-41C5-985B-43D13504D53B}" srcOrd="0" destOrd="0" presId="urn:microsoft.com/office/officeart/2005/8/layout/list1"/>
+    <dgm:cxn modelId="{773B3BFD-94AA-4341-BB70-F780F4133563}" type="presOf" srcId="{D31BD681-4692-4E9C-A0EE-8F6B27333AAE}" destId="{68E799CD-6B66-4AF2-88E7-CF80F8EB6871}" srcOrd="0" destOrd="0" presId="urn:microsoft.com/office/officeart/2005/8/layout/list1"/>
+    <dgm:cxn modelId="{5341B578-F148-43FA-8454-CC99C49D73F5}" type="presParOf" srcId="{68E799CD-6B66-4AF2-88E7-CF80F8EB6871}" destId="{67E7FA7D-5289-4374-8392-DEAC29013726}" srcOrd="0" destOrd="0" presId="urn:microsoft.com/office/officeart/2005/8/layout/list1"/>
+    <dgm:cxn modelId="{E8C18C6A-9632-4573-8571-BCB06CDD27BA}" type="presParOf" srcId="{67E7FA7D-5289-4374-8392-DEAC29013726}" destId="{9CFE724F-AA0C-4715-870E-F52B3BFBA68A}" srcOrd="0" destOrd="0" presId="urn:microsoft.com/office/officeart/2005/8/layout/list1"/>
+    <dgm:cxn modelId="{2099832A-A3B1-4C52-8091-16392D396EB5}" type="presParOf" srcId="{67E7FA7D-5289-4374-8392-DEAC29013726}" destId="{E3AFA6EF-6CC5-4D4B-84A3-5E70BC69479C}" srcOrd="1" destOrd="0" presId="urn:microsoft.com/office/officeart/2005/8/layout/list1"/>
+    <dgm:cxn modelId="{74BE4A68-76DC-46D4-A18B-FED0D62230F6}" type="presParOf" srcId="{68E799CD-6B66-4AF2-88E7-CF80F8EB6871}" destId="{51B7EE60-49D9-431F-B02C-849FC89BA24A}" srcOrd="1" destOrd="0" presId="urn:microsoft.com/office/officeart/2005/8/layout/list1"/>
+    <dgm:cxn modelId="{57B1716E-A4C8-4499-8D73-DBE96BB2959E}" type="presParOf" srcId="{68E799CD-6B66-4AF2-88E7-CF80F8EB6871}" destId="{35E89ECE-6487-4E1D-B512-900F21AB6527}" srcOrd="2" destOrd="0" presId="urn:microsoft.com/office/officeart/2005/8/layout/list1"/>
+    <dgm:cxn modelId="{7FDC7A18-8934-46A2-8133-643DA8F13EDF}" type="presParOf" srcId="{68E799CD-6B66-4AF2-88E7-CF80F8EB6871}" destId="{99E2222E-9DBA-40EC-ABB4-4F772E2F8708}" srcOrd="3" destOrd="0" presId="urn:microsoft.com/office/officeart/2005/8/layout/list1"/>
+    <dgm:cxn modelId="{D82901F9-5A0C-4045-A151-9F16874A737A}" type="presParOf" srcId="{68E799CD-6B66-4AF2-88E7-CF80F8EB6871}" destId="{5B6DDDF9-9828-44E3-916F-4220729A7D7B}" srcOrd="4" destOrd="0" presId="urn:microsoft.com/office/officeart/2005/8/layout/list1"/>
+    <dgm:cxn modelId="{EBBC418F-70DB-4F94-9588-9DC1814CB584}" type="presParOf" srcId="{5B6DDDF9-9828-44E3-916F-4220729A7D7B}" destId="{FE870793-B0FF-41C5-985B-43D13504D53B}" srcOrd="0" destOrd="0" presId="urn:microsoft.com/office/officeart/2005/8/layout/list1"/>
+    <dgm:cxn modelId="{03D05D6D-171F-4DB7-B17A-EA04E5F6F24D}" type="presParOf" srcId="{5B6DDDF9-9828-44E3-916F-4220729A7D7B}" destId="{1DCCA5D9-A507-4A3A-807B-E2E26F9EA61F}" srcOrd="1" destOrd="0" presId="urn:microsoft.com/office/officeart/2005/8/layout/list1"/>
+    <dgm:cxn modelId="{09D5804E-74BD-4883-AA86-45A58199A039}" type="presParOf" srcId="{68E799CD-6B66-4AF2-88E7-CF80F8EB6871}" destId="{E45C1C2B-A30E-4600-920D-CBC663C8F7CF}" srcOrd="5" destOrd="0" presId="urn:microsoft.com/office/officeart/2005/8/layout/list1"/>
+    <dgm:cxn modelId="{1601A748-B2C9-41C3-8311-4E213E061762}" type="presParOf" srcId="{68E799CD-6B66-4AF2-88E7-CF80F8EB6871}" destId="{DEE5A7AC-62DA-439E-BE74-6E8F9F42C387}" srcOrd="6" destOrd="0" presId="urn:microsoft.com/office/officeart/2005/8/layout/list1"/>
+    <dgm:cxn modelId="{A2A09423-A331-47DC-94D1-1F17FA4ABA7B}" type="presParOf" srcId="{68E799CD-6B66-4AF2-88E7-CF80F8EB6871}" destId="{19685844-3BD0-4615-8A71-063FAAEDB67D}" srcOrd="7" destOrd="0" presId="urn:microsoft.com/office/officeart/2005/8/layout/list1"/>
+    <dgm:cxn modelId="{51B5C5A3-AEEE-41FE-9154-F16204113E28}" type="presParOf" srcId="{68E799CD-6B66-4AF2-88E7-CF80F8EB6871}" destId="{80AC05DC-5E58-4800-8096-F82C02E1ADDB}" srcOrd="8" destOrd="0" presId="urn:microsoft.com/office/officeart/2005/8/layout/list1"/>
+    <dgm:cxn modelId="{690F3820-792F-44C8-9162-06DA3BB7DF11}" type="presParOf" srcId="{80AC05DC-5E58-4800-8096-F82C02E1ADDB}" destId="{05C149AA-48A5-4757-A8BC-9A941F88F4D8}" srcOrd="0" destOrd="0" presId="urn:microsoft.com/office/officeart/2005/8/layout/list1"/>
+    <dgm:cxn modelId="{76FD5585-1F57-4C13-80BB-B0B3D07A53E0}" type="presParOf" srcId="{80AC05DC-5E58-4800-8096-F82C02E1ADDB}" destId="{7AF5DF37-80DA-450D-85FF-79CCB2F8F800}" srcOrd="1" destOrd="0" presId="urn:microsoft.com/office/officeart/2005/8/layout/list1"/>
+    <dgm:cxn modelId="{E10D4779-BDA1-45C5-B748-2BC2F5837094}" type="presParOf" srcId="{68E799CD-6B66-4AF2-88E7-CF80F8EB6871}" destId="{0BA0D18D-35A6-47A4-9E5B-81C2D948DDCD}" srcOrd="9" destOrd="0" presId="urn:microsoft.com/office/officeart/2005/8/layout/list1"/>
+    <dgm:cxn modelId="{0F2A285C-3654-4CF0-84CD-CA1A2E7A537F}" type="presParOf" srcId="{68E799CD-6B66-4AF2-88E7-CF80F8EB6871}" destId="{7F069361-3251-47E2-82C0-EBDFE24148AC}" srcOrd="10" destOrd="0" presId="urn:microsoft.com/office/officeart/2005/8/layout/list1"/>
+  </dgm:cxnLst>
+  <dgm:bg/>
+  <dgm:whole/>
+  <dgm:extLst>
+    <a:ext uri="http://schemas.microsoft.com/office/drawing/2008/diagram">
+      <dsp:dataModelExt xmlns:dsp="http://schemas.microsoft.com/office/drawing/2008/diagram" relId="rId6" minVer="http://schemas.openxmlformats.org/drawingml/2006/diagram"/>
+    </a:ext>
+  </dgm:extLst>
+</dgm:dataModel>
+</file>
+
+<file path=ppt/diagrams/drawing1.xml><?xml version="1.0" encoding="utf-8"?>
+<dsp:drawing xmlns:dgm="http://schemas.openxmlformats.org/drawingml/2006/diagram" xmlns:dsp="http://schemas.microsoft.com/office/drawing/2008/diagram" xmlns:a="http://schemas.openxmlformats.org/drawingml/2006/main">
+  <dsp:spTree>
+    <dsp:nvGrpSpPr>
+      <dsp:cNvPr id="0" name=""/>
+      <dsp:cNvGrpSpPr/>
+    </dsp:nvGrpSpPr>
+    <dsp:grpSpPr/>
+    <dsp:sp modelId="{35E89ECE-6487-4E1D-B512-900F21AB6527}">
+      <dsp:nvSpPr>
+        <dsp:cNvPr id="0" name=""/>
+        <dsp:cNvSpPr/>
+      </dsp:nvSpPr>
+      <dsp:spPr>
+        <a:xfrm>
+          <a:off x="0" y="1149510"/>
+          <a:ext cx="6900512" cy="806400"/>
+        </a:xfrm>
+        <a:prstGeom prst="rect">
+          <a:avLst/>
+        </a:prstGeom>
+        <a:solidFill>
+          <a:schemeClr val="lt1">
+            <a:alpha val="90000"/>
+            <a:hueOff val="0"/>
+            <a:satOff val="0"/>
+            <a:lumOff val="0"/>
+            <a:alphaOff val="0"/>
+          </a:schemeClr>
+        </a:solidFill>
+        <a:ln w="12700" cap="flat" cmpd="sng" algn="ctr">
+          <a:solidFill>
+            <a:schemeClr val="accent2">
+              <a:hueOff val="0"/>
+              <a:satOff val="0"/>
+              <a:lumOff val="0"/>
+              <a:alphaOff val="0"/>
+            </a:schemeClr>
+          </a:solidFill>
+          <a:prstDash val="solid"/>
+          <a:miter lim="800000"/>
+        </a:ln>
+        <a:effectLst/>
+      </dsp:spPr>
+      <dsp:style>
+        <a:lnRef idx="2">
+          <a:scrgbClr r="0" g="0" b="0"/>
+        </a:lnRef>
+        <a:fillRef idx="1">
+          <a:scrgbClr r="0" g="0" b="0"/>
+        </a:fillRef>
+        <a:effectRef idx="0">
+          <a:scrgbClr r="0" g="0" b="0"/>
+        </a:effectRef>
+        <a:fontRef idx="minor"/>
+      </dsp:style>
+    </dsp:sp>
+    <dsp:sp modelId="{E3AFA6EF-6CC5-4D4B-84A3-5E70BC69479C}">
+      <dsp:nvSpPr>
+        <dsp:cNvPr id="0" name=""/>
+        <dsp:cNvSpPr/>
+      </dsp:nvSpPr>
+      <dsp:spPr>
+        <a:xfrm>
+          <a:off x="345025" y="677190"/>
+          <a:ext cx="4830358" cy="944640"/>
+        </a:xfrm>
+        <a:prstGeom prst="roundRect">
+          <a:avLst/>
+        </a:prstGeom>
+        <a:solidFill>
+          <a:schemeClr val="accent2">
+            <a:hueOff val="0"/>
+            <a:satOff val="0"/>
+            <a:lumOff val="0"/>
+            <a:alphaOff val="0"/>
+          </a:schemeClr>
+        </a:solidFill>
+        <a:ln w="12700" cap="flat" cmpd="sng" algn="ctr">
+          <a:solidFill>
+            <a:schemeClr val="lt1">
+              <a:hueOff val="0"/>
+              <a:satOff val="0"/>
+              <a:lumOff val="0"/>
+              <a:alphaOff val="0"/>
+            </a:schemeClr>
+          </a:solidFill>
+          <a:prstDash val="solid"/>
+          <a:miter lim="800000"/>
+        </a:ln>
+        <a:effectLst/>
+      </dsp:spPr>
+      <dsp:style>
+        <a:lnRef idx="2">
+          <a:scrgbClr r="0" g="0" b="0"/>
+        </a:lnRef>
+        <a:fillRef idx="1">
+          <a:scrgbClr r="0" g="0" b="0"/>
+        </a:fillRef>
+        <a:effectRef idx="0">
+          <a:scrgbClr r="0" g="0" b="0"/>
+        </a:effectRef>
+        <a:fontRef idx="minor">
+          <a:schemeClr val="lt1"/>
+        </a:fontRef>
+      </dsp:style>
+      <dsp:txBody>
+        <a:bodyPr spcFirstLastPara="0" vert="horz" wrap="square" lIns="182576" tIns="0" rIns="182576" bIns="0" numCol="1" spcCol="1270" anchor="ctr" anchorCtr="0">
+          <a:noAutofit/>
+        </a:bodyPr>
+        <a:lstStyle/>
+        <a:p>
+          <a:pPr marL="0" lvl="0" indent="0" algn="l" defTabSz="1422400">
+            <a:lnSpc>
+              <a:spcPct val="90000"/>
+            </a:lnSpc>
+            <a:spcBef>
+              <a:spcPct val="0"/>
+            </a:spcBef>
+            <a:spcAft>
+              <a:spcPct val="35000"/>
+            </a:spcAft>
+            <a:buNone/>
+          </a:pPr>
+          <a:r>
+            <a:rPr lang="en-US" sz="3200" kern="1200"/>
+            <a:t>Chintan Patel (2024318)</a:t>
+          </a:r>
+        </a:p>
+      </dsp:txBody>
+      <dsp:txXfrm>
+        <a:off x="391139" y="723304"/>
+        <a:ext cx="4738130" cy="852412"/>
+      </dsp:txXfrm>
+    </dsp:sp>
+    <dsp:sp modelId="{DEE5A7AC-62DA-439E-BE74-6E8F9F42C387}">
+      <dsp:nvSpPr>
+        <dsp:cNvPr id="0" name=""/>
+        <dsp:cNvSpPr/>
+      </dsp:nvSpPr>
+      <dsp:spPr>
+        <a:xfrm>
+          <a:off x="0" y="2601030"/>
+          <a:ext cx="6900512" cy="806400"/>
+        </a:xfrm>
+        <a:prstGeom prst="rect">
+          <a:avLst/>
+        </a:prstGeom>
+        <a:solidFill>
+          <a:schemeClr val="lt1">
+            <a:alpha val="90000"/>
+            <a:hueOff val="0"/>
+            <a:satOff val="0"/>
+            <a:lumOff val="0"/>
+            <a:alphaOff val="0"/>
+          </a:schemeClr>
+        </a:solidFill>
+        <a:ln w="12700" cap="flat" cmpd="sng" algn="ctr">
+          <a:solidFill>
+            <a:schemeClr val="accent3">
+              <a:hueOff val="0"/>
+              <a:satOff val="0"/>
+              <a:lumOff val="0"/>
+              <a:alphaOff val="0"/>
+            </a:schemeClr>
+          </a:solidFill>
+          <a:prstDash val="solid"/>
+          <a:miter lim="800000"/>
+        </a:ln>
+        <a:effectLst/>
+      </dsp:spPr>
+      <dsp:style>
+        <a:lnRef idx="2">
+          <a:scrgbClr r="0" g="0" b="0"/>
+        </a:lnRef>
+        <a:fillRef idx="1">
+          <a:scrgbClr r="0" g="0" b="0"/>
+        </a:fillRef>
+        <a:effectRef idx="0">
+          <a:scrgbClr r="0" g="0" b="0"/>
+        </a:effectRef>
+        <a:fontRef idx="minor"/>
+      </dsp:style>
+    </dsp:sp>
+    <dsp:sp modelId="{1DCCA5D9-A507-4A3A-807B-E2E26F9EA61F}">
+      <dsp:nvSpPr>
+        <dsp:cNvPr id="0" name=""/>
+        <dsp:cNvSpPr/>
+      </dsp:nvSpPr>
+      <dsp:spPr>
+        <a:xfrm>
+          <a:off x="345025" y="2128710"/>
+          <a:ext cx="4830358" cy="944640"/>
+        </a:xfrm>
+        <a:prstGeom prst="roundRect">
+          <a:avLst/>
+        </a:prstGeom>
+        <a:solidFill>
+          <a:schemeClr val="accent3">
+            <a:hueOff val="0"/>
+            <a:satOff val="0"/>
+            <a:lumOff val="0"/>
+            <a:alphaOff val="0"/>
+          </a:schemeClr>
+        </a:solidFill>
+        <a:ln w="12700" cap="flat" cmpd="sng" algn="ctr">
+          <a:solidFill>
+            <a:schemeClr val="lt1">
+              <a:hueOff val="0"/>
+              <a:satOff val="0"/>
+              <a:lumOff val="0"/>
+              <a:alphaOff val="0"/>
+            </a:schemeClr>
+          </a:solidFill>
+          <a:prstDash val="solid"/>
+          <a:miter lim="800000"/>
+        </a:ln>
+        <a:effectLst/>
+      </dsp:spPr>
+      <dsp:style>
+        <a:lnRef idx="2">
+          <a:scrgbClr r="0" g="0" b="0"/>
+        </a:lnRef>
+        <a:fillRef idx="1">
+          <a:scrgbClr r="0" g="0" b="0"/>
+        </a:fillRef>
+        <a:effectRef idx="0">
+          <a:scrgbClr r="0" g="0" b="0"/>
+        </a:effectRef>
+        <a:fontRef idx="minor">
+          <a:schemeClr val="lt1"/>
+        </a:fontRef>
+      </dsp:style>
+      <dsp:txBody>
+        <a:bodyPr spcFirstLastPara="0" vert="horz" wrap="square" lIns="182576" tIns="0" rIns="182576" bIns="0" numCol="1" spcCol="1270" anchor="ctr" anchorCtr="0">
+          <a:noAutofit/>
+        </a:bodyPr>
+        <a:lstStyle/>
+        <a:p>
+          <a:pPr marL="0" lvl="0" indent="0" algn="l" defTabSz="1422400">
+            <a:lnSpc>
+              <a:spcPct val="90000"/>
+            </a:lnSpc>
+            <a:spcBef>
+              <a:spcPct val="0"/>
+            </a:spcBef>
+            <a:spcAft>
+              <a:spcPct val="35000"/>
+            </a:spcAft>
+            <a:buNone/>
+          </a:pPr>
+          <a:r>
+            <a:rPr lang="en-US" sz="3200" kern="1200"/>
+            <a:t>Rohit Saini (2122294)</a:t>
+          </a:r>
+        </a:p>
+      </dsp:txBody>
+      <dsp:txXfrm>
+        <a:off x="391139" y="2174824"/>
+        <a:ext cx="4738130" cy="852412"/>
+      </dsp:txXfrm>
+    </dsp:sp>
+    <dsp:sp modelId="{7F069361-3251-47E2-82C0-EBDFE24148AC}">
+      <dsp:nvSpPr>
+        <dsp:cNvPr id="0" name=""/>
+        <dsp:cNvSpPr/>
+      </dsp:nvSpPr>
+      <dsp:spPr>
+        <a:xfrm>
+          <a:off x="0" y="4052550"/>
+          <a:ext cx="6900512" cy="806400"/>
+        </a:xfrm>
+        <a:prstGeom prst="rect">
+          <a:avLst/>
+        </a:prstGeom>
+        <a:solidFill>
+          <a:schemeClr val="lt1">
+            <a:alpha val="90000"/>
+            <a:hueOff val="0"/>
+            <a:satOff val="0"/>
+            <a:lumOff val="0"/>
+            <a:alphaOff val="0"/>
+          </a:schemeClr>
+        </a:solidFill>
+        <a:ln w="12700" cap="flat" cmpd="sng" algn="ctr">
+          <a:solidFill>
+            <a:schemeClr val="accent4">
+              <a:hueOff val="0"/>
+              <a:satOff val="0"/>
+              <a:lumOff val="0"/>
+              <a:alphaOff val="0"/>
+            </a:schemeClr>
+          </a:solidFill>
+          <a:prstDash val="solid"/>
+          <a:miter lim="800000"/>
+        </a:ln>
+        <a:effectLst/>
+      </dsp:spPr>
+      <dsp:style>
+        <a:lnRef idx="2">
+          <a:scrgbClr r="0" g="0" b="0"/>
+        </a:lnRef>
+        <a:fillRef idx="1">
+          <a:scrgbClr r="0" g="0" b="0"/>
+        </a:fillRef>
+        <a:effectRef idx="0">
+          <a:scrgbClr r="0" g="0" b="0"/>
+        </a:effectRef>
+        <a:fontRef idx="minor"/>
+      </dsp:style>
+    </dsp:sp>
+    <dsp:sp modelId="{7AF5DF37-80DA-450D-85FF-79CCB2F8F800}">
+      <dsp:nvSpPr>
+        <dsp:cNvPr id="0" name=""/>
+        <dsp:cNvSpPr/>
+      </dsp:nvSpPr>
+      <dsp:spPr>
+        <a:xfrm>
+          <a:off x="345025" y="3580230"/>
+          <a:ext cx="4830358" cy="944640"/>
+        </a:xfrm>
+        <a:prstGeom prst="roundRect">
+          <a:avLst/>
+        </a:prstGeom>
+        <a:solidFill>
+          <a:schemeClr val="accent4">
+            <a:hueOff val="0"/>
+            <a:satOff val="0"/>
+            <a:lumOff val="0"/>
+            <a:alphaOff val="0"/>
+          </a:schemeClr>
+        </a:solidFill>
+        <a:ln w="12700" cap="flat" cmpd="sng" algn="ctr">
+          <a:solidFill>
+            <a:schemeClr val="lt1">
+              <a:hueOff val="0"/>
+              <a:satOff val="0"/>
+              <a:lumOff val="0"/>
+              <a:alphaOff val="0"/>
+            </a:schemeClr>
+          </a:solidFill>
+          <a:prstDash val="solid"/>
+          <a:miter lim="800000"/>
+        </a:ln>
+        <a:effectLst/>
+      </dsp:spPr>
+      <dsp:style>
+        <a:lnRef idx="2">
+          <a:scrgbClr r="0" g="0" b="0"/>
+        </a:lnRef>
+        <a:fillRef idx="1">
+          <a:scrgbClr r="0" g="0" b="0"/>
+        </a:fillRef>
+        <a:effectRef idx="0">
+          <a:scrgbClr r="0" g="0" b="0"/>
+        </a:effectRef>
+        <a:fontRef idx="minor">
+          <a:schemeClr val="lt1"/>
+        </a:fontRef>
+      </dsp:style>
+      <dsp:txBody>
+        <a:bodyPr spcFirstLastPara="0" vert="horz" wrap="square" lIns="182576" tIns="0" rIns="182576" bIns="0" numCol="1" spcCol="1270" anchor="ctr" anchorCtr="0">
+          <a:noAutofit/>
+        </a:bodyPr>
+        <a:lstStyle/>
+        <a:p>
+          <a:pPr marL="0" lvl="0" indent="0" algn="l" defTabSz="1422400">
+            <a:lnSpc>
+              <a:spcPct val="90000"/>
+            </a:lnSpc>
+            <a:spcBef>
+              <a:spcPct val="0"/>
+            </a:spcBef>
+            <a:spcAft>
+              <a:spcPct val="35000"/>
+            </a:spcAft>
+            <a:buNone/>
+          </a:pPr>
+          <a:r>
+            <a:rPr lang="en-US" sz="3200" kern="1200"/>
+            <a:t>Aliasgar Gandhi (2122332)</a:t>
+          </a:r>
+        </a:p>
+      </dsp:txBody>
+      <dsp:txXfrm>
+        <a:off x="391139" y="3626344"/>
+        <a:ext cx="4738130" cy="852412"/>
+      </dsp:txXfrm>
+    </dsp:sp>
+  </dsp:spTree>
+</dsp:drawing>
+</file>
+
+<file path=ppt/diagrams/layout1.xml><?xml version="1.0" encoding="utf-8"?>
+<dgm:layoutDef xmlns:dgm="http://schemas.openxmlformats.org/drawingml/2006/diagram" xmlns:a="http://schemas.openxmlformats.org/drawingml/2006/main" uniqueId="urn:microsoft.com/office/officeart/2005/8/layout/list1">
+  <dgm:title val=""/>
+  <dgm:desc val=""/>
+  <dgm:catLst>
+    <dgm:cat type="list" pri="4000"/>
+  </dgm:catLst>
+  <dgm:sampData>
+    <dgm:dataModel>
+      <dgm:ptLst>
+        <dgm:pt modelId="0" type="doc"/>
+        <dgm:pt modelId="1">
+          <dgm:prSet phldr="1"/>
+        </dgm:pt>
+        <dgm:pt modelId="2">
+          <dgm:prSet phldr="1"/>
+        </dgm:pt>
+        <dgm:pt modelId="3">
+          <dgm:prSet phldr="1"/>
+        </dgm:pt>
+      </dgm:ptLst>
+      <dgm:cxnLst>
+        <dgm:cxn modelId="4" srcId="0" destId="1" srcOrd="0" destOrd="0"/>
+        <dgm:cxn modelId="5" srcId="0" destId="2" srcOrd="1" destOrd="0"/>
+        <dgm:cxn modelId="6" srcId="0" destId="3" srcOrd="2" destOrd="0"/>
+      </dgm:cxnLst>
+      <dgm:bg/>
+      <dgm:whole/>
+    </dgm:dataModel>
+  </dgm:sampData>
+  <dgm:styleData>
+    <dgm:dataModel>
+      <dgm:ptLst>
+        <dgm:pt modelId="0" type="doc"/>
+        <dgm:pt modelId="1"/>
+        <dgm:pt modelId="2"/>
+      </dgm:ptLst>
+      <dgm:cxnLst>
+        <dgm:cxn modelId="4" srcId="0" destId="1" srcOrd="0" destOrd="0"/>
+        <dgm:cxn modelId="5" srcId="0" destId="2" srcOrd="1" destOrd="0"/>
+      </dgm:cxnLst>
+      <dgm:bg/>
+      <dgm:whole/>
+    </dgm:dataModel>
+  </dgm:styleData>
+  <dgm:clrData>
+    <dgm:dataModel>
+      <dgm:ptLst>
+        <dgm:pt modelId="0" type="doc"/>
+        <dgm:pt modelId="1"/>
+        <dgm:pt modelId="2"/>
+        <dgm:pt modelId="3"/>
+        <dgm:pt modelId="4"/>
+      </dgm:ptLst>
+      <dgm:cxnLst>
+        <dgm:cxn modelId="5" srcId="0" destId="1" srcOrd="0" destOrd="0"/>
+        <dgm:cxn modelId="6" srcId="0" destId="2" srcOrd="1" destOrd="0"/>
+        <dgm:cxn modelId="7" srcId="0" destId="3" srcOrd="2" destOrd="0"/>
+        <dgm:cxn modelId="8" srcId="0" destId="4" srcOrd="3" destOrd="0"/>
+      </dgm:cxnLst>
+      <dgm:bg/>
+      <dgm:whole/>
+    </dgm:dataModel>
+  </dgm:clrData>
+  <dgm:layoutNode name="linear">
+    <dgm:varLst>
+      <dgm:dir/>
+      <dgm:animLvl val="lvl"/>
+      <dgm:resizeHandles val="exact"/>
+    </dgm:varLst>
+    <dgm:choose name="Name0">
+      <dgm:if name="Name1" func="var" arg="dir" op="equ" val="norm">
+        <dgm:alg type="lin">
+          <dgm:param type="linDir" val="fromT"/>
+          <dgm:param type="vertAlign" val="mid"/>
+          <dgm:param type="horzAlign" val="l"/>
+          <dgm:param type="nodeHorzAlign" val="l"/>
+        </dgm:alg>
+      </dgm:if>
+      <dgm:else name="Name2">
+        <dgm:alg type="lin">
+          <dgm:param type="linDir" val="fromT"/>
+          <dgm:param type="vertAlign" val="mid"/>
+          <dgm:param type="horzAlign" val="r"/>
+          <dgm:param type="nodeHorzAlign" val="r"/>
+        </dgm:alg>
+      </dgm:else>
+    </dgm:choose>
+    <dgm:shape xmlns:r="http://schemas.openxmlformats.org/officeDocument/2006/relationships" r:blip="">
+      <dgm:adjLst/>
+    </dgm:shape>
+    <dgm:presOf/>
+    <dgm:constrLst>
+      <dgm:constr type="w" for="ch" forName="parentLin" refType="w"/>
+      <dgm:constr type="h" for="ch" forName="parentLin" val="INF"/>
+      <dgm:constr type="w" for="des" forName="parentLeftMargin" refType="w" fact="0.05"/>
+      <dgm:constr type="w" for="des" forName="parentText" refType="w" fact="0.7"/>
+      <dgm:constr type="h" for="des" forName="parentText" refType="primFontSz" refFor="des" refForName="parentText" fact="0.82"/>
+      <dgm:constr type="h" for="ch" forName="negativeSpace" refType="primFontSz" refFor="des" refForName="parentText" fact="-0.41"/>
+      <dgm:constr type="h" for="ch" forName="negativeSpace" refType="h" refFor="des" refForName="parentText" op="lte" fact="-0.82"/>
+      <dgm:constr type="h" for="ch" forName="negativeSpace" refType="h" refFor="des" refForName="parentText" op="gte" fact="-0.82"/>
+      <dgm:constr type="w" for="ch" forName="childText" refType="w"/>
+      <dgm:constr type="h" for="ch" forName="childText" refType="primFontSz" refFor="des" refForName="parentText" fact="0.7"/>
+      <dgm:constr type="primFontSz" for="des" forName="parentText" val="65"/>
+      <dgm:constr type="primFontSz" for="ch" forName="childText" refType="primFontSz" refFor="des" refForName="parentText"/>
+      <dgm:constr type="tMarg" for="ch" forName="childText" refType="primFontSz" refFor="des" refForName="parentText" fact="1.64"/>
+      <dgm:constr type="tMarg" for="ch" forName="childText" refType="h" refFor="des" refForName="parentText" op="lte" fact="3.28"/>
+      <dgm:constr type="tMarg" for="ch" forName="childText" refType="h" refFor="des" refForName="parentText" op="gte" fact="3.28"/>
+      <dgm:constr type="lMarg" for="ch" forName="childText" refType="w" fact="0.22"/>
+      <dgm:constr type="rMarg" for="ch" forName="childText" refType="lMarg" refFor="ch" refForName="childText"/>
+      <dgm:constr type="lMarg" for="des" forName="parentText" refType="w" fact="0.075"/>
+      <dgm:constr type="rMarg" for="des" forName="parentText" refType="lMarg" refFor="des" refForName="parentText"/>
+      <dgm:constr type="h" for="ch" forName="spaceBetweenRectangles" refType="primFontSz" refFor="des" refForName="parentText" fact="0.15"/>
+    </dgm:constrLst>
+    <dgm:ruleLst>
+      <dgm:rule type="primFontSz" for="des" forName="parentText" val="5" fact="NaN" max="NaN"/>
+    </dgm:ruleLst>
+    <dgm:forEach name="Name3" axis="ch" ptType="node">
+      <dgm:layoutNode name="parentLin">
+        <dgm:choose name="Name4">
+          <dgm:if name="Name5" func="var" arg="dir" op="equ" val="norm">
+            <dgm:alg type="lin">
+              <dgm:param type="linDir" val="fromL"/>
+              <dgm:param type="horzAlign" val="l"/>
+              <dgm:param type="nodeHorzAlign" val="l"/>
+            </dgm:alg>
+          </dgm:if>
+          <dgm:else name="Name6">
+            <dgm:alg type="lin">
+              <dgm:param type="linDir" val="fromR"/>
+              <dgm:param type="horzAlign" val="r"/>
+              <dgm:param type="nodeHorzAlign" val="r"/>
+            </dgm:alg>
+          </dgm:else>
+        </dgm:choose>
+        <dgm:shape xmlns:r="http://schemas.openxmlformats.org/officeDocument/2006/relationships" r:blip="">
+          <dgm:adjLst/>
+        </dgm:shape>
+        <dgm:presOf/>
+        <dgm:constrLst/>
+        <dgm:ruleLst/>
+        <dgm:layoutNode name="parentLeftMargin">
+          <dgm:alg type="sp"/>
+          <dgm:shape xmlns:r="http://schemas.openxmlformats.org/officeDocument/2006/relationships" type="rect" r:blip="" hideGeom="1">
+            <dgm:adjLst/>
+          </dgm:shape>
+          <dgm:presOf axis="self"/>
+          <dgm:constrLst>
+            <dgm:constr type="h"/>
+          </dgm:constrLst>
+          <dgm:ruleLst/>
+        </dgm:layoutNode>
+        <dgm:layoutNode name="parentText" styleLbl="node1">
+          <dgm:varLst>
+            <dgm:chMax val="0"/>
+            <dgm:bulletEnabled val="1"/>
+          </dgm:varLst>
+          <dgm:choose name="Name7">
+            <dgm:if name="Name8" func="var" arg="dir" op="equ" val="norm">
+              <dgm:alg type="tx">
+                <dgm:param type="parTxLTRAlign" val="l"/>
+                <dgm:param type="parTxRTLAlign" val="l"/>
+              </dgm:alg>
+            </dgm:if>
+            <dgm:else name="Name9">
+              <dgm:alg type="tx">
+                <dgm:param type="parTxLTRAlign" val="r"/>
+                <dgm:param type="parTxRTLAlign" val="r"/>
+              </dgm:alg>
+            </dgm:else>
+          </dgm:choose>
+          <dgm:shape xmlns:r="http://schemas.openxmlformats.org/officeDocument/2006/relationships" type="roundRect" r:blip="">
+            <dgm:adjLst/>
+          </dgm:shape>
+          <dgm:presOf axis="self" ptType="node"/>
+          <dgm:constrLst>
+            <dgm:constr type="tMarg"/>
+            <dgm:constr type="bMarg"/>
+          </dgm:constrLst>
+          <dgm:ruleLst/>
+        </dgm:layoutNode>
+      </dgm:layoutNode>
+      <dgm:layoutNode name="negativeSpace">
+        <dgm:alg type="sp"/>
+        <dgm:shape xmlns:r="http://schemas.openxmlformats.org/officeDocument/2006/relationships" r:blip="">
+          <dgm:adjLst/>
+        </dgm:shape>
+        <dgm:presOf/>
+        <dgm:constrLst/>
+        <dgm:ruleLst/>
+      </dgm:layoutNode>
+      <dgm:layoutNode name="childText" styleLbl="conFgAcc1">
+        <dgm:varLst>
+          <dgm:bulletEnabled val="1"/>
+        </dgm:varLst>
+        <dgm:alg type="tx">
+          <dgm:param type="stBulletLvl" val="1"/>
+        </dgm:alg>
+        <dgm:shape xmlns:r="http://schemas.openxmlformats.org/officeDocument/2006/relationships" type="rect" r:blip="" zOrderOff="-2">
+          <dgm:adjLst/>
+        </dgm:shape>
+        <dgm:presOf axis="des" ptType="node"/>
+        <dgm:constrLst>
+          <dgm:constr type="secFontSz" refType="primFontSz"/>
+        </dgm:constrLst>
+        <dgm:ruleLst>
+          <dgm:rule type="h" val="INF" fact="NaN" max="NaN"/>
+        </dgm:ruleLst>
+      </dgm:layoutNode>
+      <dgm:forEach name="Name10" axis="followSib" ptType="sibTrans" cnt="1">
+        <dgm:layoutNode name="spaceBetweenRectangles">
+          <dgm:alg type="sp"/>
+          <dgm:shape xmlns:r="http://schemas.openxmlformats.org/officeDocument/2006/relationships" r:blip="">
+            <dgm:adjLst/>
+          </dgm:shape>
+          <dgm:presOf/>
+          <dgm:constrLst/>
+          <dgm:ruleLst/>
+        </dgm:layoutNode>
+      </dgm:forEach>
+    </dgm:forEach>
+  </dgm:layoutNode>
+</dgm:layoutDef>
+</file>
+
+<file path=ppt/diagrams/quickStyle1.xml><?xml version="1.0" encoding="utf-8"?>
+<dgm:styleDef xmlns:dgm="http://schemas.openxmlformats.org/drawingml/2006/diagram" xmlns:a="http://schemas.openxmlformats.org/drawingml/2006/main" uniqueId="urn:microsoft.com/office/officeart/2005/8/quickstyle/simple1">
+  <dgm:title val=""/>
+  <dgm:desc val=""/>
+  <dgm:catLst>
+    <dgm:cat type="simple" pri="10100"/>
+  </dgm:catLst>
+  <dgm:scene3d>
+    <a:camera prst="orthographicFront"/>
+    <a:lightRig rig="threePt" dir="t"/>
+  </dgm:scene3d>
+  <dgm:styleLbl name="node0">
+    <dgm:scene3d>
+      <a:camera prst="orthographicFront"/>
+      <a:lightRig rig="threePt" dir="t"/>
+    </dgm:scene3d>
+    <dgm:sp3d/>
+    <dgm:txPr/>
+    <dgm:style>
+      <a:lnRef idx="2">
+        <a:scrgbClr r="0" g="0" b="0"/>
+      </a:lnRef>
+      <a:fillRef idx="1">
+        <a:scrgbClr r="0" g="0" b="0"/>
+      </a:fillRef>
+      <a:effectRef idx="0">
+        <a:scrgbClr r="0" g="0" b="0"/>
+      </a:effectRef>
+      <a:fontRef idx="minor">
+        <a:schemeClr val="lt1"/>
+      </a:fontRef>
+    </dgm:style>
+  </dgm:styleLbl>
+  <dgm:styleLbl name="lnNode1">
+    <dgm:scene3d>
+      <a:camera prst="orthographicFront"/>
+      <a:lightRig rig="threePt" dir="t"/>
+    </dgm:scene3d>
+    <dgm:sp3d/>
+    <dgm:txPr/>
+    <dgm:style>
+      <a:lnRef idx="2">
+        <a:scrgbClr r="0" g="0" b="0"/>
+      </a:lnRef>
+      <a:fillRef idx="1">
+        <a:scrgbClr r="0" g="0" b="0"/>
+      </a:fillRef>
+      <a:effectRef idx="0">
+        <a:scrgbClr r="0" g="0" b="0"/>
+      </a:effectRef>
+      <a:fontRef idx="minor">
+        <a:schemeClr val="lt1"/>
+      </a:fontRef>
+    </dgm:style>
+  </dgm:styleLbl>
+  <dgm:styleLbl name="vennNode1">
+    <dgm:scene3d>
+      <a:camera prst="orthographicFront"/>
+      <a:lightRig rig="threePt" dir="t"/>
+    </dgm:scene3d>
+    <dgm:sp3d/>
+    <dgm:txPr/>
+    <dgm:style>
+      <a:lnRef idx="2">
+        <a:scrgbClr r="0" g="0" b="0"/>
+      </a:lnRef>
+      <a:fillRef idx="1">
+        <a:scrgbClr r="0" g="0" b="0"/>
+      </a:fillRef>
+      <a:effectRef idx="0">
+        <a:scrgbClr r="0" g="0" b="0"/>
+      </a:effectRef>
+      <a:fontRef idx="minor">
+        <a:schemeClr val="tx1"/>
+      </a:fontRef>
+    </dgm:style>
+  </dgm:styleLbl>
+  <dgm:styleLbl name="alignNode1">
+    <dgm:scene3d>
+      <a:camera prst="orthographicFront"/>
+      <a:lightRig rig="threePt" dir="t"/>
+    </dgm:scene3d>
+    <dgm:sp3d/>
+    <dgm:txPr/>
+    <dgm:style>
+      <a:lnRef idx="2">
+        <a:scrgbClr r="0" g="0" b="0"/>
+      </a:lnRef>
+      <a:fillRef idx="1">
+        <a:scrgbClr r="0" g="0" b="0"/>
+      </a:fillRef>
+      <a:effectRef idx="0">
+        <a:scrgbClr r="0" g="0" b="0"/>
+      </a:effectRef>
+      <a:fontRef idx="minor">
+        <a:schemeClr val="lt1"/>
+      </a:fontRef>
+    </dgm:style>
+  </dgm:styleLbl>
+  <dgm:styleLbl name="node1">
+    <dgm:scene3d>
+      <a:camera prst="orthographicFront"/>
+      <a:lightRig rig="threePt" dir="t"/>
+    </dgm:scene3d>
+    <dgm:sp3d/>
+    <dgm:txPr/>
+    <dgm:style>
+      <a:lnRef idx="2">
+        <a:scrgbClr r="0" g="0" b="0"/>
+      </a:lnRef>
+      <a:fillRef idx="1">
+        <a:scrgbClr r="0" g="0" b="0"/>
+      </a:fillRef>
+      <a:effectRef idx="0">
+        <a:scrgbClr r="0" g="0" b="0"/>
+      </a:effectRef>
+      <a:fontRef idx="minor">
+        <a:schemeClr val="lt1"/>
+      </a:fontRef>
+    </dgm:style>
+  </dgm:styleLbl>
+  <dgm:styleLbl name="node2">
+    <dgm:scene3d>
+      <a:camera prst="orthographicFront"/>
+      <a:lightRig rig="threePt" dir="t"/>
+    </dgm:scene3d>
+    <dgm:sp3d/>
+    <dgm:txPr/>
+    <dgm:style>
+      <a:lnRef idx="2">
+        <a:scrgbClr r="0" g="0" b="0"/>
+      </a:lnRef>
+      <a:fillRef idx="1">
+        <a:scrgbClr r="0" g="0" b="0"/>
+      </a:fillRef>
+      <a:effectRef idx="0">
+        <a:scrgbClr r="0" g="0" b="0"/>
+      </a:effectRef>
+      <a:fontRef idx="minor">
+        <a:schemeClr val="lt1"/>
+      </a:fontRef>
+    </dgm:style>
+  </dgm:styleLbl>
+  <dgm:styleLbl name="node3">
+    <dgm:scene3d>
+      <a:camera prst="orthographicFront"/>
+      <a:lightRig rig="threePt" dir="t"/>
+    </dgm:scene3d>
+    <dgm:sp3d/>
+    <dgm:txPr/>
+    <dgm:style>
+      <a:lnRef idx="2">
+        <a:scrgbClr r="0" g="0" b="0"/>
+      </a:lnRef>
+      <a:fillRef idx="1">
+        <a:scrgbClr r="0" g="0" b="0"/>
+      </a:fillRef>
+      <a:effectRef idx="0">
+        <a:scrgbClr r="0" g="0" b="0"/>
+      </a:effectRef>
+      <a:fontRef idx="minor">
+        <a:schemeClr val="lt1"/>
+      </a:fontRef>
+    </dgm:style>
+  </dgm:styleLbl>
+  <dgm:styleLbl name="node4">
+    <dgm:scene3d>
+      <a:camera prst="orthographicFront"/>
+      <a:lightRig rig="threePt" dir="t"/>
+    </dgm:scene3d>
+    <dgm:sp3d/>
+    <dgm:txPr/>
+    <dgm:style>
+      <a:lnRef idx="2">
+        <a:scrgbClr r="0" g="0" b="0"/>
+      </a:lnRef>
+      <a:fillRef idx="1">
+        <a:scrgbClr r="0" g="0" b="0"/>
+      </a:fillRef>
+      <a:effectRef idx="0">
+        <a:scrgbClr r="0" g="0" b="0"/>
+      </a:effectRef>
+      <a:fontRef idx="minor">
+        <a:schemeClr val="lt1"/>
+      </a:fontRef>
+    </dgm:style>
+  </dgm:styleLbl>
+  <dgm:styleLbl name="fgImgPlace1">
+    <dgm:scene3d>
+      <a:camera prst="orthographicFront"/>
+      <a:lightRig rig="threePt" dir="t"/>
+    </dgm:scene3d>
+    <dgm:sp3d/>
+    <dgm:txPr/>
+    <dgm:style>
+      <a:lnRef idx="2">
+        <a:scrgbClr r="0" g="0" b="0"/>
+      </a:lnRef>
+      <a:fillRef idx="1">
+        <a:scrgbClr r="0" g="0" b="0"/>
+      </a:fillRef>
+      <a:effectRef idx="0">
+        <a:scrgbClr r="0" g="0" b="0"/>
+      </a:effectRef>
+      <a:fontRef idx="minor"/>
+    </dgm:style>
+  </dgm:styleLbl>
+  <dgm:styleLbl name="alignImgPlace1">
+    <dgm:scene3d>
+      <a:camera prst="orthographicFront"/>
+      <a:lightRig rig="threePt" dir="t"/>
+    </dgm:scene3d>
+    <dgm:sp3d/>
+    <dgm:txPr/>
+    <dgm:style>
+      <a:lnRef idx="2">
+        <a:scrgbClr r="0" g="0" b="0"/>
+      </a:lnRef>
+      <a:fillRef idx="1">
+        <a:scrgbClr r="0" g="0" b="0"/>
+      </a:fillRef>
+      <a:effectRef idx="0">
+        <a:scrgbClr r="0" g="0" b="0"/>
+      </a:effectRef>
+      <a:fontRef idx="minor"/>
+    </dgm:style>
+  </dgm:styleLbl>
+  <dgm:styleLbl name="bgImgPlace1">
+    <dgm:scene3d>
+      <a:camera prst="orthographicFront"/>
+      <a:lightRig rig="threePt" dir="t"/>
+    </dgm:scene3d>
+    <dgm:sp3d/>
+    <dgm:txPr/>
+    <dgm:style>
+      <a:lnRef idx="2">
+        <a:scrgbClr r="0" g="0" b="0"/>
+      </a:lnRef>
+      <a:fillRef idx="1">
+        <a:scrgbClr r="0" g="0" b="0"/>
+      </a:fillRef>
+      <a:effectRef idx="0">
+        <a:scrgbClr r="0" g="0" b="0"/>
+      </a:effectRef>
+      <a:fontRef idx="minor"/>
+    </dgm:style>
+  </dgm:styleLbl>
+  <dgm:styleLbl name="sibTrans2D1">
+    <dgm:scene3d>
+      <a:camera prst="orthographicFront"/>
+      <a:lightRig rig="threePt" dir="t"/>
+    </dgm:scene3d>
+    <dgm:sp3d/>
+    <dgm:txPr/>
+    <dgm:style>
+      <a:lnRef idx="0">
+        <a:scrgbClr r="0" g="0" b="0"/>
+      </a:lnRef>
+      <a:fillRef idx="1">
+        <a:scrgbClr r="0" g="0" b="0"/>
+      </a:fillRef>
+      <a:effectRef idx="0">
+        <a:scrgbClr r="0" g="0" b="0"/>
+      </a:effectRef>
+      <a:fontRef idx="minor">
+        <a:schemeClr val="lt1"/>
+      </a:fontRef>
+    </dgm:style>
+  </dgm:styleLbl>
+  <dgm:styleLbl name="fgSibTrans2D1">
+    <dgm:scene3d>
+      <a:camera prst="orthographicFront"/>
+      <a:lightRig rig="threePt" dir="t"/>
+    </dgm:scene3d>
+    <dgm:sp3d/>
+    <dgm:txPr/>
+    <dgm:style>
+      <a:lnRef idx="0">
+        <a:scrgbClr r="0" g="0" b="0"/>
+      </a:lnRef>
+      <a:fillRef idx="1">
+        <a:scrgbClr r="0" g="0" b="0"/>
+      </a:fillRef>
+      <a:effectRef idx="0">
+        <a:scrgbClr r="0" g="0" b="0"/>
+      </a:effectRef>
+      <a:fontRef idx="minor">
+        <a:schemeClr val="lt1"/>
+      </a:fontRef>
+    </dgm:style>
+  </dgm:styleLbl>
+  <dgm:styleLbl name="bgSibTrans2D1">
+    <dgm:scene3d>
+      <a:camera prst="orthographicFront"/>
+      <a:lightRig rig="threePt" dir="t"/>
+    </dgm:scene3d>
+    <dgm:sp3d/>
+    <dgm:txPr/>
+    <dgm:style>
+      <a:lnRef idx="0">
+        <a:scrgbClr r="0" g="0" b="0"/>
+      </a:lnRef>
+      <a:fillRef idx="1">
+        <a:scrgbClr r="0" g="0" b="0"/>
+      </a:fillRef>
+      <a:effectRef idx="0">
+        <a:scrgbClr r="0" g="0" b="0"/>
+      </a:effectRef>
+      <a:fontRef idx="minor">
+        <a:schemeClr val="lt1"/>
+      </a:fontRef>
+    </dgm:style>
+  </dgm:styleLbl>
+  <dgm:styleLbl name="sibTrans1D1">
+    <dgm:scene3d>
+      <a:camera prst="orthographicFront"/>
+      <a:lightRig rig="threePt" dir="t"/>
+    </dgm:scene3d>
+    <dgm:sp3d/>
+    <dgm:txPr/>
+    <dgm:style>
+      <a:lnRef idx="1">
+        <a:scrgbClr r="0" g="0" b="0"/>
+      </a:lnRef>
+      <a:fillRef idx="0">
+        <a:scrgbClr r="0" g="0" b="0"/>
+      </a:fillRef>
+      <a:effectRef idx="0">
+        <a:scrgbClr r="0" g="0" b="0"/>
+      </a:effectRef>
+      <a:fontRef idx="minor"/>
+    </dgm:style>
+  </dgm:styleLbl>
+  <dgm:styleLbl name="callout">
+    <dgm:scene3d>
+      <a:camera prst="orthographicFront"/>
+      <a:lightRig rig="threePt" dir="t"/>
+    </dgm:scene3d>
+    <dgm:sp3d/>
+    <dgm:txPr/>
+    <dgm:style>
+      <a:lnRef idx="2">
+        <a:scrgbClr r="0" g="0" b="0"/>
+      </a:lnRef>
+      <a:fillRef idx="1">
+        <a:scrgbClr r="0" g="0" b="0"/>
+      </a:fillRef>
+      <a:effectRef idx="0">
+        <a:scrgbClr r="0" g="0" b="0"/>
+      </a:effectRef>
+      <a:fontRef idx="minor"/>
+    </dgm:style>
+  </dgm:styleLbl>
+  <dgm:styleLbl name="asst0">
+    <dgm:scene3d>
+      <a:camera prst="orthographicFront"/>
+      <a:lightRig rig="threePt" dir="t"/>
+    </dgm:scene3d>
+    <dgm:sp3d/>
+    <dgm:txPr/>
+    <dgm:style>
+      <a:lnRef idx="2">
+        <a:scrgbClr r="0" g="0" b="0"/>
+      </a:lnRef>
+      <a:fillRef idx="1">
+        <a:scrgbClr r="0" g="0" b="0"/>
+      </a:fillRef>
+      <a:effectRef idx="0">
+        <a:scrgbClr r="0" g="0" b="0"/>
+      </a:effectRef>
+      <a:fontRef idx="minor">
+        <a:schemeClr val="lt1"/>
+      </a:fontRef>
+    </dgm:style>
+  </dgm:styleLbl>
+  <dgm:styleLbl name="asst1">
+    <dgm:scene3d>
+      <a:camera prst="orthographicFront"/>
+      <a:lightRig rig="threePt" dir="t"/>
+    </dgm:scene3d>
+    <dgm:sp3d/>
+    <dgm:txPr/>
+    <dgm:style>
+      <a:lnRef idx="2">
+        <a:scrgbClr r="0" g="0" b="0"/>
+      </a:lnRef>
+      <a:fillRef idx="1">
+        <a:scrgbClr r="0" g="0" b="0"/>
+      </a:fillRef>
+      <a:effectRef idx="0">
+        <a:scrgbClr r="0" g="0" b="0"/>
+      </a:effectRef>
+      <a:fontRef idx="minor">
+        <a:schemeClr val="lt1"/>
+      </a:fontRef>
+    </dgm:style>
+  </dgm:styleLbl>
+  <dgm:styleLbl name="asst2">
+    <dgm:scene3d>
+      <a:camera prst="orthographicFront"/>
+      <a:lightRig rig="threePt" dir="t"/>
+    </dgm:scene3d>
+    <dgm:sp3d/>
+    <dgm:txPr/>
+    <dgm:style>
+      <a:lnRef idx="2">
+        <a:scrgbClr r="0" g="0" b="0"/>
+      </a:lnRef>
+      <a:fillRef idx="1">
+        <a:scrgbClr r="0" g="0" b="0"/>
+      </a:fillRef>
+      <a:effectRef idx="0">
+        <a:scrgbClr r="0" g="0" b="0"/>
+      </a:effectRef>
+      <a:fontRef idx="minor">
+        <a:schemeClr val="lt1"/>
+      </a:fontRef>
+    </dgm:style>
+  </dgm:styleLbl>
+  <dgm:styleLbl name="asst3">
+    <dgm:scene3d>
+      <a:camera prst="orthographicFront"/>
+      <a:lightRig rig="threePt" dir="t"/>
+    </dgm:scene3d>
+    <dgm:sp3d/>
+    <dgm:txPr/>
+    <dgm:style>
+      <a:lnRef idx="2">
+        <a:scrgbClr r="0" g="0" b="0"/>
+      </a:lnRef>
+      <a:fillRef idx="1">
+        <a:scrgbClr r="0" g="0" b="0"/>
+      </a:fillRef>
+      <a:effectRef idx="0">
+        <a:scrgbClr r="0" g="0" b="0"/>
+      </a:effectRef>
+      <a:fontRef idx="minor">
+        <a:schemeClr val="lt1"/>
+      </a:fontRef>
+    </dgm:style>
+  </dgm:styleLbl>
+  <dgm:styleLbl name="asst4">
+    <dgm:scene3d>
+      <a:camera prst="orthographicFront"/>
+      <a:lightRig rig="threePt" dir="t"/>
+    </dgm:scene3d>
+    <dgm:sp3d/>
+    <dgm:txPr/>
+    <dgm:style>
+      <a:lnRef idx="2">
+        <a:scrgbClr r="0" g="0" b="0"/>
+      </a:lnRef>
+      <a:fillRef idx="1">
+        <a:scrgbClr r="0" g="0" b="0"/>
+      </a:fillRef>
+      <a:effectRef idx="0">
+        <a:scrgbClr r="0" g="0" b="0"/>
+      </a:effectRef>
+      <a:fontRef idx="minor">
+        <a:schemeClr val="lt1"/>
+      </a:fontRef>
+    </dgm:style>
+  </dgm:styleLbl>
+  <dgm:styleLbl name="parChTrans2D1">
+    <dgm:scene3d>
+      <a:camera prst="orthographicFront"/>
+      <a:lightRig rig="threePt" dir="t"/>
+    </dgm:scene3d>
+    <dgm:sp3d/>
+    <dgm:txPr/>
+    <dgm:style>
+      <a:lnRef idx="2">
+        <a:scrgbClr r="0" g="0" b="0"/>
+      </a:lnRef>
+      <a:fillRef idx="1">
+        <a:scrgbClr r="0" g="0" b="0"/>
+      </a:fillRef>
+      <a:effectRef idx="0">
+        <a:scrgbClr r="0" g="0" b="0"/>
+      </a:effectRef>
+      <a:fontRef idx="minor">
+        <a:schemeClr val="lt1"/>
+      </a:fontRef>
+    </dgm:style>
+  </dgm:styleLbl>
+  <dgm:styleLbl name="parChTrans2D2">
+    <dgm:scene3d>
+      <a:camera prst="orthographicFront"/>
+      <a:lightRig rig="threePt" dir="t"/>
+    </dgm:scene3d>
+    <dgm:sp3d/>
+    <dgm:txPr/>
+    <dgm:style>
+      <a:lnRef idx="2">
+        <a:scrgbClr r="0" g="0" b="0"/>
+      </a:lnRef>
+      <a:fillRef idx="1">
+        <a:scrgbClr r="0" g="0" b="0"/>
+      </a:fillRef>
+      <a:effectRef idx="0">
+        <a:scrgbClr r="0" g="0" b="0"/>
+      </a:effectRef>
+      <a:fontRef idx="minor">
+        <a:schemeClr val="lt1"/>
+      </a:fontRef>
+    </dgm:style>
+  </dgm:styleLbl>
+  <dgm:styleLbl name="parChTrans2D3">
+    <dgm:scene3d>
+      <a:camera prst="orthographicFront"/>
+      <a:lightRig rig="threePt" dir="t"/>
+    </dgm:scene3d>
+    <dgm:sp3d/>
+    <dgm:txPr/>
+    <dgm:style>
+      <a:lnRef idx="2">
+        <a:scrgbClr r="0" g="0" b="0"/>
+      </a:lnRef>
+      <a:fillRef idx="1">
+        <a:scrgbClr r="0" g="0" b="0"/>
+      </a:fillRef>
+      <a:effectRef idx="0">
+        <a:scrgbClr r="0" g="0" b="0"/>
+      </a:effectRef>
+      <a:fontRef idx="minor">
+        <a:schemeClr val="lt1"/>
+      </a:fontRef>
+    </dgm:style>
+  </dgm:styleLbl>
+  <dgm:styleLbl name="parChTrans2D4">
+    <dgm:scene3d>
+      <a:camera prst="orthographicFront"/>
+      <a:lightRig rig="threePt" dir="t"/>
+    </dgm:scene3d>
+    <dgm:sp3d/>
+    <dgm:txPr/>
+    <dgm:style>
+      <a:lnRef idx="2">
+        <a:scrgbClr r="0" g="0" b="0"/>
+      </a:lnRef>
+      <a:fillRef idx="1">
+        <a:scrgbClr r="0" g="0" b="0"/>
+      </a:fillRef>
+      <a:effectRef idx="0">
+        <a:scrgbClr r="0" g="0" b="0"/>
+      </a:effectRef>
+      <a:fontRef idx="minor">
+        <a:schemeClr val="lt1"/>
+      </a:fontRef>
+    </dgm:style>
+  </dgm:styleLbl>
+  <dgm:styleLbl name="parChTrans1D1">
+    <dgm:scene3d>
+      <a:camera prst="orthographicFront"/>
+      <a:lightRig rig="threePt" dir="t"/>
+    </dgm:scene3d>
+    <dgm:sp3d/>
+    <dgm:txPr/>
+    <dgm:style>
+      <a:lnRef idx="2">
+        <a:scrgbClr r="0" g="0" b="0"/>
+      </a:lnRef>
+      <a:fillRef idx="0">
+        <a:scrgbClr r="0" g="0" b="0"/>
+      </a:fillRef>
+      <a:effectRef idx="0">
+        <a:scrgbClr r="0" g="0" b="0"/>
+      </a:effectRef>
+      <a:fontRef idx="minor"/>
+    </dgm:style>
+  </dgm:styleLbl>
+  <dgm:styleLbl name="parChTrans1D2">
+    <dgm:scene3d>
+      <a:camera prst="orthographicFront"/>
+      <a:lightRig rig="threePt" dir="t"/>
+    </dgm:scene3d>
+    <dgm:sp3d/>
+    <dgm:txPr/>
+    <dgm:style>
+      <a:lnRef idx="2">
+        <a:scrgbClr r="0" g="0" b="0"/>
+      </a:lnRef>
+      <a:fillRef idx="0">
+        <a:scrgbClr r="0" g="0" b="0"/>
+      </a:fillRef>
+      <a:effectRef idx="0">
+        <a:scrgbClr r="0" g="0" b="0"/>
+      </a:effectRef>
+      <a:fontRef idx="minor"/>
+    </dgm:style>
+  </dgm:styleLbl>
+  <dgm:styleLbl name="parChTrans1D3">
+    <dgm:scene3d>
+      <a:camera prst="orthographicFront"/>
+      <a:lightRig rig="threePt" dir="t"/>
+    </dgm:scene3d>
+    <dgm:sp3d/>
+    <dgm:txPr/>
+    <dgm:style>
+      <a:lnRef idx="2">
+        <a:scrgbClr r="0" g="0" b="0"/>
+      </a:lnRef>
+      <a:fillRef idx="0">
+        <a:scrgbClr r="0" g="0" b="0"/>
+      </a:fillRef>
+      <a:effectRef idx="0">
+        <a:scrgbClr r="0" g="0" b="0"/>
+      </a:effectRef>
+      <a:fontRef idx="minor"/>
+    </dgm:style>
+  </dgm:styleLbl>
+  <dgm:styleLbl name="parChTrans1D4">
+    <dgm:scene3d>
+      <a:camera prst="orthographicFront"/>
+      <a:lightRig rig="threePt" dir="t"/>
+    </dgm:scene3d>
+    <dgm:sp3d/>
+    <dgm:txPr/>
+    <dgm:style>
+      <a:lnRef idx="2">
+        <a:scrgbClr r="0" g="0" b="0"/>
+      </a:lnRef>
+      <a:fillRef idx="0">
+        <a:scrgbClr r="0" g="0" b="0"/>
+      </a:fillRef>
+      <a:effectRef idx="0">
+        <a:scrgbClr r="0" g="0" b="0"/>
+      </a:effectRef>
+      <a:fontRef idx="minor"/>
+    </dgm:style>
+  </dgm:styleLbl>
+  <dgm:styleLbl name="fgAcc1">
+    <dgm:scene3d>
+      <a:camera prst="orthographicFront"/>
+      <a:lightRig rig="threePt" dir="t"/>
+    </dgm:scene3d>
+    <dgm:sp3d/>
+    <dgm:txPr/>
+    <dgm:style>
+      <a:lnRef idx="2">
+        <a:scrgbClr r="0" g="0" b="0"/>
+      </a:lnRef>
+      <a:fillRef idx="1">
+        <a:scrgbClr r="0" g="0" b="0"/>
+      </a:fillRef>
+      <a:effectRef idx="0">
+        <a:scrgbClr r="0" g="0" b="0"/>
+      </a:effectRef>
+      <a:fontRef idx="minor"/>
+    </dgm:style>
+  </dgm:styleLbl>
+  <dgm:styleLbl name="conFgAcc1">
+    <dgm:scene3d>
+      <a:camera prst="orthographicFront"/>
+      <a:lightRig rig="threePt" dir="t"/>
+    </dgm:scene3d>
+    <dgm:sp3d/>
+    <dgm:txPr/>
+    <dgm:style>
+      <a:lnRef idx="2">
+        <a:scrgbClr r="0" g="0" b="0"/>
+      </a:lnRef>
+      <a:fillRef idx="1">
+        <a:scrgbClr r="0" g="0" b="0"/>
+      </a:fillRef>
+      <a:effectRef idx="0">
+        <a:scrgbClr r="0" g="0" b="0"/>
+      </a:effectRef>
+      <a:fontRef idx="minor"/>
+    </dgm:style>
+  </dgm:styleLbl>
+  <dgm:styleLbl name="alignAcc1">
+    <dgm:scene3d>
+      <a:camera prst="orthographicFront"/>
+      <a:lightRig rig="threePt" dir="t"/>
+    </dgm:scene3d>
+    <dgm:sp3d/>
+    <dgm:txPr/>
+    <dgm:style>
+      <a:lnRef idx="2">
+        <a:scrgbClr r="0" g="0" b="0"/>
+      </a:lnRef>
+      <a:fillRef idx="1">
+        <a:scrgbClr r="0" g="0" b="0"/>
+      </a:fillRef>
+      <a:effectRef idx="0">
+        <a:scrgbClr r="0" g="0" b="0"/>
+      </a:effectRef>
+      <a:fontRef idx="minor"/>
+    </dgm:style>
+  </dgm:styleLbl>
+  <dgm:styleLbl name="trAlignAcc1">
+    <dgm:scene3d>
+      <a:camera prst="orthographicFront"/>
+      <a:lightRig rig="threePt" dir="t"/>
+    </dgm:scene3d>
+    <dgm:sp3d/>
+    <dgm:txPr/>
+    <dgm:style>
+      <a:lnRef idx="1">
+        <a:scrgbClr r="0" g="0" b="0"/>
+      </a:lnRef>
+      <a:fillRef idx="1">
+        <a:scrgbClr r="0" g="0" b="0"/>
+      </a:fillRef>
+      <a:effectRef idx="0">
+        <a:scrgbClr r="0" g="0" b="0"/>
+      </a:effectRef>
+      <a:fontRef idx="minor"/>
+    </dgm:style>
+  </dgm:styleLbl>
+  <dgm:styleLbl name="bgAcc1">
+    <dgm:scene3d>
+      <a:camera prst="orthographicFront"/>
+      <a:lightRig rig="threePt" dir="t"/>
+    </dgm:scene3d>
+    <dgm:sp3d/>
+    <dgm:txPr/>
+    <dgm:style>
+      <a:lnRef idx="2">
+        <a:scrgbClr r="0" g="0" b="0"/>
+      </a:lnRef>
+      <a:fillRef idx="1">
+        <a:scrgbClr r="0" g="0" b="0"/>
+      </a:fillRef>
+      <a:effectRef idx="0">
+        <a:scrgbClr r="0" g="0" b="0"/>
+      </a:effectRef>
+      <a:fontRef idx="minor"/>
+    </dgm:style>
+  </dgm:styleLbl>
+  <dgm:styleLbl name="solidFgAcc1">
+    <dgm:scene3d>
+      <a:camera prst="orthographicFront"/>
+      <a:lightRig rig="threePt" dir="t"/>
+    </dgm:scene3d>
+    <dgm:sp3d/>
+    <dgm:txPr/>
+    <dgm:style>
+      <a:lnRef idx="2">
+        <a:scrgbClr r="0" g="0" b="0"/>
+      </a:lnRef>
+      <a:fillRef idx="1">
+        <a:scrgbClr r="0" g="0" b="0"/>
+      </a:fillRef>
+      <a:effectRef idx="0">
+        <a:scrgbClr r="0" g="0" b="0"/>
+      </a:effectRef>
+      <a:fontRef idx="minor"/>
+    </dgm:style>
+  </dgm:styleLbl>
+  <dgm:styleLbl name="solidAlignAcc1">
+    <dgm:scene3d>
+      <a:camera prst="orthographicFront"/>
+      <a:lightRig rig="threePt" dir="t"/>
+    </dgm:scene3d>
+    <dgm:sp3d/>
+    <dgm:txPr/>
+    <dgm:style>
+      <a:lnRef idx="2">
+        <a:scrgbClr r="0" g="0" b="0"/>
+      </a:lnRef>
+      <a:fillRef idx="1">
+        <a:scrgbClr r="0" g="0" b="0"/>
+      </a:fillRef>
+      <a:effectRef idx="0">
+        <a:scrgbClr r="0" g="0" b="0"/>
+      </a:effectRef>
+      <a:fontRef idx="minor"/>
+    </dgm:style>
+  </dgm:styleLbl>
+  <dgm:styleLbl name="solidBgAcc1">
+    <dgm:scene3d>
+      <a:camera prst="orthographicFront"/>
+      <a:lightRig rig="threePt" dir="t"/>
+    </dgm:scene3d>
+    <dgm:sp3d/>
+    <dgm:txPr/>
+    <dgm:style>
+      <a:lnRef idx="2">
+        <a:scrgbClr r="0" g="0" b="0"/>
+      </a:lnRef>
+      <a:fillRef idx="1">
+        <a:scrgbClr r="0" g="0" b="0"/>
+      </a:fillRef>
+      <a:effectRef idx="0">
+        <a:scrgbClr r="0" g="0" b="0"/>
+      </a:effectRef>
+      <a:fontRef idx="minor"/>
+    </dgm:style>
+  </dgm:styleLbl>
+  <dgm:styleLbl name="fgAccFollowNode1">
+    <dgm:scene3d>
+      <a:camera prst="orthographicFront"/>
+      <a:lightRig rig="threePt" dir="t"/>
+    </dgm:scene3d>
+    <dgm:sp3d/>
+    <dgm:txPr/>
+    <dgm:style>
+      <a:lnRef idx="2">
+        <a:scrgbClr r="0" g="0" b="0"/>
+      </a:lnRef>
+      <a:fillRef idx="1">
+        <a:scrgbClr r="0" g="0" b="0"/>
+      </a:fillRef>
+      <a:effectRef idx="0">
+        <a:scrgbClr r="0" g="0" b="0"/>
+      </a:effectRef>
+      <a:fontRef idx="minor"/>
+    </dgm:style>
+  </dgm:styleLbl>
+  <dgm:styleLbl name="alignAccFollowNode1">
+    <dgm:scene3d>
+      <a:camera prst="orthographicFront"/>
+      <a:lightRig rig="threePt" dir="t"/>
+    </dgm:scene3d>
+    <dgm:sp3d/>
+    <dgm:txPr/>
+    <dgm:style>
+      <a:lnRef idx="2">
+        <a:scrgbClr r="0" g="0" b="0"/>
+      </a:lnRef>
+      <a:fillRef idx="1">
+        <a:scrgbClr r="0" g="0" b="0"/>
+      </a:fillRef>
+      <a:effectRef idx="0">
+        <a:scrgbClr r="0" g="0" b="0"/>
+      </a:effectRef>
+      <a:fontRef idx="minor"/>
+    </dgm:style>
+  </dgm:styleLbl>
+  <dgm:styleLbl name="bgAccFollowNode1">
+    <dgm:scene3d>
+      <a:camera prst="orthographicFront"/>
+      <a:lightRig rig="threePt" dir="t"/>
+    </dgm:scene3d>
+    <dgm:sp3d/>
+    <dgm:txPr/>
+    <dgm:style>
+      <a:lnRef idx="2">
+        <a:scrgbClr r="0" g="0" b="0"/>
+      </a:lnRef>
+      <a:fillRef idx="1">
+        <a:scrgbClr r="0" g="0" b="0"/>
+      </a:fillRef>
+      <a:effectRef idx="0">
+        <a:scrgbClr r="0" g="0" b="0"/>
+      </a:effectRef>
+      <a:fontRef idx="minor"/>
+    </dgm:style>
+  </dgm:styleLbl>
+  <dgm:styleLbl name="fgAcc0">
+    <dgm:scene3d>
+      <a:camera prst="orthographicFront"/>
+      <a:lightRig rig="threePt" dir="t"/>
+    </dgm:scene3d>
+    <dgm:sp3d/>
+    <dgm:txPr/>
+    <dgm:style>
+      <a:lnRef idx="2">
+        <a:scrgbClr r="0" g="0" b="0"/>
+      </a:lnRef>
+      <a:fillRef idx="1">
+        <a:scrgbClr r="0" g="0" b="0"/>
+      </a:fillRef>
+      <a:effectRef idx="0">
+        <a:scrgbClr r="0" g="0" b="0"/>
+      </a:effectRef>
+      <a:fontRef idx="minor"/>
+    </dgm:style>
+  </dgm:styleLbl>
+  <dgm:styleLbl name="fgAcc2">
+    <dgm:scene3d>
+      <a:camera prst="orthographicFront"/>
+      <a:lightRig rig="threePt" dir="t"/>
+    </dgm:scene3d>
+    <dgm:sp3d/>
+    <dgm:txPr/>
+    <dgm:style>
+      <a:lnRef idx="2">
+        <a:scrgbClr r="0" g="0" b="0"/>
+      </a:lnRef>
+      <a:fillRef idx="1">
+        <a:scrgbClr r="0" g="0" b="0"/>
+      </a:fillRef>
+      <a:effectRef idx="0">
+        <a:scrgbClr r="0" g="0" b="0"/>
+      </a:effectRef>
+      <a:fontRef idx="minor"/>
+    </dgm:style>
+  </dgm:styleLbl>
+  <dgm:styleLbl name="fgAcc3">
+    <dgm:scene3d>
+      <a:camera prst="orthographicFront"/>
+      <a:lightRig rig="threePt" dir="t"/>
+    </dgm:scene3d>
+    <dgm:sp3d/>
+    <dgm:txPr/>
+    <dgm:style>
+      <a:lnRef idx="2">
+        <a:scrgbClr r="0" g="0" b="0"/>
+      </a:lnRef>
+      <a:fillRef idx="1">
+        <a:scrgbClr r="0" g="0" b="0"/>
+      </a:fillRef>
+      <a:effectRef idx="0">
+        <a:scrgbClr r="0" g="0" b="0"/>
+      </a:effectRef>
+      <a:fontRef idx="minor"/>
+    </dgm:style>
+  </dgm:styleLbl>
+  <dgm:styleLbl name="fgAcc4">
+    <dgm:scene3d>
+      <a:camera prst="orthographicFront"/>
+      <a:lightRig rig="threePt" dir="t"/>
+    </dgm:scene3d>
+    <dgm:sp3d/>
+    <dgm:txPr/>
+    <dgm:style>
+      <a:lnRef idx="2">
+        <a:scrgbClr r="0" g="0" b="0"/>
+      </a:lnRef>
+      <a:fillRef idx="1">
+        <a:scrgbClr r="0" g="0" b="0"/>
+      </a:fillRef>
+      <a:effectRef idx="0">
+        <a:scrgbClr r="0" g="0" b="0"/>
+      </a:effectRef>
+      <a:fontRef idx="minor"/>
+    </dgm:style>
+  </dgm:styleLbl>
+  <dgm:styleLbl name="bgShp">
+    <dgm:scene3d>
+      <a:camera prst="orthographicFront"/>
+      <a:lightRig rig="threePt" dir="t"/>
+    </dgm:scene3d>
+    <dgm:sp3d/>
+    <dgm:txPr/>
+    <dgm:style>
+      <a:lnRef idx="0">
+        <a:scrgbClr r="0" g="0" b="0"/>
+      </a:lnRef>
+      <a:fillRef idx="1">
+        <a:scrgbClr r="0" g="0" b="0"/>
+      </a:fillRef>
+      <a:effectRef idx="0">
+        <a:scrgbClr r="0" g="0" b="0"/>
+      </a:effectRef>
+      <a:fontRef idx="minor"/>
+    </dgm:style>
+  </dgm:styleLbl>
+  <dgm:styleLbl name="dkBgShp">
+    <dgm:scene3d>
+      <a:camera prst="orthographicFront"/>
+      <a:lightRig rig="threePt" dir="t"/>
+    </dgm:scene3d>
+    <dgm:sp3d/>
+    <dgm:txPr/>
+    <dgm:style>
+      <a:lnRef idx="0">
+        <a:scrgbClr r="0" g="0" b="0"/>
+      </a:lnRef>
+      <a:fillRef idx="1">
+        <a:scrgbClr r="0" g="0" b="0"/>
+      </a:fillRef>
+      <a:effectRef idx="0">
+        <a:scrgbClr r="0" g="0" b="0"/>
+      </a:effectRef>
+      <a:fontRef idx="minor"/>
+    </dgm:style>
+  </dgm:styleLbl>
+  <dgm:styleLbl name="trBgShp">
+    <dgm:scene3d>
+      <a:camera prst="orthographicFront"/>
+      <a:lightRig rig="threePt" dir="t"/>
+    </dgm:scene3d>
+    <dgm:sp3d/>
+    <dgm:txPr/>
+    <dgm:style>
+      <a:lnRef idx="0">
+        <a:scrgbClr r="0" g="0" b="0"/>
+      </a:lnRef>
+      <a:fillRef idx="1">
+        <a:scrgbClr r="0" g="0" b="0"/>
+      </a:fillRef>
+      <a:effectRef idx="0">
+        <a:scrgbClr r="0" g="0" b="0"/>
+      </a:effectRef>
+      <a:fontRef idx="minor"/>
+    </dgm:style>
+  </dgm:styleLbl>
+  <dgm:styleLbl name="fgShp">
+    <dgm:scene3d>
+      <a:camera prst="orthographicFront"/>
+      <a:lightRig rig="threePt" dir="t"/>
+    </dgm:scene3d>
+    <dgm:sp3d/>
+    <dgm:txPr/>
+    <dgm:style>
+      <a:lnRef idx="2">
+        <a:scrgbClr r="0" g="0" b="0"/>
+      </a:lnRef>
+      <a:fillRef idx="1">
+        <a:scrgbClr r="0" g="0" b="0"/>
+      </a:fillRef>
+      <a:effectRef idx="0">
+        <a:scrgbClr r="0" g="0" b="0"/>
+      </a:effectRef>
+      <a:fontRef idx="minor"/>
+    </dgm:style>
+  </dgm:styleLbl>
+  <dgm:styleLbl name="revTx">
+    <dgm:scene3d>
+      <a:camera prst="orthographicFront"/>
+      <a:lightRig rig="threePt" dir="t"/>
+    </dgm:scene3d>
+    <dgm:sp3d/>
+    <dgm:txPr/>
+    <dgm:style>
+      <a:lnRef idx="0">
+        <a:scrgbClr r="0" g="0" b="0"/>
+      </a:lnRef>
+      <a:fillRef idx="0">
+        <a:scrgbClr r="0" g="0" b="0"/>
+      </a:fillRef>
+      <a:effectRef idx="0">
+        <a:scrgbClr r="0" g="0" b="0"/>
+      </a:effectRef>
+      <a:fontRef idx="minor"/>
+    </dgm:style>
+  </dgm:styleLbl>
+</dgm:styleDef>
 </file>
 
 <file path=ppt/slideLayouts/slideLayout1.xml><?xml version="1.0" encoding="utf-8"?>
@@ -268,7 +3112,7 @@
           <a:p>
             <a:fld id="{AEC6812B-46A6-479A-B22E-5D4594B88910}" type="datetimeFigureOut">
               <a:rPr lang="en-IN" smtClean="0"/>
-              <a:t>12-10-2022</a:t>
+              <a:t>13-10-2022</a:t>
             </a:fld>
             <a:endParaRPr lang="en-IN"/>
           </a:p>
@@ -468,7 +3312,7 @@
           <a:p>
             <a:fld id="{AEC6812B-46A6-479A-B22E-5D4594B88910}" type="datetimeFigureOut">
               <a:rPr lang="en-IN" smtClean="0"/>
-              <a:t>12-10-2022</a:t>
+              <a:t>13-10-2022</a:t>
             </a:fld>
             <a:endParaRPr lang="en-IN"/>
           </a:p>
@@ -678,7 +3522,7 @@
           <a:p>
             <a:fld id="{AEC6812B-46A6-479A-B22E-5D4594B88910}" type="datetimeFigureOut">
               <a:rPr lang="en-IN" smtClean="0"/>
-              <a:t>12-10-2022</a:t>
+              <a:t>13-10-2022</a:t>
             </a:fld>
             <a:endParaRPr lang="en-IN"/>
           </a:p>
@@ -878,7 +3722,7 @@
           <a:p>
             <a:fld id="{AEC6812B-46A6-479A-B22E-5D4594B88910}" type="datetimeFigureOut">
               <a:rPr lang="en-IN" smtClean="0"/>
-              <a:t>12-10-2022</a:t>
+              <a:t>13-10-2022</a:t>
             </a:fld>
             <a:endParaRPr lang="en-IN"/>
           </a:p>
@@ -1154,7 +3998,7 @@
           <a:p>
             <a:fld id="{AEC6812B-46A6-479A-B22E-5D4594B88910}" type="datetimeFigureOut">
               <a:rPr lang="en-IN" smtClean="0"/>
-              <a:t>12-10-2022</a:t>
+              <a:t>13-10-2022</a:t>
             </a:fld>
             <a:endParaRPr lang="en-IN"/>
           </a:p>
@@ -1422,7 +4266,7 @@
           <a:p>
             <a:fld id="{AEC6812B-46A6-479A-B22E-5D4594B88910}" type="datetimeFigureOut">
               <a:rPr lang="en-IN" smtClean="0"/>
-              <a:t>12-10-2022</a:t>
+              <a:t>13-10-2022</a:t>
             </a:fld>
             <a:endParaRPr lang="en-IN"/>
           </a:p>
@@ -1837,7 +4681,7 @@
           <a:p>
             <a:fld id="{AEC6812B-46A6-479A-B22E-5D4594B88910}" type="datetimeFigureOut">
               <a:rPr lang="en-IN" smtClean="0"/>
-              <a:t>12-10-2022</a:t>
+              <a:t>13-10-2022</a:t>
             </a:fld>
             <a:endParaRPr lang="en-IN"/>
           </a:p>
@@ -1979,7 +4823,7 @@
           <a:p>
             <a:fld id="{AEC6812B-46A6-479A-B22E-5D4594B88910}" type="datetimeFigureOut">
               <a:rPr lang="en-IN" smtClean="0"/>
-              <a:t>12-10-2022</a:t>
+              <a:t>13-10-2022</a:t>
             </a:fld>
             <a:endParaRPr lang="en-IN"/>
           </a:p>
@@ -2092,7 +4936,7 @@
           <a:p>
             <a:fld id="{AEC6812B-46A6-479A-B22E-5D4594B88910}" type="datetimeFigureOut">
               <a:rPr lang="en-IN" smtClean="0"/>
-              <a:t>12-10-2022</a:t>
+              <a:t>13-10-2022</a:t>
             </a:fld>
             <a:endParaRPr lang="en-IN"/>
           </a:p>
@@ -2405,7 +5249,7 @@
           <a:p>
             <a:fld id="{AEC6812B-46A6-479A-B22E-5D4594B88910}" type="datetimeFigureOut">
               <a:rPr lang="en-IN" smtClean="0"/>
-              <a:t>12-10-2022</a:t>
+              <a:t>13-10-2022</a:t>
             </a:fld>
             <a:endParaRPr lang="en-IN"/>
           </a:p>
@@ -2694,7 +5538,7 @@
           <a:p>
             <a:fld id="{AEC6812B-46A6-479A-B22E-5D4594B88910}" type="datetimeFigureOut">
               <a:rPr lang="en-IN" smtClean="0"/>
-              <a:t>12-10-2022</a:t>
+              <a:t>13-10-2022</a:t>
             </a:fld>
             <a:endParaRPr lang="en-IN"/>
           </a:p>
@@ -2937,7 +5781,7 @@
           <a:p>
             <a:fld id="{AEC6812B-46A6-479A-B22E-5D4594B88910}" type="datetimeFigureOut">
               <a:rPr lang="en-IN" smtClean="0"/>
-              <a:t>12-10-2022</a:t>
+              <a:t>13-10-2022</a:t>
             </a:fld>
             <a:endParaRPr lang="en-IN"/>
           </a:p>
@@ -3340,6 +6184,14 @@
 <file path=ppt/slides/slide1.xml><?xml version="1.0" encoding="utf-8"?>
 <p:sld xmlns:a="http://schemas.openxmlformats.org/drawingml/2006/main" xmlns:r="http://schemas.openxmlformats.org/officeDocument/2006/relationships" xmlns:p="http://schemas.openxmlformats.org/presentationml/2006/main">
   <p:cSld>
+    <p:bg>
+      <p:bgPr>
+        <a:solidFill>
+          <a:schemeClr val="bg1"/>
+        </a:solidFill>
+        <a:effectLst/>
+      </p:bgPr>
+    </p:bg>
     <p:spTree>
       <p:nvGrpSpPr>
         <p:cNvPr id="1" name=""/>
@@ -3354,6 +6206,192 @@
           <a:chExt cx="0" cy="0"/>
         </a:xfrm>
       </p:grpSpPr>
+      <p:sp useBgFill="1">
+        <p:nvSpPr>
+          <p:cNvPr id="1046" name="Rectangle 1037">
+            <a:extLst>
+              <a:ext uri="{FF2B5EF4-FFF2-40B4-BE49-F238E27FC236}">
+                <a16:creationId xmlns:a16="http://schemas.microsoft.com/office/drawing/2014/main" id="{526E0BFB-CDF1-4990-8C11-AC849311E0A8}"/>
+              </a:ext>
+              <a:ext uri="{C183D7F6-B498-43B3-948B-1728B52AA6E4}">
+                <adec:decorative xmlns:adec="http://schemas.microsoft.com/office/drawing/2017/decorative" val="1"/>
+              </a:ext>
+            </a:extLst>
+          </p:cNvPr>
+          <p:cNvSpPr>
+            <a:spLocks noGrp="1" noRot="1" noChangeAspect="1" noMove="1" noResize="1" noEditPoints="1" noAdjustHandles="1" noChangeArrowheads="1" noChangeShapeType="1" noTextEdit="1"/>
+          </p:cNvSpPr>
+          <p:nvPr>
+            <p:extLst>
+              <p:ext uri="{386F3935-93C4-4BCD-93E2-E3B085C9AB24}">
+                <p16:designElem xmlns:p16="http://schemas.microsoft.com/office/powerpoint/2015/main" val="1"/>
+              </p:ext>
+            </p:extLst>
+          </p:nvPr>
+        </p:nvSpPr>
+        <p:spPr>
+          <a:xfrm>
+            <a:off x="0" y="0"/>
+            <a:ext cx="12192000" cy="6858000"/>
+          </a:xfrm>
+          <a:prstGeom prst="rect">
+            <a:avLst/>
+          </a:prstGeom>
+          <a:ln>
+            <a:noFill/>
+          </a:ln>
+        </p:spPr>
+        <p:style>
+          <a:lnRef idx="2">
+            <a:schemeClr val="accent1">
+              <a:shade val="50000"/>
+            </a:schemeClr>
+          </a:lnRef>
+          <a:fillRef idx="1">
+            <a:schemeClr val="accent1"/>
+          </a:fillRef>
+          <a:effectRef idx="0">
+            <a:schemeClr val="accent1"/>
+          </a:effectRef>
+          <a:fontRef idx="minor">
+            <a:schemeClr val="lt1"/>
+          </a:fontRef>
+        </p:style>
+        <p:txBody>
+          <a:bodyPr rtlCol="0" anchor="ctr"/>
+          <a:lstStyle/>
+          <a:p>
+            <a:pPr algn="ctr"/>
+            <a:endParaRPr lang="en-US"/>
+          </a:p>
+        </p:txBody>
+      </p:sp>
+      <p:pic>
+        <p:nvPicPr>
+          <p:cNvPr id="1026" name="Picture 2" descr="Best 500+ Shoes Pictures &amp; Images [HD] | Download Free ...">
+            <a:extLst>
+              <a:ext uri="{FF2B5EF4-FFF2-40B4-BE49-F238E27FC236}">
+                <a16:creationId xmlns:a16="http://schemas.microsoft.com/office/drawing/2014/main" id="{EC0C062D-50AD-DB67-C728-5DCD3A4F061B}"/>
+              </a:ext>
+            </a:extLst>
+          </p:cNvPr>
+          <p:cNvPicPr>
+            <a:picLocks noChangeAspect="1" noChangeArrowheads="1"/>
+          </p:cNvPicPr>
+          <p:nvPr/>
+        </p:nvPicPr>
+        <p:blipFill rotWithShape="1">
+          <a:blip r:embed="rId2">
+            <a:extLst>
+              <a:ext uri="{28A0092B-C50C-407E-A947-70E740481C1C}">
+                <a14:useLocalDpi xmlns:a14="http://schemas.microsoft.com/office/drawing/2010/main" val="0"/>
+              </a:ext>
+            </a:extLst>
+          </a:blip>
+          <a:srcRect l="23298" t="7454" b="1638"/>
+          <a:stretch/>
+        </p:blipFill>
+        <p:spPr bwMode="auto">
+          <a:xfrm>
+            <a:off x="-2" y="10"/>
+            <a:ext cx="8668512" cy="6857990"/>
+          </a:xfrm>
+          <a:prstGeom prst="rect">
+            <a:avLst/>
+          </a:prstGeom>
+          <a:noFill/>
+          <a:extLst>
+            <a:ext uri="{909E8E84-426E-40DD-AFC4-6F175D3DCCD1}">
+              <a14:hiddenFill xmlns:a14="http://schemas.microsoft.com/office/drawing/2010/main">
+                <a:solidFill>
+                  <a:srgbClr val="FFFFFF"/>
+                </a:solidFill>
+              </a14:hiddenFill>
+            </a:ext>
+          </a:extLst>
+        </p:spPr>
+      </p:pic>
+      <p:sp>
+        <p:nvSpPr>
+          <p:cNvPr id="1047" name="Rectangle 1039">
+            <a:extLst>
+              <a:ext uri="{FF2B5EF4-FFF2-40B4-BE49-F238E27FC236}">
+                <a16:creationId xmlns:a16="http://schemas.microsoft.com/office/drawing/2014/main" id="{6069A1F8-9BEB-4786-9694-FC48B2D75D21}"/>
+              </a:ext>
+              <a:ext uri="{C183D7F6-B498-43B3-948B-1728B52AA6E4}">
+                <adec:decorative xmlns:adec="http://schemas.microsoft.com/office/drawing/2017/decorative" val="1"/>
+              </a:ext>
+            </a:extLst>
+          </p:cNvPr>
+          <p:cNvSpPr>
+            <a:spLocks noGrp="1" noRot="1" noChangeAspect="1" noMove="1" noResize="1" noEditPoints="1" noAdjustHandles="1" noChangeArrowheads="1" noChangeShapeType="1" noTextEdit="1"/>
+          </p:cNvSpPr>
+          <p:nvPr>
+            <p:extLst>
+              <p:ext uri="{386F3935-93C4-4BCD-93E2-E3B085C9AB24}">
+                <p16:designElem xmlns:p16="http://schemas.microsoft.com/office/powerpoint/2015/main" val="1"/>
+              </p:ext>
+            </p:extLst>
+          </p:nvPr>
+        </p:nvSpPr>
+        <p:spPr>
+          <a:xfrm flipH="1">
+            <a:off x="2788244" y="0"/>
+            <a:ext cx="9403756" cy="6858000"/>
+          </a:xfrm>
+          <a:prstGeom prst="rect">
+            <a:avLst/>
+          </a:prstGeom>
+          <a:gradFill>
+            <a:gsLst>
+              <a:gs pos="58000">
+                <a:schemeClr val="bg1"/>
+              </a:gs>
+              <a:gs pos="30000">
+                <a:schemeClr val="bg1">
+                  <a:alpha val="64000"/>
+                </a:schemeClr>
+              </a:gs>
+              <a:gs pos="0">
+                <a:schemeClr val="bg1">
+                  <a:alpha val="0"/>
+                </a:schemeClr>
+              </a:gs>
+              <a:gs pos="100000">
+                <a:schemeClr val="bg1"/>
+              </a:gs>
+            </a:gsLst>
+            <a:lin ang="10800000" scaled="0"/>
+          </a:gradFill>
+          <a:ln>
+            <a:noFill/>
+          </a:ln>
+        </p:spPr>
+        <p:style>
+          <a:lnRef idx="2">
+            <a:schemeClr val="accent1">
+              <a:shade val="50000"/>
+            </a:schemeClr>
+          </a:lnRef>
+          <a:fillRef idx="1">
+            <a:schemeClr val="accent1"/>
+          </a:fillRef>
+          <a:effectRef idx="0">
+            <a:schemeClr val="accent1"/>
+          </a:effectRef>
+          <a:fontRef idx="minor">
+            <a:schemeClr val="lt1"/>
+          </a:fontRef>
+        </p:style>
+        <p:txBody>
+          <a:bodyPr rtlCol="0" anchor="ctr"/>
+          <a:lstStyle/>
+          <a:p>
+            <a:pPr algn="ctr"/>
+            <a:endParaRPr lang="en-US" dirty="0"/>
+          </a:p>
+        </p:txBody>
+      </p:sp>
       <p:sp>
         <p:nvSpPr>
           <p:cNvPr id="2" name="Title 1">
@@ -3370,13 +6408,21 @@
             <p:ph type="ctrTitle"/>
           </p:nvPr>
         </p:nvSpPr>
-        <p:spPr/>
+        <p:spPr>
+          <a:xfrm>
+            <a:off x="7848600" y="1122363"/>
+            <a:ext cx="4023360" cy="3204134"/>
+          </a:xfrm>
+        </p:spPr>
         <p:txBody>
-          <a:bodyPr/>
+          <a:bodyPr anchor="b">
+            <a:normAutofit/>
+          </a:bodyPr>
           <a:lstStyle/>
           <a:p>
+            <a:pPr algn="l"/>
             <a:r>
-              <a:rPr lang="en-IN" b="1" dirty="0"/>
+              <a:rPr lang="en-IN" sz="4800" b="1"/>
               <a:t>MTL Chaussures</a:t>
             </a:r>
           </a:p>
@@ -3384,26 +6430,162 @@
       </p:sp>
       <p:sp>
         <p:nvSpPr>
-          <p:cNvPr id="3" name="Subtitle 2">
-            <a:extLst>
-              <a:ext uri="{FF2B5EF4-FFF2-40B4-BE49-F238E27FC236}">
-                <a16:creationId xmlns:a16="http://schemas.microsoft.com/office/drawing/2014/main" id="{50E3DAED-93DC-F231-D60F-97FAD6B880C5}"/>
+          <p:cNvPr id="1048" name="Rectangle 1041">
+            <a:extLst>
+              <a:ext uri="{FF2B5EF4-FFF2-40B4-BE49-F238E27FC236}">
+                <a16:creationId xmlns:a16="http://schemas.microsoft.com/office/drawing/2014/main" id="{AF2F604E-43BE-4DC3-B983-E071523364F8}"/>
+              </a:ext>
+              <a:ext uri="{C183D7F6-B498-43B3-948B-1728B52AA6E4}">
+                <adec:decorative xmlns:adec="http://schemas.microsoft.com/office/drawing/2017/decorative" val="1"/>
               </a:ext>
             </a:extLst>
           </p:cNvPr>
           <p:cNvSpPr>
-            <a:spLocks noGrp="1"/>
+            <a:spLocks noGrp="1" noRot="1" noChangeAspect="1" noMove="1" noResize="1" noEditPoints="1" noAdjustHandles="1" noChangeArrowheads="1" noChangeShapeType="1" noTextEdit="1"/>
           </p:cNvSpPr>
           <p:nvPr>
-            <p:ph type="subTitle" idx="1"/>
+            <p:extLst>
+              <p:ext uri="{386F3935-93C4-4BCD-93E2-E3B085C9AB24}">
+                <p16:designElem xmlns:p16="http://schemas.microsoft.com/office/powerpoint/2015/main" val="1"/>
+              </p:ext>
+            </p:extLst>
           </p:nvPr>
         </p:nvSpPr>
-        <p:spPr/>
+        <p:spPr>
+          <a:xfrm rot="5400000">
+            <a:off x="8130540" y="346791"/>
+            <a:ext cx="146304" cy="704088"/>
+          </a:xfrm>
+          <a:prstGeom prst="rect">
+            <a:avLst/>
+          </a:prstGeom>
+          <a:solidFill>
+            <a:schemeClr val="accent2"/>
+          </a:solidFill>
+          <a:ln>
+            <a:noFill/>
+          </a:ln>
+        </p:spPr>
+        <p:style>
+          <a:lnRef idx="2">
+            <a:schemeClr val="accent1">
+              <a:shade val="50000"/>
+            </a:schemeClr>
+          </a:lnRef>
+          <a:fillRef idx="1">
+            <a:schemeClr val="accent1"/>
+          </a:fillRef>
+          <a:effectRef idx="0">
+            <a:schemeClr val="accent1"/>
+          </a:effectRef>
+          <a:fontRef idx="minor">
+            <a:schemeClr val="lt1"/>
+          </a:fontRef>
+        </p:style>
         <p:txBody>
-          <a:bodyPr/>
+          <a:bodyPr rtlCol="0" anchor="ctr"/>
           <a:lstStyle/>
           <a:p>
-            <a:endParaRPr lang="en-IN"/>
+            <a:pPr algn="ctr"/>
+            <a:endParaRPr lang="en-US">
+              <a:solidFill>
+                <a:prstClr val="white"/>
+              </a:solidFill>
+              <a:latin typeface="Calibri" panose="020F0502020204030204"/>
+            </a:endParaRPr>
+          </a:p>
+        </p:txBody>
+      </p:sp>
+      <p:sp>
+        <p:nvSpPr>
+          <p:cNvPr id="1049" name="Rectangle 1043">
+            <a:extLst>
+              <a:ext uri="{FF2B5EF4-FFF2-40B4-BE49-F238E27FC236}">
+                <a16:creationId xmlns:a16="http://schemas.microsoft.com/office/drawing/2014/main" id="{08C9B587-E65E-4B52-B37C-ABEBB6E87928}"/>
+              </a:ext>
+              <a:ext uri="{C183D7F6-B498-43B3-948B-1728B52AA6E4}">
+                <adec:decorative xmlns:adec="http://schemas.microsoft.com/office/drawing/2017/decorative" val="1"/>
+              </a:ext>
+            </a:extLst>
+          </p:cNvPr>
+          <p:cNvSpPr>
+            <a:spLocks noGrp="1" noRot="1" noChangeAspect="1" noMove="1" noResize="1" noEditPoints="1" noAdjustHandles="1" noChangeArrowheads="1" noChangeShapeType="1" noTextEdit="1"/>
+          </p:cNvSpPr>
+          <p:nvPr>
+            <p:extLst>
+              <p:ext uri="{386F3935-93C4-4BCD-93E2-E3B085C9AB24}">
+                <p16:designElem xmlns:p16="http://schemas.microsoft.com/office/powerpoint/2015/main" val="1"/>
+              </p:ext>
+            </p:extLst>
+          </p:nvPr>
+        </p:nvSpPr>
+        <p:spPr>
+          <a:xfrm>
+            <a:off x="7851648" y="4546920"/>
+            <a:ext cx="4023360" cy="18288"/>
+          </a:xfrm>
+          <a:prstGeom prst="rect">
+            <a:avLst/>
+          </a:prstGeom>
+          <a:solidFill>
+            <a:schemeClr val="tx1"/>
+          </a:solidFill>
+          <a:ln w="3175">
+            <a:noFill/>
+          </a:ln>
+          <a:effectLst/>
+        </p:spPr>
+        <p:style>
+          <a:lnRef idx="2">
+            <a:schemeClr val="accent1">
+              <a:shade val="50000"/>
+            </a:schemeClr>
+          </a:lnRef>
+          <a:fillRef idx="1">
+            <a:schemeClr val="accent1"/>
+          </a:fillRef>
+          <a:effectRef idx="0">
+            <a:schemeClr val="accent1"/>
+          </a:effectRef>
+          <a:fontRef idx="minor">
+            <a:schemeClr val="lt1"/>
+          </a:fontRef>
+        </p:style>
+        <p:txBody>
+          <a:bodyPr rtlCol="0" anchor="ctr"/>
+          <a:lstStyle/>
+          <a:p>
+            <a:pPr marL="0" marR="0" lvl="0" indent="0" algn="ctr" defTabSz="914400" rtl="0" eaLnBrk="1" fontAlgn="auto" latinLnBrk="0" hangingPunct="1">
+              <a:lnSpc>
+                <a:spcPct val="100000"/>
+              </a:lnSpc>
+              <a:spcBef>
+                <a:spcPts val="0"/>
+              </a:spcBef>
+              <a:spcAft>
+                <a:spcPts val="0"/>
+              </a:spcAft>
+              <a:buClrTx/>
+              <a:buSzTx/>
+              <a:buFontTx/>
+              <a:buNone/>
+              <a:tabLst/>
+              <a:defRPr/>
+            </a:pPr>
+            <a:endParaRPr kumimoji="0" lang="en-US" sz="1800" b="0" i="0" u="none" strike="noStrike" kern="1200" cap="none" spc="0" normalizeH="0" baseline="0" noProof="0">
+              <a:ln>
+                <a:noFill/>
+              </a:ln>
+              <a:solidFill>
+                <a:prstClr val="white"/>
+              </a:solidFill>
+              <a:effectLst/>
+              <a:uLnTx/>
+              <a:uFillTx/>
+              <a:latin typeface="Calibri" panose="020F0502020204030204"/>
+              <a:ea typeface="+mn-ea"/>
+              <a:cs typeface="+mn-cs"/>
+            </a:endParaRPr>
           </a:p>
         </p:txBody>
       </p:sp>
@@ -3415,8 +6597,103 @@
     </p:extLst>
   </p:cSld>
   <p:clrMapOvr>
-    <a:masterClrMapping/>
+    <a:overrideClrMapping bg1="dk1" tx1="lt1" bg2="dk2" tx2="lt2" accent1="accent1" accent2="accent2" accent3="accent3" accent4="accent4" accent5="accent5" accent6="accent6" hlink="hlink" folHlink="folHlink"/>
   </p:clrMapOvr>
+  <p:transition spd="slow">
+    <p:push dir="u"/>
+  </p:transition>
+  <p:timing>
+    <p:tnLst>
+      <p:par>
+        <p:cTn id="1" dur="indefinite" restart="never" nodeType="tmRoot">
+          <p:childTnLst>
+            <p:seq concurrent="1" nextAc="seek">
+              <p:cTn id="2" dur="indefinite" nodeType="mainSeq">
+                <p:childTnLst>
+                  <p:par>
+                    <p:cTn id="3" fill="hold">
+                      <p:stCondLst>
+                        <p:cond delay="indefinite"/>
+                        <p:cond evt="onBegin" delay="0">
+                          <p:tn val="2"/>
+                        </p:cond>
+                      </p:stCondLst>
+                      <p:childTnLst>
+                        <p:par>
+                          <p:cTn id="4" fill="hold">
+                            <p:stCondLst>
+                              <p:cond delay="0"/>
+                            </p:stCondLst>
+                            <p:childTnLst>
+                              <p:par>
+                                <p:cTn id="5" presetID="10" presetClass="entr" presetSubtype="0" fill="hold" grpId="0" nodeType="withEffect">
+                                  <p:stCondLst>
+                                    <p:cond delay="1000"/>
+                                  </p:stCondLst>
+                                  <p:iterate>
+                                    <p:tmPct val="10000"/>
+                                  </p:iterate>
+                                  <p:childTnLst>
+                                    <p:set>
+                                      <p:cBhvr>
+                                        <p:cTn id="6" dur="1" fill="hold">
+                                          <p:stCondLst>
+                                            <p:cond delay="0"/>
+                                          </p:stCondLst>
+                                        </p:cTn>
+                                        <p:tgtEl>
+                                          <p:spTgt spid="2"/>
+                                        </p:tgtEl>
+                                        <p:attrNameLst>
+                                          <p:attrName>style.visibility</p:attrName>
+                                        </p:attrNameLst>
+                                      </p:cBhvr>
+                                      <p:to>
+                                        <p:strVal val="visible"/>
+                                      </p:to>
+                                    </p:set>
+                                    <p:animEffect transition="in" filter="fade">
+                                      <p:cBhvr>
+                                        <p:cTn id="7" dur="700"/>
+                                        <p:tgtEl>
+                                          <p:spTgt spid="2"/>
+                                        </p:tgtEl>
+                                      </p:cBhvr>
+                                    </p:animEffect>
+                                  </p:childTnLst>
+                                </p:cTn>
+                              </p:par>
+                            </p:childTnLst>
+                          </p:cTn>
+                        </p:par>
+                      </p:childTnLst>
+                    </p:cTn>
+                  </p:par>
+                </p:childTnLst>
+              </p:cTn>
+              <p:prevCondLst>
+                <p:cond evt="onPrev" delay="0">
+                  <p:tgtEl>
+                    <p:sldTgt/>
+                  </p:tgtEl>
+                </p:cond>
+              </p:prevCondLst>
+              <p:nextCondLst>
+                <p:cond evt="onNext" delay="0">
+                  <p:tgtEl>
+                    <p:sldTgt/>
+                  </p:tgtEl>
+                </p:cond>
+              </p:nextCondLst>
+            </p:seq>
+          </p:childTnLst>
+        </p:cTn>
+      </p:par>
+    </p:tnLst>
+    <p:bldLst>
+      <p:bldP spid="2" grpId="0"/>
+    </p:bldLst>
+  </p:timing>
 </p:sld>
 </file>
 
@@ -3761,7 +7038,7 @@
           <a:p>
             <a:r>
               <a:rPr lang="en-IN" dirty="0"/>
-              <a:t>Account Screen</a:t>
+              <a:t>Login Screen</a:t>
             </a:r>
           </a:p>
         </p:txBody>
@@ -3796,23 +7073,23 @@
           <a:p>
             <a:r>
               <a:rPr lang="en-US" sz="2000" dirty="0"/>
-              <a:t>Account screen is mandatory to do purchases on the app.</a:t>
+              <a:t>Login is for already registered users.</a:t>
             </a:r>
           </a:p>
           <a:p>
             <a:r>
               <a:rPr lang="en-US" sz="2000" dirty="0"/>
-              <a:t>Account screen is the one that saves the orders and checkout data.</a:t>
+              <a:t>It can restore all users data.</a:t>
             </a:r>
           </a:p>
         </p:txBody>
       </p:sp>
       <p:pic>
         <p:nvPicPr>
-          <p:cNvPr id="4" name="Picture 3">
-            <a:extLst>
-              <a:ext uri="{FF2B5EF4-FFF2-40B4-BE49-F238E27FC236}">
-                <a16:creationId xmlns:a16="http://schemas.microsoft.com/office/drawing/2014/main" id="{44CA1A63-F18D-195B-4DC5-27EA64FA603A}"/>
+          <p:cNvPr id="3" name="Picture 2">
+            <a:extLst>
+              <a:ext uri="{FF2B5EF4-FFF2-40B4-BE49-F238E27FC236}">
+                <a16:creationId xmlns:a16="http://schemas.microsoft.com/office/drawing/2014/main" id="{6C28DBF4-9248-D67C-12B5-5B56AE67DDB3}"/>
               </a:ext>
             </a:extLst>
           </p:cNvPr>
@@ -3829,8 +7106,8 @@
         </p:blipFill>
         <p:spPr>
           <a:xfrm>
-            <a:off x="948425" y="1027906"/>
-            <a:ext cx="2594875" cy="5603955"/>
+            <a:off x="643468" y="750478"/>
+            <a:ext cx="2734803" cy="5426484"/>
           </a:xfrm>
           <a:prstGeom prst="rect">
             <a:avLst/>
@@ -3840,13 +7117,16 @@
     </p:spTree>
     <p:extLst>
       <p:ext uri="{BB962C8B-B14F-4D97-AF65-F5344CB8AC3E}">
-        <p14:creationId xmlns:p14="http://schemas.microsoft.com/office/powerpoint/2010/main" val="640053094"/>
+        <p14:creationId xmlns:p14="http://schemas.microsoft.com/office/powerpoint/2010/main" val="10713690"/>
       </p:ext>
     </p:extLst>
   </p:cSld>
   <p:clrMapOvr>
     <a:overrideClrMapping bg1="dk1" tx1="lt1" bg2="dk2" tx2="lt2" accent1="accent1" accent2="accent2" accent3="accent3" accent4="accent4" accent5="accent5" accent6="accent6" hlink="hlink" folHlink="folHlink"/>
   </p:clrMapOvr>
+  <p:transition spd="slow">
+    <p:push dir="u"/>
+  </p:transition>
 </p:sld>
 </file>
 
@@ -4191,7 +7471,7 @@
           <a:p>
             <a:r>
               <a:rPr lang="en-IN" dirty="0"/>
-              <a:t>Register Screen</a:t>
+              <a:t>Account Screen</a:t>
             </a:r>
           </a:p>
         </p:txBody>
@@ -4226,23 +7506,23 @@
           <a:p>
             <a:r>
               <a:rPr lang="en-US" sz="2000" dirty="0"/>
-              <a:t>Register screen as name says it registers the user’s info.</a:t>
+              <a:t>Account screen is mandatory to do purchases on the app.</a:t>
             </a:r>
           </a:p>
           <a:p>
             <a:r>
               <a:rPr lang="en-US" sz="2000" dirty="0"/>
-              <a:t>It is for the first-time users who really wants to enjoy the user experience of the app.</a:t>
+              <a:t>Account screen is the one that saves the orders and checkout data.</a:t>
             </a:r>
           </a:p>
         </p:txBody>
       </p:sp>
       <p:pic>
         <p:nvPicPr>
-          <p:cNvPr id="3" name="Picture 2">
-            <a:extLst>
-              <a:ext uri="{FF2B5EF4-FFF2-40B4-BE49-F238E27FC236}">
-                <a16:creationId xmlns:a16="http://schemas.microsoft.com/office/drawing/2014/main" id="{329ABD65-3BAD-8BE3-6C4D-A704026595F5}"/>
+          <p:cNvPr id="4" name="Picture 3">
+            <a:extLst>
+              <a:ext uri="{FF2B5EF4-FFF2-40B4-BE49-F238E27FC236}">
+                <a16:creationId xmlns:a16="http://schemas.microsoft.com/office/drawing/2014/main" id="{44CA1A63-F18D-195B-4DC5-27EA64FA603A}"/>
               </a:ext>
             </a:extLst>
           </p:cNvPr>
@@ -4259,8 +7539,8 @@
         </p:blipFill>
         <p:spPr>
           <a:xfrm>
-            <a:off x="958595" y="1027906"/>
-            <a:ext cx="2518029" cy="5400820"/>
+            <a:off x="948425" y="1027906"/>
+            <a:ext cx="2594875" cy="5603955"/>
           </a:xfrm>
           <a:prstGeom prst="rect">
             <a:avLst/>
@@ -4270,13 +7550,16 @@
     </p:spTree>
     <p:extLst>
       <p:ext uri="{BB962C8B-B14F-4D97-AF65-F5344CB8AC3E}">
-        <p14:creationId xmlns:p14="http://schemas.microsoft.com/office/powerpoint/2010/main" val="1912661493"/>
+        <p14:creationId xmlns:p14="http://schemas.microsoft.com/office/powerpoint/2010/main" val="640053094"/>
       </p:ext>
     </p:extLst>
   </p:cSld>
   <p:clrMapOvr>
     <a:overrideClrMapping bg1="dk1" tx1="lt1" bg2="dk2" tx2="lt2" accent1="accent1" accent2="accent2" accent3="accent3" accent4="accent4" accent5="accent5" accent6="accent6" hlink="hlink" folHlink="folHlink"/>
   </p:clrMapOvr>
+  <p:transition spd="slow">
+    <p:push dir="u"/>
+  </p:transition>
 </p:sld>
 </file>
 
@@ -4621,7 +7904,7 @@
           <a:p>
             <a:r>
               <a:rPr lang="en-IN" dirty="0"/>
-              <a:t>Login Screen</a:t>
+              <a:t>Checkout Screen</a:t>
             </a:r>
           </a:p>
         </p:txBody>
@@ -4656,13 +7939,21 @@
           <a:p>
             <a:r>
               <a:rPr lang="en-US" sz="2000" dirty="0"/>
-              <a:t>Login is for already registered users.</a:t>
+              <a:t>Checkout page if the final confirmation for payment </a:t>
             </a:r>
-          </a:p>
-          <a:p>
+            <a:r>
+              <a:rPr lang="en-US" sz="2000" dirty="0" err="1"/>
+              <a:t>api</a:t>
+            </a:r>
             <a:r>
               <a:rPr lang="en-US" sz="2000" dirty="0"/>
-              <a:t>It can restore all users data.</a:t>
+              <a:t>.</a:t>
+            </a:r>
+          </a:p>
+          <a:p>
+            <a:r>
+              <a:rPr lang="en-US" sz="2000" dirty="0"/>
+              <a:t>It ensures that user rechecks the product verification.</a:t>
             </a:r>
           </a:p>
         </p:txBody>
@@ -4672,7 +7963,7 @@
           <p:cNvPr id="4" name="Picture 3">
             <a:extLst>
               <a:ext uri="{FF2B5EF4-FFF2-40B4-BE49-F238E27FC236}">
-                <a16:creationId xmlns:a16="http://schemas.microsoft.com/office/drawing/2014/main" id="{7331D03A-3316-017F-C1F0-E76280074929}"/>
+                <a16:creationId xmlns:a16="http://schemas.microsoft.com/office/drawing/2014/main" id="{1A9AD166-1733-4418-FCFE-415671F9B1E9}"/>
               </a:ext>
             </a:extLst>
           </p:cNvPr>
@@ -4689,8 +7980,8 @@
         </p:blipFill>
         <p:spPr>
           <a:xfrm>
-            <a:off x="958596" y="1027906"/>
-            <a:ext cx="2451354" cy="5270986"/>
+            <a:off x="643468" y="1027906"/>
+            <a:ext cx="2404532" cy="5041759"/>
           </a:xfrm>
           <a:prstGeom prst="rect">
             <a:avLst/>
@@ -4700,543 +7991,20 @@
     </p:spTree>
     <p:extLst>
       <p:ext uri="{BB962C8B-B14F-4D97-AF65-F5344CB8AC3E}">
-        <p14:creationId xmlns:p14="http://schemas.microsoft.com/office/powerpoint/2010/main" val="10713690"/>
+        <p14:creationId xmlns:p14="http://schemas.microsoft.com/office/powerpoint/2010/main" val="188833536"/>
       </p:ext>
     </p:extLst>
   </p:cSld>
   <p:clrMapOvr>
     <a:overrideClrMapping bg1="dk1" tx1="lt1" bg2="dk2" tx2="lt2" accent1="accent1" accent2="accent2" accent3="accent3" accent4="accent4" accent5="accent5" accent6="accent6" hlink="hlink" folHlink="folHlink"/>
   </p:clrMapOvr>
+  <p:transition spd="slow">
+    <p:push dir="u"/>
+  </p:transition>
 </p:sld>
 </file>
 
 <file path=ppt/slides/slide13.xml><?xml version="1.0" encoding="utf-8"?>
-<p:sld xmlns:a="http://schemas.openxmlformats.org/drawingml/2006/main" xmlns:r="http://schemas.openxmlformats.org/officeDocument/2006/relationships" xmlns:p="http://schemas.openxmlformats.org/presentationml/2006/main">
-  <p:cSld>
-    <p:spTree>
-      <p:nvGrpSpPr>
-        <p:cNvPr id="1" name=""/>
-        <p:cNvGrpSpPr/>
-        <p:nvPr/>
-      </p:nvGrpSpPr>
-      <p:grpSpPr>
-        <a:xfrm>
-          <a:off x="0" y="0"/>
-          <a:ext cx="0" cy="0"/>
-          <a:chOff x="0" y="0"/>
-          <a:chExt cx="0" cy="0"/>
-        </a:xfrm>
-      </p:grpSpPr>
-      <p:sp>
-        <p:nvSpPr>
-          <p:cNvPr id="2" name="Title 1">
-            <a:extLst>
-              <a:ext uri="{FF2B5EF4-FFF2-40B4-BE49-F238E27FC236}">
-                <a16:creationId xmlns:a16="http://schemas.microsoft.com/office/drawing/2014/main" id="{E7768682-47F1-7B92-9829-73C80CF36268}"/>
-              </a:ext>
-            </a:extLst>
-          </p:cNvPr>
-          <p:cNvSpPr>
-            <a:spLocks noGrp="1"/>
-          </p:cNvSpPr>
-          <p:nvPr>
-            <p:ph type="title"/>
-          </p:nvPr>
-        </p:nvSpPr>
-        <p:spPr/>
-        <p:txBody>
-          <a:bodyPr/>
-          <a:lstStyle/>
-          <a:p>
-            <a:r>
-              <a:rPr lang="en-IN" dirty="0"/>
-              <a:t>Other Information</a:t>
-            </a:r>
-          </a:p>
-        </p:txBody>
-      </p:sp>
-      <p:sp>
-        <p:nvSpPr>
-          <p:cNvPr id="3" name="Content Placeholder 2">
-            <a:extLst>
-              <a:ext uri="{FF2B5EF4-FFF2-40B4-BE49-F238E27FC236}">
-                <a16:creationId xmlns:a16="http://schemas.microsoft.com/office/drawing/2014/main" id="{241E6E68-6670-9FA2-1658-CC5407B44293}"/>
-              </a:ext>
-            </a:extLst>
-          </p:cNvPr>
-          <p:cNvSpPr>
-            <a:spLocks noGrp="1"/>
-          </p:cNvSpPr>
-          <p:nvPr>
-            <p:ph idx="1"/>
-          </p:nvPr>
-        </p:nvSpPr>
-        <p:spPr/>
-        <p:txBody>
-          <a:bodyPr/>
-          <a:lstStyle/>
-          <a:p>
-            <a:r>
-              <a:rPr lang="en-IN" dirty="0"/>
-              <a:t>Number of screen flow: 9 screens.</a:t>
-            </a:r>
-          </a:p>
-          <a:p>
-            <a:r>
-              <a:rPr lang="en-IN" dirty="0"/>
-              <a:t>Chosen Database: Firebase</a:t>
-            </a:r>
-          </a:p>
-          <a:p>
-            <a:r>
-              <a:rPr lang="en-IN" dirty="0"/>
-              <a:t>GitHub link:</a:t>
-            </a:r>
-          </a:p>
-        </p:txBody>
-      </p:sp>
-    </p:spTree>
-    <p:extLst>
-      <p:ext uri="{BB962C8B-B14F-4D97-AF65-F5344CB8AC3E}">
-        <p14:creationId xmlns:p14="http://schemas.microsoft.com/office/powerpoint/2010/main" val="3637631196"/>
-      </p:ext>
-    </p:extLst>
-  </p:cSld>
-  <p:clrMapOvr>
-    <a:masterClrMapping/>
-  </p:clrMapOvr>
-</p:sld>
-</file>
-
-<file path=ppt/slides/slide2.xml><?xml version="1.0" encoding="utf-8"?>
-<p:sld xmlns:a="http://schemas.openxmlformats.org/drawingml/2006/main" xmlns:r="http://schemas.openxmlformats.org/officeDocument/2006/relationships" xmlns:p="http://schemas.openxmlformats.org/presentationml/2006/main">
-  <p:cSld>
-    <p:spTree>
-      <p:nvGrpSpPr>
-        <p:cNvPr id="1" name=""/>
-        <p:cNvGrpSpPr/>
-        <p:nvPr/>
-      </p:nvGrpSpPr>
-      <p:grpSpPr>
-        <a:xfrm>
-          <a:off x="0" y="0"/>
-          <a:ext cx="0" cy="0"/>
-          <a:chOff x="0" y="0"/>
-          <a:chExt cx="0" cy="0"/>
-        </a:xfrm>
-      </p:grpSpPr>
-      <p:sp>
-        <p:nvSpPr>
-          <p:cNvPr id="2" name="Title 1">
-            <a:extLst>
-              <a:ext uri="{FF2B5EF4-FFF2-40B4-BE49-F238E27FC236}">
-                <a16:creationId xmlns:a16="http://schemas.microsoft.com/office/drawing/2014/main" id="{6655D0E5-AAEE-B3D7-0991-60EAE167695A}"/>
-              </a:ext>
-            </a:extLst>
-          </p:cNvPr>
-          <p:cNvSpPr>
-            <a:spLocks noGrp="1"/>
-          </p:cNvSpPr>
-          <p:nvPr>
-            <p:ph type="title"/>
-          </p:nvPr>
-        </p:nvSpPr>
-        <p:spPr/>
-        <p:txBody>
-          <a:bodyPr/>
-          <a:lstStyle/>
-          <a:p>
-            <a:r>
-              <a:rPr lang="en-IN" b="1" dirty="0"/>
-              <a:t>Description</a:t>
-            </a:r>
-          </a:p>
-        </p:txBody>
-      </p:sp>
-      <p:sp>
-        <p:nvSpPr>
-          <p:cNvPr id="3" name="Content Placeholder 2">
-            <a:extLst>
-              <a:ext uri="{FF2B5EF4-FFF2-40B4-BE49-F238E27FC236}">
-                <a16:creationId xmlns:a16="http://schemas.microsoft.com/office/drawing/2014/main" id="{EE1EB34C-A852-47F2-317A-524508FE84FC}"/>
-              </a:ext>
-            </a:extLst>
-          </p:cNvPr>
-          <p:cNvSpPr>
-            <a:spLocks noGrp="1"/>
-          </p:cNvSpPr>
-          <p:nvPr>
-            <p:ph idx="1"/>
-          </p:nvPr>
-        </p:nvSpPr>
-        <p:spPr/>
-        <p:txBody>
-          <a:bodyPr/>
-          <a:lstStyle/>
-          <a:p>
-            <a:r>
-              <a:rPr lang="en-IN" dirty="0"/>
-              <a:t>Our project is an ecommerce app for Shoes.</a:t>
-            </a:r>
-          </a:p>
-          <a:p>
-            <a:r>
-              <a:rPr lang="en-IN" dirty="0"/>
-              <a:t>It’s goal is to match the versatile fashion of Montreal’s multi-culturalism.</a:t>
-            </a:r>
-          </a:p>
-          <a:p>
-            <a:r>
-              <a:rPr lang="en-IN" dirty="0"/>
-              <a:t>It gives variety of options to people to shop shoes of their choice.</a:t>
-            </a:r>
-          </a:p>
-          <a:p>
-            <a:endParaRPr lang="en-IN" dirty="0"/>
-          </a:p>
-        </p:txBody>
-      </p:sp>
-    </p:spTree>
-    <p:extLst>
-      <p:ext uri="{BB962C8B-B14F-4D97-AF65-F5344CB8AC3E}">
-        <p14:creationId xmlns:p14="http://schemas.microsoft.com/office/powerpoint/2010/main" val="751595338"/>
-      </p:ext>
-    </p:extLst>
-  </p:cSld>
-  <p:clrMapOvr>
-    <a:masterClrMapping/>
-  </p:clrMapOvr>
-</p:sld>
-</file>
-
-<file path=ppt/slides/slide3.xml><?xml version="1.0" encoding="utf-8"?>
-<p:sld xmlns:a="http://schemas.openxmlformats.org/drawingml/2006/main" xmlns:r="http://schemas.openxmlformats.org/officeDocument/2006/relationships" xmlns:p="http://schemas.openxmlformats.org/presentationml/2006/main">
-  <p:cSld>
-    <p:spTree>
-      <p:nvGrpSpPr>
-        <p:cNvPr id="1" name=""/>
-        <p:cNvGrpSpPr/>
-        <p:nvPr/>
-      </p:nvGrpSpPr>
-      <p:grpSpPr>
-        <a:xfrm>
-          <a:off x="0" y="0"/>
-          <a:ext cx="0" cy="0"/>
-          <a:chOff x="0" y="0"/>
-          <a:chExt cx="0" cy="0"/>
-        </a:xfrm>
-      </p:grpSpPr>
-      <p:sp>
-        <p:nvSpPr>
-          <p:cNvPr id="2" name="Title 1">
-            <a:extLst>
-              <a:ext uri="{FF2B5EF4-FFF2-40B4-BE49-F238E27FC236}">
-                <a16:creationId xmlns:a16="http://schemas.microsoft.com/office/drawing/2014/main" id="{73D13556-9FA4-18EB-5651-4303CC8C6D9C}"/>
-              </a:ext>
-            </a:extLst>
-          </p:cNvPr>
-          <p:cNvSpPr>
-            <a:spLocks noGrp="1"/>
-          </p:cNvSpPr>
-          <p:nvPr>
-            <p:ph type="title"/>
-          </p:nvPr>
-        </p:nvSpPr>
-        <p:spPr/>
-        <p:txBody>
-          <a:bodyPr/>
-          <a:lstStyle/>
-          <a:p>
-            <a:r>
-              <a:rPr lang="en-IN" b="1" dirty="0"/>
-              <a:t>Mock Up</a:t>
-            </a:r>
-          </a:p>
-        </p:txBody>
-      </p:sp>
-      <p:pic>
-        <p:nvPicPr>
-          <p:cNvPr id="5" name="Content Placeholder 4">
-            <a:extLst>
-              <a:ext uri="{FF2B5EF4-FFF2-40B4-BE49-F238E27FC236}">
-                <a16:creationId xmlns:a16="http://schemas.microsoft.com/office/drawing/2014/main" id="{3AA0FC67-41CE-E1F9-9D84-F747ACE16359}"/>
-              </a:ext>
-            </a:extLst>
-          </p:cNvPr>
-          <p:cNvPicPr>
-            <a:picLocks noGrp="1" noChangeAspect="1"/>
-          </p:cNvPicPr>
-          <p:nvPr>
-            <p:ph idx="1"/>
-          </p:nvPr>
-        </p:nvPicPr>
-        <p:blipFill>
-          <a:blip r:embed="rId2"/>
-          <a:stretch>
-            <a:fillRect/>
-          </a:stretch>
-        </p:blipFill>
-        <p:spPr>
-          <a:xfrm>
-            <a:off x="720490" y="1833647"/>
-            <a:ext cx="1065354" cy="2290762"/>
-          </a:xfrm>
-        </p:spPr>
-      </p:pic>
-      <p:pic>
-        <p:nvPicPr>
-          <p:cNvPr id="7" name="Picture 6">
-            <a:extLst>
-              <a:ext uri="{FF2B5EF4-FFF2-40B4-BE49-F238E27FC236}">
-                <a16:creationId xmlns:a16="http://schemas.microsoft.com/office/drawing/2014/main" id="{190C0095-380C-69B7-A955-5101C0E5BFAB}"/>
-              </a:ext>
-            </a:extLst>
-          </p:cNvPr>
-          <p:cNvPicPr>
-            <a:picLocks noChangeAspect="1"/>
-          </p:cNvPicPr>
-          <p:nvPr/>
-        </p:nvPicPr>
-        <p:blipFill>
-          <a:blip r:embed="rId3"/>
-          <a:stretch>
-            <a:fillRect/>
-          </a:stretch>
-        </p:blipFill>
-        <p:spPr>
-          <a:xfrm>
-            <a:off x="1952682" y="1833647"/>
-            <a:ext cx="1058797" cy="2290762"/>
-          </a:xfrm>
-          <a:prstGeom prst="rect">
-            <a:avLst/>
-          </a:prstGeom>
-        </p:spPr>
-      </p:pic>
-      <p:pic>
-        <p:nvPicPr>
-          <p:cNvPr id="9" name="Picture 8">
-            <a:extLst>
-              <a:ext uri="{FF2B5EF4-FFF2-40B4-BE49-F238E27FC236}">
-                <a16:creationId xmlns:a16="http://schemas.microsoft.com/office/drawing/2014/main" id="{3591B276-143F-11B4-7779-711A5C11BE77}"/>
-              </a:ext>
-            </a:extLst>
-          </p:cNvPr>
-          <p:cNvPicPr>
-            <a:picLocks noChangeAspect="1"/>
-          </p:cNvPicPr>
-          <p:nvPr/>
-        </p:nvPicPr>
-        <p:blipFill>
-          <a:blip r:embed="rId4"/>
-          <a:stretch>
-            <a:fillRect/>
-          </a:stretch>
-        </p:blipFill>
-        <p:spPr>
-          <a:xfrm>
-            <a:off x="3148083" y="1833650"/>
-            <a:ext cx="1060723" cy="2290763"/>
-          </a:xfrm>
-          <a:prstGeom prst="rect">
-            <a:avLst/>
-          </a:prstGeom>
-        </p:spPr>
-      </p:pic>
-      <p:pic>
-        <p:nvPicPr>
-          <p:cNvPr id="11" name="Picture 10">
-            <a:extLst>
-              <a:ext uri="{FF2B5EF4-FFF2-40B4-BE49-F238E27FC236}">
-                <a16:creationId xmlns:a16="http://schemas.microsoft.com/office/drawing/2014/main" id="{0E337857-ECBB-72E4-4FFE-7313C60A0310}"/>
-              </a:ext>
-            </a:extLst>
-          </p:cNvPr>
-          <p:cNvPicPr>
-            <a:picLocks noChangeAspect="1"/>
-          </p:cNvPicPr>
-          <p:nvPr/>
-        </p:nvPicPr>
-        <p:blipFill>
-          <a:blip r:embed="rId5"/>
-          <a:stretch>
-            <a:fillRect/>
-          </a:stretch>
-        </p:blipFill>
-        <p:spPr>
-          <a:xfrm>
-            <a:off x="4354290" y="1833649"/>
-            <a:ext cx="1065355" cy="2290763"/>
-          </a:xfrm>
-          <a:prstGeom prst="rect">
-            <a:avLst/>
-          </a:prstGeom>
-        </p:spPr>
-      </p:pic>
-      <p:pic>
-        <p:nvPicPr>
-          <p:cNvPr id="13" name="Picture 12">
-            <a:extLst>
-              <a:ext uri="{FF2B5EF4-FFF2-40B4-BE49-F238E27FC236}">
-                <a16:creationId xmlns:a16="http://schemas.microsoft.com/office/drawing/2014/main" id="{3BAE2F88-36B4-8B5C-0A65-F5C53E920062}"/>
-              </a:ext>
-            </a:extLst>
-          </p:cNvPr>
-          <p:cNvPicPr>
-            <a:picLocks noChangeAspect="1"/>
-          </p:cNvPicPr>
-          <p:nvPr/>
-        </p:nvPicPr>
-        <p:blipFill>
-          <a:blip r:embed="rId6"/>
-          <a:stretch>
-            <a:fillRect/>
-          </a:stretch>
-        </p:blipFill>
-        <p:spPr>
-          <a:xfrm>
-            <a:off x="5561988" y="1833650"/>
-            <a:ext cx="1068024" cy="2290762"/>
-          </a:xfrm>
-          <a:prstGeom prst="rect">
-            <a:avLst/>
-          </a:prstGeom>
-        </p:spPr>
-      </p:pic>
-      <p:pic>
-        <p:nvPicPr>
-          <p:cNvPr id="15" name="Picture 14">
-            <a:extLst>
-              <a:ext uri="{FF2B5EF4-FFF2-40B4-BE49-F238E27FC236}">
-                <a16:creationId xmlns:a16="http://schemas.microsoft.com/office/drawing/2014/main" id="{F0CE6677-27F2-0EB6-5E6E-91752797374D}"/>
-              </a:ext>
-            </a:extLst>
-          </p:cNvPr>
-          <p:cNvPicPr>
-            <a:picLocks noChangeAspect="1"/>
-          </p:cNvPicPr>
-          <p:nvPr/>
-        </p:nvPicPr>
-        <p:blipFill>
-          <a:blip r:embed="rId7"/>
-          <a:stretch>
-            <a:fillRect/>
-          </a:stretch>
-        </p:blipFill>
-        <p:spPr>
-          <a:xfrm>
-            <a:off x="6771612" y="1833648"/>
-            <a:ext cx="1092518" cy="2290763"/>
-          </a:xfrm>
-          <a:prstGeom prst="rect">
-            <a:avLst/>
-          </a:prstGeom>
-        </p:spPr>
-      </p:pic>
-      <p:pic>
-        <p:nvPicPr>
-          <p:cNvPr id="17" name="Picture 16">
-            <a:extLst>
-              <a:ext uri="{FF2B5EF4-FFF2-40B4-BE49-F238E27FC236}">
-                <a16:creationId xmlns:a16="http://schemas.microsoft.com/office/drawing/2014/main" id="{BF8F334C-874B-724C-1C9B-27F55196ED81}"/>
-              </a:ext>
-            </a:extLst>
-          </p:cNvPr>
-          <p:cNvPicPr>
-            <a:picLocks noChangeAspect="1"/>
-          </p:cNvPicPr>
-          <p:nvPr/>
-        </p:nvPicPr>
-        <p:blipFill>
-          <a:blip r:embed="rId8"/>
-          <a:stretch>
-            <a:fillRect/>
-          </a:stretch>
-        </p:blipFill>
-        <p:spPr>
-          <a:xfrm>
-            <a:off x="7978568" y="1833647"/>
-            <a:ext cx="1068025" cy="2290763"/>
-          </a:xfrm>
-          <a:prstGeom prst="rect">
-            <a:avLst/>
-          </a:prstGeom>
-        </p:spPr>
-      </p:pic>
-      <p:pic>
-        <p:nvPicPr>
-          <p:cNvPr id="19" name="Picture 18">
-            <a:extLst>
-              <a:ext uri="{FF2B5EF4-FFF2-40B4-BE49-F238E27FC236}">
-                <a16:creationId xmlns:a16="http://schemas.microsoft.com/office/drawing/2014/main" id="{8DBE011B-8CF2-6FDA-05BD-F96DDA79F1AF}"/>
-              </a:ext>
-            </a:extLst>
-          </p:cNvPr>
-          <p:cNvPicPr>
-            <a:picLocks noChangeAspect="1"/>
-          </p:cNvPicPr>
-          <p:nvPr/>
-        </p:nvPicPr>
-        <p:blipFill>
-          <a:blip r:embed="rId9"/>
-          <a:stretch>
-            <a:fillRect/>
-          </a:stretch>
-        </p:blipFill>
-        <p:spPr>
-          <a:xfrm>
-            <a:off x="9186266" y="1833647"/>
-            <a:ext cx="1053052" cy="2290762"/>
-          </a:xfrm>
-          <a:prstGeom prst="rect">
-            <a:avLst/>
-          </a:prstGeom>
-        </p:spPr>
-      </p:pic>
-      <p:pic>
-        <p:nvPicPr>
-          <p:cNvPr id="23" name="Content Placeholder 3">
-            <a:extLst>
-              <a:ext uri="{FF2B5EF4-FFF2-40B4-BE49-F238E27FC236}">
-                <a16:creationId xmlns:a16="http://schemas.microsoft.com/office/drawing/2014/main" id="{714FA24B-A174-46B7-3D99-731AE5432860}"/>
-              </a:ext>
-            </a:extLst>
-          </p:cNvPr>
-          <p:cNvPicPr>
-            <a:picLocks noChangeAspect="1"/>
-          </p:cNvPicPr>
-          <p:nvPr/>
-        </p:nvPicPr>
-        <p:blipFill>
-          <a:blip r:embed="rId10"/>
-          <a:stretch>
-            <a:fillRect/>
-          </a:stretch>
-        </p:blipFill>
-        <p:spPr>
-          <a:xfrm>
-            <a:off x="10378992" y="1833648"/>
-            <a:ext cx="1092518" cy="2311486"/>
-          </a:xfrm>
-          <a:prstGeom prst="rect">
-            <a:avLst/>
-          </a:prstGeom>
-        </p:spPr>
-      </p:pic>
-    </p:spTree>
-    <p:extLst>
-      <p:ext uri="{BB962C8B-B14F-4D97-AF65-F5344CB8AC3E}">
-        <p14:creationId xmlns:p14="http://schemas.microsoft.com/office/powerpoint/2010/main" val="2234195275"/>
-      </p:ext>
-    </p:extLst>
-  </p:cSld>
-  <p:clrMapOvr>
-    <a:masterClrMapping/>
-  </p:clrMapOvr>
-</p:sld>
-</file>
-
-<file path=ppt/slides/slide4.xml><?xml version="1.0" encoding="utf-8"?>
 <p:sld xmlns:a="http://schemas.openxmlformats.org/drawingml/2006/main" xmlns:r="http://schemas.openxmlformats.org/officeDocument/2006/relationships" xmlns:p="http://schemas.openxmlformats.org/presentationml/2006/main">
   <p:cSld>
     <p:bg>
@@ -5577,41 +8345,11 @@
           <a:p>
             <a:r>
               <a:rPr lang="en-IN" dirty="0"/>
-              <a:t>Home Screen</a:t>
+              <a:t>Order Screen</a:t>
             </a:r>
           </a:p>
         </p:txBody>
       </p:sp>
-      <p:pic>
-        <p:nvPicPr>
-          <p:cNvPr id="9" name="Content Placeholder 4">
-            <a:extLst>
-              <a:ext uri="{FF2B5EF4-FFF2-40B4-BE49-F238E27FC236}">
-                <a16:creationId xmlns:a16="http://schemas.microsoft.com/office/drawing/2014/main" id="{486D399E-DB4B-3784-58B0-B3BE7CAF9EA5}"/>
-              </a:ext>
-            </a:extLst>
-          </p:cNvPr>
-          <p:cNvPicPr>
-            <a:picLocks noChangeAspect="1"/>
-          </p:cNvPicPr>
-          <p:nvPr/>
-        </p:nvPicPr>
-        <p:blipFill>
-          <a:blip r:embed="rId2"/>
-          <a:stretch>
-            <a:fillRect/>
-          </a:stretch>
-        </p:blipFill>
-        <p:spPr>
-          <a:xfrm>
-            <a:off x="897655" y="642988"/>
-            <a:ext cx="2590766" cy="5571543"/>
-          </a:xfrm>
-          <a:prstGeom prst="rect">
-            <a:avLst/>
-          </a:prstGeom>
-        </p:spPr>
-      </p:pic>
       <p:sp>
         <p:nvSpPr>
           <p:cNvPr id="14" name="Content Placeholder 13">
@@ -5642,27 +8380,1843 @@
           <a:p>
             <a:r>
               <a:rPr lang="en-US" sz="2000" dirty="0"/>
-              <a:t>This is the first screen of our application.</a:t>
-            </a:r>
-          </a:p>
-          <a:p>
-            <a:r>
-              <a:rPr lang="en-US" sz="2000" dirty="0"/>
-              <a:t>It will open up as app loads up. It consists of the most trending products and promotions.</a:t>
+              <a:t>Order screen is to track the package and to show history of purchases.</a:t>
             </a:r>
           </a:p>
         </p:txBody>
       </p:sp>
+      <p:pic>
+        <p:nvPicPr>
+          <p:cNvPr id="3" name="Picture 2">
+            <a:extLst>
+              <a:ext uri="{FF2B5EF4-FFF2-40B4-BE49-F238E27FC236}">
+                <a16:creationId xmlns:a16="http://schemas.microsoft.com/office/drawing/2014/main" id="{B65F09B7-97D7-0F54-223B-4B7898D10CEE}"/>
+              </a:ext>
+            </a:extLst>
+          </p:cNvPr>
+          <p:cNvPicPr>
+            <a:picLocks noChangeAspect="1"/>
+          </p:cNvPicPr>
+          <p:nvPr/>
+        </p:nvPicPr>
+        <p:blipFill>
+          <a:blip r:embed="rId2"/>
+          <a:stretch>
+            <a:fillRect/>
+          </a:stretch>
+        </p:blipFill>
+        <p:spPr>
+          <a:xfrm>
+            <a:off x="948424" y="1027905"/>
+            <a:ext cx="2461525" cy="5354691"/>
+          </a:xfrm>
+          <a:prstGeom prst="rect">
+            <a:avLst/>
+          </a:prstGeom>
+        </p:spPr>
+      </p:pic>
     </p:spTree>
     <p:extLst>
       <p:ext uri="{BB962C8B-B14F-4D97-AF65-F5344CB8AC3E}">
-        <p14:creationId xmlns:p14="http://schemas.microsoft.com/office/powerpoint/2010/main" val="2560501825"/>
+        <p14:creationId xmlns:p14="http://schemas.microsoft.com/office/powerpoint/2010/main" val="1977293054"/>
       </p:ext>
     </p:extLst>
   </p:cSld>
   <p:clrMapOvr>
     <a:overrideClrMapping bg1="dk1" tx1="lt1" bg2="dk2" tx2="lt2" accent1="accent1" accent2="accent2" accent3="accent3" accent4="accent4" accent5="accent5" accent6="accent6" hlink="hlink" folHlink="folHlink"/>
   </p:clrMapOvr>
+  <p:transition spd="slow">
+    <p:push dir="u"/>
+  </p:transition>
+</p:sld>
+</file>
+
+<file path=ppt/slides/slide14.xml><?xml version="1.0" encoding="utf-8"?>
+<p:sld xmlns:a="http://schemas.openxmlformats.org/drawingml/2006/main" xmlns:r="http://schemas.openxmlformats.org/officeDocument/2006/relationships" xmlns:p="http://schemas.openxmlformats.org/presentationml/2006/main">
+  <p:cSld>
+    <p:spTree>
+      <p:nvGrpSpPr>
+        <p:cNvPr id="1" name=""/>
+        <p:cNvGrpSpPr/>
+        <p:nvPr/>
+      </p:nvGrpSpPr>
+      <p:grpSpPr>
+        <a:xfrm>
+          <a:off x="0" y="0"/>
+          <a:ext cx="0" cy="0"/>
+          <a:chOff x="0" y="0"/>
+          <a:chExt cx="0" cy="0"/>
+        </a:xfrm>
+      </p:grpSpPr>
+      <p:sp>
+        <p:nvSpPr>
+          <p:cNvPr id="2" name="Title 1">
+            <a:extLst>
+              <a:ext uri="{FF2B5EF4-FFF2-40B4-BE49-F238E27FC236}">
+                <a16:creationId xmlns:a16="http://schemas.microsoft.com/office/drawing/2014/main" id="{E7768682-47F1-7B92-9829-73C80CF36268}"/>
+              </a:ext>
+            </a:extLst>
+          </p:cNvPr>
+          <p:cNvSpPr>
+            <a:spLocks noGrp="1"/>
+          </p:cNvSpPr>
+          <p:nvPr>
+            <p:ph type="title"/>
+          </p:nvPr>
+        </p:nvSpPr>
+        <p:spPr/>
+        <p:txBody>
+          <a:bodyPr/>
+          <a:lstStyle/>
+          <a:p>
+            <a:r>
+              <a:rPr lang="en-IN" dirty="0"/>
+              <a:t>Other Information</a:t>
+            </a:r>
+          </a:p>
+        </p:txBody>
+      </p:sp>
+      <p:sp>
+        <p:nvSpPr>
+          <p:cNvPr id="3" name="Content Placeholder 2">
+            <a:extLst>
+              <a:ext uri="{FF2B5EF4-FFF2-40B4-BE49-F238E27FC236}">
+                <a16:creationId xmlns:a16="http://schemas.microsoft.com/office/drawing/2014/main" id="{241E6E68-6670-9FA2-1658-CC5407B44293}"/>
+              </a:ext>
+            </a:extLst>
+          </p:cNvPr>
+          <p:cNvSpPr>
+            <a:spLocks noGrp="1"/>
+          </p:cNvSpPr>
+          <p:nvPr>
+            <p:ph idx="1"/>
+          </p:nvPr>
+        </p:nvSpPr>
+        <p:spPr/>
+        <p:txBody>
+          <a:bodyPr/>
+          <a:lstStyle/>
+          <a:p>
+            <a:r>
+              <a:rPr lang="en-IN" dirty="0"/>
+              <a:t>Number of screen flow: 9 screens.</a:t>
+            </a:r>
+          </a:p>
+          <a:p>
+            <a:r>
+              <a:rPr lang="en-IN" dirty="0"/>
+              <a:t>Chosen Database: Firebase</a:t>
+            </a:r>
+          </a:p>
+          <a:p>
+            <a:r>
+              <a:rPr lang="en-IN" dirty="0"/>
+              <a:t>GitHub link: </a:t>
+            </a:r>
+            <a:r>
+              <a:rPr lang="en-IN" dirty="0">
+                <a:hlinkClick r:id="rId2"/>
+              </a:rPr>
+              <a:t>https://github.com/adinashby-vanier-college/app-dev-2-project-AliasgarGandhi1</a:t>
+            </a:r>
+            <a:endParaRPr lang="en-IN" dirty="0"/>
+          </a:p>
+        </p:txBody>
+      </p:sp>
+    </p:spTree>
+    <p:extLst>
+      <p:ext uri="{BB962C8B-B14F-4D97-AF65-F5344CB8AC3E}">
+        <p14:creationId xmlns:p14="http://schemas.microsoft.com/office/powerpoint/2010/main" val="3637631196"/>
+      </p:ext>
+    </p:extLst>
+  </p:cSld>
+  <p:clrMapOvr>
+    <a:masterClrMapping/>
+  </p:clrMapOvr>
+  <p:transition spd="slow">
+    <p:push dir="u"/>
+  </p:transition>
+</p:sld>
+</file>
+
+<file path=ppt/slides/slide2.xml><?xml version="1.0" encoding="utf-8"?>
+<p:sld xmlns:a="http://schemas.openxmlformats.org/drawingml/2006/main" xmlns:r="http://schemas.openxmlformats.org/officeDocument/2006/relationships" xmlns:p="http://schemas.openxmlformats.org/presentationml/2006/main">
+  <p:cSld>
+    <p:bg>
+      <p:bgPr>
+        <a:solidFill>
+          <a:schemeClr val="bg1"/>
+        </a:solidFill>
+        <a:effectLst/>
+      </p:bgPr>
+    </p:bg>
+    <p:spTree>
+      <p:nvGrpSpPr>
+        <p:cNvPr id="1" name=""/>
+        <p:cNvGrpSpPr/>
+        <p:nvPr/>
+      </p:nvGrpSpPr>
+      <p:grpSpPr>
+        <a:xfrm>
+          <a:off x="0" y="0"/>
+          <a:ext cx="0" cy="0"/>
+          <a:chOff x="0" y="0"/>
+          <a:chExt cx="0" cy="0"/>
+        </a:xfrm>
+      </p:grpSpPr>
+      <p:sp useBgFill="1">
+        <p:nvSpPr>
+          <p:cNvPr id="19" name="Rectangle 10">
+            <a:extLst>
+              <a:ext uri="{FF2B5EF4-FFF2-40B4-BE49-F238E27FC236}">
+                <a16:creationId xmlns:a16="http://schemas.microsoft.com/office/drawing/2014/main" id="{2E442304-DDBD-4F7B-8017-36BCC863FB40}"/>
+              </a:ext>
+              <a:ext uri="{C183D7F6-B498-43B3-948B-1728B52AA6E4}">
+                <adec:decorative xmlns:adec="http://schemas.microsoft.com/office/drawing/2017/decorative" val="1"/>
+              </a:ext>
+            </a:extLst>
+          </p:cNvPr>
+          <p:cNvSpPr>
+            <a:spLocks noGrp="1" noRot="1" noChangeAspect="1" noMove="1" noResize="1" noEditPoints="1" noAdjustHandles="1" noChangeArrowheads="1" noChangeShapeType="1" noTextEdit="1"/>
+          </p:cNvSpPr>
+          <p:nvPr>
+            <p:extLst>
+              <p:ext uri="{386F3935-93C4-4BCD-93E2-E3B085C9AB24}">
+                <p16:designElem xmlns:p16="http://schemas.microsoft.com/office/powerpoint/2015/main" val="1"/>
+              </p:ext>
+            </p:extLst>
+          </p:nvPr>
+        </p:nvSpPr>
+        <p:spPr>
+          <a:xfrm>
+            <a:off x="0" y="0"/>
+            <a:ext cx="12188952" cy="6858000"/>
+          </a:xfrm>
+          <a:prstGeom prst="rect">
+            <a:avLst/>
+          </a:prstGeom>
+          <a:ln>
+            <a:noFill/>
+          </a:ln>
+        </p:spPr>
+        <p:style>
+          <a:lnRef idx="2">
+            <a:schemeClr val="accent1">
+              <a:shade val="50000"/>
+            </a:schemeClr>
+          </a:lnRef>
+          <a:fillRef idx="1">
+            <a:schemeClr val="accent1"/>
+          </a:fillRef>
+          <a:effectRef idx="0">
+            <a:schemeClr val="accent1"/>
+          </a:effectRef>
+          <a:fontRef idx="minor">
+            <a:schemeClr val="lt1"/>
+          </a:fontRef>
+        </p:style>
+        <p:txBody>
+          <a:bodyPr rtlCol="0" anchor="ctr"/>
+          <a:lstStyle/>
+          <a:p>
+            <a:pPr algn="ctr"/>
+            <a:endParaRPr lang="en-US"/>
+          </a:p>
+        </p:txBody>
+      </p:sp>
+      <p:sp>
+        <p:nvSpPr>
+          <p:cNvPr id="4" name="TextBox 3">
+            <a:extLst>
+              <a:ext uri="{FF2B5EF4-FFF2-40B4-BE49-F238E27FC236}">
+                <a16:creationId xmlns:a16="http://schemas.microsoft.com/office/drawing/2014/main" id="{90D838C8-4F05-A42C-64A8-7EF07F7F5475}"/>
+              </a:ext>
+            </a:extLst>
+          </p:cNvPr>
+          <p:cNvSpPr txBox="1"/>
+          <p:nvPr/>
+        </p:nvSpPr>
+        <p:spPr>
+          <a:xfrm>
+            <a:off x="635000" y="640823"/>
+            <a:ext cx="3418659" cy="5583148"/>
+          </a:xfrm>
+          <a:prstGeom prst="rect">
+            <a:avLst/>
+          </a:prstGeom>
+        </p:spPr>
+        <p:txBody>
+          <a:bodyPr vert="horz" lIns="91440" tIns="45720" rIns="91440" bIns="45720" rtlCol="0" anchor="ctr">
+            <a:normAutofit/>
+          </a:bodyPr>
+          <a:lstStyle/>
+          <a:p>
+            <a:pPr>
+              <a:lnSpc>
+                <a:spcPct val="90000"/>
+              </a:lnSpc>
+              <a:spcBef>
+                <a:spcPct val="0"/>
+              </a:spcBef>
+              <a:spcAft>
+                <a:spcPts val="600"/>
+              </a:spcAft>
+            </a:pPr>
+            <a:r>
+              <a:rPr lang="en-US" sz="5400" b="1" u="sng" kern="1200">
+                <a:solidFill>
+                  <a:schemeClr val="tx1"/>
+                </a:solidFill>
+                <a:latin typeface="+mj-lt"/>
+                <a:ea typeface="+mj-ea"/>
+                <a:cs typeface="+mj-cs"/>
+              </a:rPr>
+              <a:t>Team Members</a:t>
+            </a:r>
+          </a:p>
+        </p:txBody>
+      </p:sp>
+      <p:sp>
+        <p:nvSpPr>
+          <p:cNvPr id="13" name="sketch line">
+            <a:extLst>
+              <a:ext uri="{FF2B5EF4-FFF2-40B4-BE49-F238E27FC236}">
+                <a16:creationId xmlns:a16="http://schemas.microsoft.com/office/drawing/2014/main" id="{5E107275-3853-46FD-A241-DE4355A42675}"/>
+              </a:ext>
+              <a:ext uri="{C183D7F6-B498-43B3-948B-1728B52AA6E4}">
+                <adec:decorative xmlns:adec="http://schemas.microsoft.com/office/drawing/2017/decorative" val="1"/>
+              </a:ext>
+            </a:extLst>
+          </p:cNvPr>
+          <p:cNvSpPr>
+            <a:spLocks noGrp="1" noRot="1" noChangeAspect="1" noMove="1" noResize="1" noEditPoints="1" noAdjustHandles="1" noChangeArrowheads="1" noChangeShapeType="1" noTextEdit="1"/>
+          </p:cNvSpPr>
+          <p:nvPr>
+            <p:extLst>
+              <p:ext uri="{386F3935-93C4-4BCD-93E2-E3B085C9AB24}">
+                <p16:designElem xmlns:p16="http://schemas.microsoft.com/office/powerpoint/2015/main" val="1"/>
+              </p:ext>
+            </p:extLst>
+          </p:nvPr>
+        </p:nvSpPr>
+        <p:spPr>
+          <a:xfrm rot="5400000">
+            <a:off x="1627450" y="3462719"/>
+            <a:ext cx="5410200" cy="18288"/>
+          </a:xfrm>
+          <a:custGeom>
+            <a:avLst/>
+            <a:gdLst>
+              <a:gd name="connsiteX0" fmla="*/ 0 w 5410200"/>
+              <a:gd name="connsiteY0" fmla="*/ 0 h 18288"/>
+              <a:gd name="connsiteX1" fmla="*/ 568071 w 5410200"/>
+              <a:gd name="connsiteY1" fmla="*/ 0 h 18288"/>
+              <a:gd name="connsiteX2" fmla="*/ 1298448 w 5410200"/>
+              <a:gd name="connsiteY2" fmla="*/ 0 h 18288"/>
+              <a:gd name="connsiteX3" fmla="*/ 1920621 w 5410200"/>
+              <a:gd name="connsiteY3" fmla="*/ 0 h 18288"/>
+              <a:gd name="connsiteX4" fmla="*/ 2488692 w 5410200"/>
+              <a:gd name="connsiteY4" fmla="*/ 0 h 18288"/>
+              <a:gd name="connsiteX5" fmla="*/ 3219069 w 5410200"/>
+              <a:gd name="connsiteY5" fmla="*/ 0 h 18288"/>
+              <a:gd name="connsiteX6" fmla="*/ 3895344 w 5410200"/>
+              <a:gd name="connsiteY6" fmla="*/ 0 h 18288"/>
+              <a:gd name="connsiteX7" fmla="*/ 4571619 w 5410200"/>
+              <a:gd name="connsiteY7" fmla="*/ 0 h 18288"/>
+              <a:gd name="connsiteX8" fmla="*/ 5410200 w 5410200"/>
+              <a:gd name="connsiteY8" fmla="*/ 0 h 18288"/>
+              <a:gd name="connsiteX9" fmla="*/ 5410200 w 5410200"/>
+              <a:gd name="connsiteY9" fmla="*/ 18288 h 18288"/>
+              <a:gd name="connsiteX10" fmla="*/ 4842129 w 5410200"/>
+              <a:gd name="connsiteY10" fmla="*/ 18288 h 18288"/>
+              <a:gd name="connsiteX11" fmla="*/ 4328160 w 5410200"/>
+              <a:gd name="connsiteY11" fmla="*/ 18288 h 18288"/>
+              <a:gd name="connsiteX12" fmla="*/ 3597783 w 5410200"/>
+              <a:gd name="connsiteY12" fmla="*/ 18288 h 18288"/>
+              <a:gd name="connsiteX13" fmla="*/ 3029712 w 5410200"/>
+              <a:gd name="connsiteY13" fmla="*/ 18288 h 18288"/>
+              <a:gd name="connsiteX14" fmla="*/ 2299335 w 5410200"/>
+              <a:gd name="connsiteY14" fmla="*/ 18288 h 18288"/>
+              <a:gd name="connsiteX15" fmla="*/ 1514856 w 5410200"/>
+              <a:gd name="connsiteY15" fmla="*/ 18288 h 18288"/>
+              <a:gd name="connsiteX16" fmla="*/ 892683 w 5410200"/>
+              <a:gd name="connsiteY16" fmla="*/ 18288 h 18288"/>
+              <a:gd name="connsiteX17" fmla="*/ 0 w 5410200"/>
+              <a:gd name="connsiteY17" fmla="*/ 18288 h 18288"/>
+              <a:gd name="connsiteX18" fmla="*/ 0 w 5410200"/>
+              <a:gd name="connsiteY18" fmla="*/ 0 h 18288"/>
+            </a:gdLst>
+            <a:ahLst/>
+            <a:cxnLst>
+              <a:cxn ang="0">
+                <a:pos x="connsiteX0" y="connsiteY0"/>
+              </a:cxn>
+              <a:cxn ang="0">
+                <a:pos x="connsiteX1" y="connsiteY1"/>
+              </a:cxn>
+              <a:cxn ang="0">
+                <a:pos x="connsiteX2" y="connsiteY2"/>
+              </a:cxn>
+              <a:cxn ang="0">
+                <a:pos x="connsiteX3" y="connsiteY3"/>
+              </a:cxn>
+              <a:cxn ang="0">
+                <a:pos x="connsiteX4" y="connsiteY4"/>
+              </a:cxn>
+              <a:cxn ang="0">
+                <a:pos x="connsiteX5" y="connsiteY5"/>
+              </a:cxn>
+              <a:cxn ang="0">
+                <a:pos x="connsiteX6" y="connsiteY6"/>
+              </a:cxn>
+              <a:cxn ang="0">
+                <a:pos x="connsiteX7" y="connsiteY7"/>
+              </a:cxn>
+              <a:cxn ang="0">
+                <a:pos x="connsiteX8" y="connsiteY8"/>
+              </a:cxn>
+              <a:cxn ang="0">
+                <a:pos x="connsiteX9" y="connsiteY9"/>
+              </a:cxn>
+              <a:cxn ang="0">
+                <a:pos x="connsiteX10" y="connsiteY10"/>
+              </a:cxn>
+              <a:cxn ang="0">
+                <a:pos x="connsiteX11" y="connsiteY11"/>
+              </a:cxn>
+              <a:cxn ang="0">
+                <a:pos x="connsiteX12" y="connsiteY12"/>
+              </a:cxn>
+              <a:cxn ang="0">
+                <a:pos x="connsiteX13" y="connsiteY13"/>
+              </a:cxn>
+              <a:cxn ang="0">
+                <a:pos x="connsiteX14" y="connsiteY14"/>
+              </a:cxn>
+              <a:cxn ang="0">
+                <a:pos x="connsiteX15" y="connsiteY15"/>
+              </a:cxn>
+              <a:cxn ang="0">
+                <a:pos x="connsiteX16" y="connsiteY16"/>
+              </a:cxn>
+              <a:cxn ang="0">
+                <a:pos x="connsiteX17" y="connsiteY17"/>
+              </a:cxn>
+              <a:cxn ang="0">
+                <a:pos x="connsiteX18" y="connsiteY18"/>
+              </a:cxn>
+            </a:cxnLst>
+            <a:rect l="l" t="t" r="r" b="b"/>
+            <a:pathLst>
+              <a:path w="5410200" h="18288" fill="none" extrusionOk="0">
+                <a:moveTo>
+                  <a:pt x="0" y="0"/>
+                </a:moveTo>
+                <a:cubicBezTo>
+                  <a:pt x="163050" y="-18707"/>
+                  <a:pt x="319321" y="-16364"/>
+                  <a:pt x="568071" y="0"/>
+                </a:cubicBezTo>
+                <a:cubicBezTo>
+                  <a:pt x="816821" y="16364"/>
+                  <a:pt x="1013224" y="-7268"/>
+                  <a:pt x="1298448" y="0"/>
+                </a:cubicBezTo>
+                <a:cubicBezTo>
+                  <a:pt x="1583672" y="7268"/>
+                  <a:pt x="1631711" y="-3367"/>
+                  <a:pt x="1920621" y="0"/>
+                </a:cubicBezTo>
+                <a:cubicBezTo>
+                  <a:pt x="2209531" y="3367"/>
+                  <a:pt x="2364420" y="-19184"/>
+                  <a:pt x="2488692" y="0"/>
+                </a:cubicBezTo>
+                <a:cubicBezTo>
+                  <a:pt x="2612964" y="19184"/>
+                  <a:pt x="3023298" y="-34627"/>
+                  <a:pt x="3219069" y="0"/>
+                </a:cubicBezTo>
+                <a:cubicBezTo>
+                  <a:pt x="3414840" y="34627"/>
+                  <a:pt x="3656810" y="24043"/>
+                  <a:pt x="3895344" y="0"/>
+                </a:cubicBezTo>
+                <a:cubicBezTo>
+                  <a:pt x="4133879" y="-24043"/>
+                  <a:pt x="4393984" y="-19577"/>
+                  <a:pt x="4571619" y="0"/>
+                </a:cubicBezTo>
+                <a:cubicBezTo>
+                  <a:pt x="4749255" y="19577"/>
+                  <a:pt x="5179928" y="-6281"/>
+                  <a:pt x="5410200" y="0"/>
+                </a:cubicBezTo>
+                <a:cubicBezTo>
+                  <a:pt x="5410730" y="6954"/>
+                  <a:pt x="5410934" y="12839"/>
+                  <a:pt x="5410200" y="18288"/>
+                </a:cubicBezTo>
+                <a:cubicBezTo>
+                  <a:pt x="5139060" y="6751"/>
+                  <a:pt x="5121593" y="31035"/>
+                  <a:pt x="4842129" y="18288"/>
+                </a:cubicBezTo>
+                <a:cubicBezTo>
+                  <a:pt x="4562665" y="5541"/>
+                  <a:pt x="4448273" y="9487"/>
+                  <a:pt x="4328160" y="18288"/>
+                </a:cubicBezTo>
+                <a:cubicBezTo>
+                  <a:pt x="4208047" y="27089"/>
+                  <a:pt x="3760936" y="22567"/>
+                  <a:pt x="3597783" y="18288"/>
+                </a:cubicBezTo>
+                <a:cubicBezTo>
+                  <a:pt x="3434630" y="14009"/>
+                  <a:pt x="3299718" y="33213"/>
+                  <a:pt x="3029712" y="18288"/>
+                </a:cubicBezTo>
+                <a:cubicBezTo>
+                  <a:pt x="2759706" y="3363"/>
+                  <a:pt x="2640159" y="27394"/>
+                  <a:pt x="2299335" y="18288"/>
+                </a:cubicBezTo>
+                <a:cubicBezTo>
+                  <a:pt x="1958511" y="9182"/>
+                  <a:pt x="1801186" y="28985"/>
+                  <a:pt x="1514856" y="18288"/>
+                </a:cubicBezTo>
+                <a:cubicBezTo>
+                  <a:pt x="1228526" y="7591"/>
+                  <a:pt x="1063509" y="-5305"/>
+                  <a:pt x="892683" y="18288"/>
+                </a:cubicBezTo>
+                <a:cubicBezTo>
+                  <a:pt x="721857" y="41881"/>
+                  <a:pt x="186945" y="-20897"/>
+                  <a:pt x="0" y="18288"/>
+                </a:cubicBezTo>
+                <a:cubicBezTo>
+                  <a:pt x="-570" y="9279"/>
+                  <a:pt x="132" y="5100"/>
+                  <a:pt x="0" y="0"/>
+                </a:cubicBezTo>
+                <a:close/>
+              </a:path>
+              <a:path w="5410200" h="18288" stroke="0" extrusionOk="0">
+                <a:moveTo>
+                  <a:pt x="0" y="0"/>
+                </a:moveTo>
+                <a:cubicBezTo>
+                  <a:pt x="285096" y="-4925"/>
+                  <a:pt x="376456" y="22268"/>
+                  <a:pt x="622173" y="0"/>
+                </a:cubicBezTo>
+                <a:cubicBezTo>
+                  <a:pt x="867890" y="-22268"/>
+                  <a:pt x="1031392" y="7228"/>
+                  <a:pt x="1136142" y="0"/>
+                </a:cubicBezTo>
+                <a:cubicBezTo>
+                  <a:pt x="1240892" y="-7228"/>
+                  <a:pt x="1561853" y="9877"/>
+                  <a:pt x="1920621" y="0"/>
+                </a:cubicBezTo>
+                <a:cubicBezTo>
+                  <a:pt x="2279389" y="-9877"/>
+                  <a:pt x="2367255" y="19546"/>
+                  <a:pt x="2542794" y="0"/>
+                </a:cubicBezTo>
+                <a:cubicBezTo>
+                  <a:pt x="2718333" y="-19546"/>
+                  <a:pt x="2866732" y="-22226"/>
+                  <a:pt x="3164967" y="0"/>
+                </a:cubicBezTo>
+                <a:cubicBezTo>
+                  <a:pt x="3463202" y="22226"/>
+                  <a:pt x="3568055" y="-2765"/>
+                  <a:pt x="3949446" y="0"/>
+                </a:cubicBezTo>
+                <a:cubicBezTo>
+                  <a:pt x="4330837" y="2765"/>
+                  <a:pt x="4287895" y="10557"/>
+                  <a:pt x="4517517" y="0"/>
+                </a:cubicBezTo>
+                <a:cubicBezTo>
+                  <a:pt x="4747139" y="-10557"/>
+                  <a:pt x="5149588" y="8716"/>
+                  <a:pt x="5410200" y="0"/>
+                </a:cubicBezTo>
+                <a:cubicBezTo>
+                  <a:pt x="5409517" y="5414"/>
+                  <a:pt x="5409480" y="12510"/>
+                  <a:pt x="5410200" y="18288"/>
+                </a:cubicBezTo>
+                <a:cubicBezTo>
+                  <a:pt x="5163327" y="41494"/>
+                  <a:pt x="5008749" y="10693"/>
+                  <a:pt x="4842129" y="18288"/>
+                </a:cubicBezTo>
+                <a:cubicBezTo>
+                  <a:pt x="4675509" y="25883"/>
+                  <a:pt x="4433401" y="-615"/>
+                  <a:pt x="4165854" y="18288"/>
+                </a:cubicBezTo>
+                <a:cubicBezTo>
+                  <a:pt x="3898308" y="37191"/>
+                  <a:pt x="3809032" y="-8710"/>
+                  <a:pt x="3543681" y="18288"/>
+                </a:cubicBezTo>
+                <a:cubicBezTo>
+                  <a:pt x="3278330" y="45286"/>
+                  <a:pt x="3073876" y="-15917"/>
+                  <a:pt x="2759202" y="18288"/>
+                </a:cubicBezTo>
+                <a:cubicBezTo>
+                  <a:pt x="2444528" y="52493"/>
+                  <a:pt x="2204144" y="3372"/>
+                  <a:pt x="1974723" y="18288"/>
+                </a:cubicBezTo>
+                <a:cubicBezTo>
+                  <a:pt x="1745302" y="33204"/>
+                  <a:pt x="1602335" y="31490"/>
+                  <a:pt x="1406652" y="18288"/>
+                </a:cubicBezTo>
+                <a:cubicBezTo>
+                  <a:pt x="1210969" y="5086"/>
+                  <a:pt x="923948" y="3161"/>
+                  <a:pt x="730377" y="18288"/>
+                </a:cubicBezTo>
+                <a:cubicBezTo>
+                  <a:pt x="536806" y="33415"/>
+                  <a:pt x="336496" y="-141"/>
+                  <a:pt x="0" y="18288"/>
+                </a:cubicBezTo>
+                <a:cubicBezTo>
+                  <a:pt x="-306" y="11061"/>
+                  <a:pt x="-655" y="7751"/>
+                  <a:pt x="0" y="0"/>
+                </a:cubicBezTo>
+                <a:close/>
+              </a:path>
+            </a:pathLst>
+          </a:custGeom>
+          <a:solidFill>
+            <a:schemeClr val="accent2"/>
+          </a:solidFill>
+          <a:ln w="41275" cap="rnd">
+            <a:solidFill>
+              <a:schemeClr val="accent2"/>
+            </a:solidFill>
+            <a:round/>
+            <a:extLst>
+              <a:ext uri="{C807C97D-BFC1-408E-A445-0C87EB9F89A2}">
+                <ask:lineSketchStyleProps xmlns:ask="http://schemas.microsoft.com/office/drawing/2018/sketchyshapes" sd="1219033472">
+                  <a:prstGeom prst="rect">
+                    <a:avLst/>
+                  </a:prstGeom>
+                  <ask:type>
+                    <ask:lineSketchFreehand/>
+                  </ask:type>
+                </ask:lineSketchStyleProps>
+              </a:ext>
+            </a:extLst>
+          </a:ln>
+        </p:spPr>
+        <p:style>
+          <a:lnRef idx="2">
+            <a:schemeClr val="accent1">
+              <a:shade val="50000"/>
+            </a:schemeClr>
+          </a:lnRef>
+          <a:fillRef idx="1">
+            <a:schemeClr val="accent1"/>
+          </a:fillRef>
+          <a:effectRef idx="0">
+            <a:schemeClr val="accent1"/>
+          </a:effectRef>
+          <a:fontRef idx="minor">
+            <a:schemeClr val="lt1"/>
+          </a:fontRef>
+        </p:style>
+        <p:txBody>
+          <a:bodyPr rtlCol="0" anchor="ctr"/>
+          <a:lstStyle/>
+          <a:p>
+            <a:pPr algn="ctr"/>
+            <a:endParaRPr lang="en-US"/>
+          </a:p>
+        </p:txBody>
+      </p:sp>
+      <p:graphicFrame>
+        <p:nvGraphicFramePr>
+          <p:cNvPr id="20" name="TextBox 4">
+            <a:extLst>
+              <a:ext uri="{FF2B5EF4-FFF2-40B4-BE49-F238E27FC236}">
+                <a16:creationId xmlns:a16="http://schemas.microsoft.com/office/drawing/2014/main" id="{0306DC48-347C-EAA8-F032-98004DA88208}"/>
+              </a:ext>
+            </a:extLst>
+          </p:cNvPr>
+          <p:cNvGraphicFramePr/>
+          <p:nvPr>
+            <p:extLst>
+              <p:ext uri="{D42A27DB-BD31-4B8C-83A1-F6EECF244321}">
+                <p14:modId xmlns:p14="http://schemas.microsoft.com/office/powerpoint/2010/main" val="3761071434"/>
+              </p:ext>
+            </p:extLst>
+          </p:nvPr>
+        </p:nvGraphicFramePr>
+        <p:xfrm>
+          <a:off x="4648018" y="640822"/>
+          <a:ext cx="6900512" cy="5536141"/>
+        </p:xfrm>
+        <a:graphic>
+          <a:graphicData uri="http://schemas.openxmlformats.org/drawingml/2006/diagram">
+            <dgm:relIds xmlns:dgm="http://schemas.openxmlformats.org/drawingml/2006/diagram" xmlns:r="http://schemas.openxmlformats.org/officeDocument/2006/relationships" r:dm="rId2" r:lo="rId3" r:qs="rId4" r:cs="rId5"/>
+          </a:graphicData>
+        </a:graphic>
+      </p:graphicFrame>
+    </p:spTree>
+    <p:extLst>
+      <p:ext uri="{BB962C8B-B14F-4D97-AF65-F5344CB8AC3E}">
+        <p14:creationId xmlns:p14="http://schemas.microsoft.com/office/powerpoint/2010/main" val="1835490053"/>
+      </p:ext>
+    </p:extLst>
+  </p:cSld>
+  <p:clrMapOvr>
+    <a:masterClrMapping/>
+  </p:clrMapOvr>
+</p:sld>
+</file>
+
+<file path=ppt/slides/slide3.xml><?xml version="1.0" encoding="utf-8"?>
+<p:sld xmlns:a="http://schemas.openxmlformats.org/drawingml/2006/main" xmlns:r="http://schemas.openxmlformats.org/officeDocument/2006/relationships" xmlns:p="http://schemas.openxmlformats.org/presentationml/2006/main">
+  <p:cSld>
+    <p:bg>
+      <p:bgPr>
+        <a:solidFill>
+          <a:schemeClr val="bg1"/>
+        </a:solidFill>
+        <a:effectLst/>
+      </p:bgPr>
+    </p:bg>
+    <p:spTree>
+      <p:nvGrpSpPr>
+        <p:cNvPr id="1" name=""/>
+        <p:cNvGrpSpPr/>
+        <p:nvPr/>
+      </p:nvGrpSpPr>
+      <p:grpSpPr>
+        <a:xfrm>
+          <a:off x="0" y="0"/>
+          <a:ext cx="0" cy="0"/>
+          <a:chOff x="0" y="0"/>
+          <a:chExt cx="0" cy="0"/>
+        </a:xfrm>
+      </p:grpSpPr>
+      <p:sp useBgFill="1">
+        <p:nvSpPr>
+          <p:cNvPr id="9" name="Rectangle 8">
+            <a:extLst>
+              <a:ext uri="{FF2B5EF4-FFF2-40B4-BE49-F238E27FC236}">
+                <a16:creationId xmlns:a16="http://schemas.microsoft.com/office/drawing/2014/main" id="{F13C74B1-5B17-4795-BED0-7140497B445A}"/>
+              </a:ext>
+              <a:ext uri="{C183D7F6-B498-43B3-948B-1728B52AA6E4}">
+                <adec:decorative xmlns:adec="http://schemas.microsoft.com/office/drawing/2017/decorative" val="1"/>
+              </a:ext>
+            </a:extLst>
+          </p:cNvPr>
+          <p:cNvSpPr>
+            <a:spLocks noGrp="1" noRot="1" noChangeAspect="1" noMove="1" noResize="1" noEditPoints="1" noAdjustHandles="1" noChangeArrowheads="1" noChangeShapeType="1" noTextEdit="1"/>
+          </p:cNvSpPr>
+          <p:nvPr>
+            <p:extLst>
+              <p:ext uri="{386F3935-93C4-4BCD-93E2-E3B085C9AB24}">
+                <p16:designElem xmlns:p16="http://schemas.microsoft.com/office/powerpoint/2015/main" val="1"/>
+              </p:ext>
+            </p:extLst>
+          </p:nvPr>
+        </p:nvSpPr>
+        <p:spPr>
+          <a:xfrm>
+            <a:off x="0" y="0"/>
+            <a:ext cx="12188952" cy="6858000"/>
+          </a:xfrm>
+          <a:prstGeom prst="rect">
+            <a:avLst/>
+          </a:prstGeom>
+          <a:ln>
+            <a:noFill/>
+          </a:ln>
+        </p:spPr>
+        <p:style>
+          <a:lnRef idx="2">
+            <a:schemeClr val="accent1">
+              <a:shade val="50000"/>
+            </a:schemeClr>
+          </a:lnRef>
+          <a:fillRef idx="1">
+            <a:schemeClr val="accent1"/>
+          </a:fillRef>
+          <a:effectRef idx="0">
+            <a:schemeClr val="accent1"/>
+          </a:effectRef>
+          <a:fontRef idx="minor">
+            <a:schemeClr val="lt1"/>
+          </a:fontRef>
+        </p:style>
+        <p:txBody>
+          <a:bodyPr rtlCol="0" anchor="ctr"/>
+          <a:lstStyle/>
+          <a:p>
+            <a:pPr algn="ctr"/>
+            <a:endParaRPr lang="en-US"/>
+          </a:p>
+        </p:txBody>
+      </p:sp>
+      <p:sp>
+        <p:nvSpPr>
+          <p:cNvPr id="2" name="Title 1">
+            <a:extLst>
+              <a:ext uri="{FF2B5EF4-FFF2-40B4-BE49-F238E27FC236}">
+                <a16:creationId xmlns:a16="http://schemas.microsoft.com/office/drawing/2014/main" id="{6655D0E5-AAEE-B3D7-0991-60EAE167695A}"/>
+              </a:ext>
+            </a:extLst>
+          </p:cNvPr>
+          <p:cNvSpPr>
+            <a:spLocks noGrp="1"/>
+          </p:cNvSpPr>
+          <p:nvPr>
+            <p:ph type="title"/>
+          </p:nvPr>
+        </p:nvSpPr>
+        <p:spPr>
+          <a:xfrm>
+            <a:off x="640080" y="325369"/>
+            <a:ext cx="4368602" cy="1956841"/>
+          </a:xfrm>
+        </p:spPr>
+        <p:txBody>
+          <a:bodyPr anchor="b">
+            <a:normAutofit/>
+          </a:bodyPr>
+          <a:lstStyle/>
+          <a:p>
+            <a:r>
+              <a:rPr lang="en-IN" sz="5400" b="1"/>
+              <a:t>Description</a:t>
+            </a:r>
+          </a:p>
+        </p:txBody>
+      </p:sp>
+      <p:sp>
+        <p:nvSpPr>
+          <p:cNvPr id="11" name="sketchy line">
+            <a:extLst>
+              <a:ext uri="{FF2B5EF4-FFF2-40B4-BE49-F238E27FC236}">
+                <a16:creationId xmlns:a16="http://schemas.microsoft.com/office/drawing/2014/main" id="{D4974D33-8DC5-464E-8C6D-BE58F0669C17}"/>
+              </a:ext>
+              <a:ext uri="{C183D7F6-B498-43B3-948B-1728B52AA6E4}">
+                <adec:decorative xmlns:adec="http://schemas.microsoft.com/office/drawing/2017/decorative" val="1"/>
+              </a:ext>
+            </a:extLst>
+          </p:cNvPr>
+          <p:cNvSpPr>
+            <a:spLocks noGrp="1" noRot="1" noChangeAspect="1" noMove="1" noResize="1" noEditPoints="1" noAdjustHandles="1" noChangeArrowheads="1" noChangeShapeType="1" noTextEdit="1"/>
+          </p:cNvSpPr>
+          <p:nvPr>
+            <p:extLst>
+              <p:ext uri="{386F3935-93C4-4BCD-93E2-E3B085C9AB24}">
+                <p16:designElem xmlns:p16="http://schemas.microsoft.com/office/powerpoint/2015/main" val="1"/>
+              </p:ext>
+            </p:extLst>
+          </p:nvPr>
+        </p:nvSpPr>
+        <p:spPr>
+          <a:xfrm>
+            <a:off x="640080" y="2586994"/>
+            <a:ext cx="3474720" cy="18288"/>
+          </a:xfrm>
+          <a:custGeom>
+            <a:avLst/>
+            <a:gdLst>
+              <a:gd name="connsiteX0" fmla="*/ 0 w 3474720"/>
+              <a:gd name="connsiteY0" fmla="*/ 0 h 18288"/>
+              <a:gd name="connsiteX1" fmla="*/ 694944 w 3474720"/>
+              <a:gd name="connsiteY1" fmla="*/ 0 h 18288"/>
+              <a:gd name="connsiteX2" fmla="*/ 1355141 w 3474720"/>
+              <a:gd name="connsiteY2" fmla="*/ 0 h 18288"/>
+              <a:gd name="connsiteX3" fmla="*/ 2015338 w 3474720"/>
+              <a:gd name="connsiteY3" fmla="*/ 0 h 18288"/>
+              <a:gd name="connsiteX4" fmla="*/ 2779776 w 3474720"/>
+              <a:gd name="connsiteY4" fmla="*/ 0 h 18288"/>
+              <a:gd name="connsiteX5" fmla="*/ 3474720 w 3474720"/>
+              <a:gd name="connsiteY5" fmla="*/ 0 h 18288"/>
+              <a:gd name="connsiteX6" fmla="*/ 3474720 w 3474720"/>
+              <a:gd name="connsiteY6" fmla="*/ 18288 h 18288"/>
+              <a:gd name="connsiteX7" fmla="*/ 2779776 w 3474720"/>
+              <a:gd name="connsiteY7" fmla="*/ 18288 h 18288"/>
+              <a:gd name="connsiteX8" fmla="*/ 2189074 w 3474720"/>
+              <a:gd name="connsiteY8" fmla="*/ 18288 h 18288"/>
+              <a:gd name="connsiteX9" fmla="*/ 1528877 w 3474720"/>
+              <a:gd name="connsiteY9" fmla="*/ 18288 h 18288"/>
+              <a:gd name="connsiteX10" fmla="*/ 868680 w 3474720"/>
+              <a:gd name="connsiteY10" fmla="*/ 18288 h 18288"/>
+              <a:gd name="connsiteX11" fmla="*/ 0 w 3474720"/>
+              <a:gd name="connsiteY11" fmla="*/ 18288 h 18288"/>
+              <a:gd name="connsiteX12" fmla="*/ 0 w 3474720"/>
+              <a:gd name="connsiteY12" fmla="*/ 0 h 18288"/>
+            </a:gdLst>
+            <a:ahLst/>
+            <a:cxnLst>
+              <a:cxn ang="0">
+                <a:pos x="connsiteX0" y="connsiteY0"/>
+              </a:cxn>
+              <a:cxn ang="0">
+                <a:pos x="connsiteX1" y="connsiteY1"/>
+              </a:cxn>
+              <a:cxn ang="0">
+                <a:pos x="connsiteX2" y="connsiteY2"/>
+              </a:cxn>
+              <a:cxn ang="0">
+                <a:pos x="connsiteX3" y="connsiteY3"/>
+              </a:cxn>
+              <a:cxn ang="0">
+                <a:pos x="connsiteX4" y="connsiteY4"/>
+              </a:cxn>
+              <a:cxn ang="0">
+                <a:pos x="connsiteX5" y="connsiteY5"/>
+              </a:cxn>
+              <a:cxn ang="0">
+                <a:pos x="connsiteX6" y="connsiteY6"/>
+              </a:cxn>
+              <a:cxn ang="0">
+                <a:pos x="connsiteX7" y="connsiteY7"/>
+              </a:cxn>
+              <a:cxn ang="0">
+                <a:pos x="connsiteX8" y="connsiteY8"/>
+              </a:cxn>
+              <a:cxn ang="0">
+                <a:pos x="connsiteX9" y="connsiteY9"/>
+              </a:cxn>
+              <a:cxn ang="0">
+                <a:pos x="connsiteX10" y="connsiteY10"/>
+              </a:cxn>
+              <a:cxn ang="0">
+                <a:pos x="connsiteX11" y="connsiteY11"/>
+              </a:cxn>
+              <a:cxn ang="0">
+                <a:pos x="connsiteX12" y="connsiteY12"/>
+              </a:cxn>
+            </a:cxnLst>
+            <a:rect l="l" t="t" r="r" b="b"/>
+            <a:pathLst>
+              <a:path w="3474720" h="18288" fill="none" extrusionOk="0">
+                <a:moveTo>
+                  <a:pt x="0" y="0"/>
+                </a:moveTo>
+                <a:cubicBezTo>
+                  <a:pt x="224454" y="-14544"/>
+                  <a:pt x="495407" y="26540"/>
+                  <a:pt x="694944" y="0"/>
+                </a:cubicBezTo>
+                <a:cubicBezTo>
+                  <a:pt x="894481" y="-26540"/>
+                  <a:pt x="1130063" y="24713"/>
+                  <a:pt x="1355141" y="0"/>
+                </a:cubicBezTo>
+                <a:cubicBezTo>
+                  <a:pt x="1580219" y="-24713"/>
+                  <a:pt x="1820099" y="26695"/>
+                  <a:pt x="2015338" y="0"/>
+                </a:cubicBezTo>
+                <a:cubicBezTo>
+                  <a:pt x="2210577" y="-26695"/>
+                  <a:pt x="2402045" y="165"/>
+                  <a:pt x="2779776" y="0"/>
+                </a:cubicBezTo>
+                <a:cubicBezTo>
+                  <a:pt x="3157507" y="-165"/>
+                  <a:pt x="3286859" y="-15571"/>
+                  <a:pt x="3474720" y="0"/>
+                </a:cubicBezTo>
+                <a:cubicBezTo>
+                  <a:pt x="3474286" y="7551"/>
+                  <a:pt x="3474253" y="9822"/>
+                  <a:pt x="3474720" y="18288"/>
+                </a:cubicBezTo>
+                <a:cubicBezTo>
+                  <a:pt x="3233904" y="29845"/>
+                  <a:pt x="2945134" y="-5256"/>
+                  <a:pt x="2779776" y="18288"/>
+                </a:cubicBezTo>
+                <a:cubicBezTo>
+                  <a:pt x="2614418" y="41832"/>
+                  <a:pt x="2339768" y="22709"/>
+                  <a:pt x="2189074" y="18288"/>
+                </a:cubicBezTo>
+                <a:cubicBezTo>
+                  <a:pt x="2038380" y="13867"/>
+                  <a:pt x="1817434" y="-4947"/>
+                  <a:pt x="1528877" y="18288"/>
+                </a:cubicBezTo>
+                <a:cubicBezTo>
+                  <a:pt x="1240320" y="41523"/>
+                  <a:pt x="1042447" y="37198"/>
+                  <a:pt x="868680" y="18288"/>
+                </a:cubicBezTo>
+                <a:cubicBezTo>
+                  <a:pt x="694913" y="-622"/>
+                  <a:pt x="233232" y="44909"/>
+                  <a:pt x="0" y="18288"/>
+                </a:cubicBezTo>
+                <a:cubicBezTo>
+                  <a:pt x="60" y="11696"/>
+                  <a:pt x="66" y="3758"/>
+                  <a:pt x="0" y="0"/>
+                </a:cubicBezTo>
+                <a:close/>
+              </a:path>
+              <a:path w="3474720" h="18288" stroke="0" extrusionOk="0">
+                <a:moveTo>
+                  <a:pt x="0" y="0"/>
+                </a:moveTo>
+                <a:cubicBezTo>
+                  <a:pt x="202328" y="-14716"/>
+                  <a:pt x="332722" y="-11499"/>
+                  <a:pt x="625450" y="0"/>
+                </a:cubicBezTo>
+                <a:cubicBezTo>
+                  <a:pt x="918178" y="11499"/>
+                  <a:pt x="1096688" y="5123"/>
+                  <a:pt x="1389888" y="0"/>
+                </a:cubicBezTo>
+                <a:cubicBezTo>
+                  <a:pt x="1683088" y="-5123"/>
+                  <a:pt x="1835981" y="-14038"/>
+                  <a:pt x="1980590" y="0"/>
+                </a:cubicBezTo>
+                <a:cubicBezTo>
+                  <a:pt x="2125199" y="14038"/>
+                  <a:pt x="2396099" y="-7203"/>
+                  <a:pt x="2571293" y="0"/>
+                </a:cubicBezTo>
+                <a:cubicBezTo>
+                  <a:pt x="2746487" y="7203"/>
+                  <a:pt x="3041609" y="-12036"/>
+                  <a:pt x="3474720" y="0"/>
+                </a:cubicBezTo>
+                <a:cubicBezTo>
+                  <a:pt x="3474638" y="4406"/>
+                  <a:pt x="3474631" y="9982"/>
+                  <a:pt x="3474720" y="18288"/>
+                </a:cubicBezTo>
+                <a:cubicBezTo>
+                  <a:pt x="3324873" y="21876"/>
+                  <a:pt x="3136771" y="12587"/>
+                  <a:pt x="2814523" y="18288"/>
+                </a:cubicBezTo>
+                <a:cubicBezTo>
+                  <a:pt x="2492275" y="23989"/>
+                  <a:pt x="2294402" y="47111"/>
+                  <a:pt x="2154326" y="18288"/>
+                </a:cubicBezTo>
+                <a:cubicBezTo>
+                  <a:pt x="2014250" y="-10535"/>
+                  <a:pt x="1820317" y="33903"/>
+                  <a:pt x="1494130" y="18288"/>
+                </a:cubicBezTo>
+                <a:cubicBezTo>
+                  <a:pt x="1167943" y="2673"/>
+                  <a:pt x="948432" y="14868"/>
+                  <a:pt x="729691" y="18288"/>
+                </a:cubicBezTo>
+                <a:cubicBezTo>
+                  <a:pt x="510950" y="21708"/>
+                  <a:pt x="264032" y="24354"/>
+                  <a:pt x="0" y="18288"/>
+                </a:cubicBezTo>
+                <a:cubicBezTo>
+                  <a:pt x="189" y="14288"/>
+                  <a:pt x="-703" y="3747"/>
+                  <a:pt x="0" y="0"/>
+                </a:cubicBezTo>
+                <a:close/>
+              </a:path>
+            </a:pathLst>
+          </a:custGeom>
+          <a:solidFill>
+            <a:schemeClr val="accent2"/>
+          </a:solidFill>
+          <a:ln w="44450" cap="rnd">
+            <a:solidFill>
+              <a:schemeClr val="accent2"/>
+            </a:solidFill>
+            <a:round/>
+            <a:extLst>
+              <a:ext uri="{C807C97D-BFC1-408E-A445-0C87EB9F89A2}">
+                <ask:lineSketchStyleProps xmlns:ask="http://schemas.microsoft.com/office/drawing/2018/sketchyshapes" sd="2863741219">
+                  <a:prstGeom prst="rect">
+                    <a:avLst/>
+                  </a:prstGeom>
+                  <ask:type>
+                    <ask:lineSketchFreehand/>
+                  </ask:type>
+                </ask:lineSketchStyleProps>
+              </a:ext>
+            </a:extLst>
+          </a:ln>
+        </p:spPr>
+        <p:style>
+          <a:lnRef idx="2">
+            <a:schemeClr val="accent1">
+              <a:shade val="50000"/>
+            </a:schemeClr>
+          </a:lnRef>
+          <a:fillRef idx="1">
+            <a:schemeClr val="accent1"/>
+          </a:fillRef>
+          <a:effectRef idx="0">
+            <a:schemeClr val="accent1"/>
+          </a:effectRef>
+          <a:fontRef idx="minor">
+            <a:schemeClr val="lt1"/>
+          </a:fontRef>
+        </p:style>
+        <p:txBody>
+          <a:bodyPr rtlCol="0" anchor="ctr"/>
+          <a:lstStyle/>
+          <a:p>
+            <a:pPr algn="ctr"/>
+            <a:endParaRPr lang="en-US"/>
+          </a:p>
+        </p:txBody>
+      </p:sp>
+      <p:sp>
+        <p:nvSpPr>
+          <p:cNvPr id="3" name="Content Placeholder 2">
+            <a:extLst>
+              <a:ext uri="{FF2B5EF4-FFF2-40B4-BE49-F238E27FC236}">
+                <a16:creationId xmlns:a16="http://schemas.microsoft.com/office/drawing/2014/main" id="{EE1EB34C-A852-47F2-317A-524508FE84FC}"/>
+              </a:ext>
+            </a:extLst>
+          </p:cNvPr>
+          <p:cNvSpPr>
+            <a:spLocks noGrp="1"/>
+          </p:cNvSpPr>
+          <p:nvPr>
+            <p:ph idx="1"/>
+          </p:nvPr>
+        </p:nvSpPr>
+        <p:spPr>
+          <a:xfrm>
+            <a:off x="640080" y="2872899"/>
+            <a:ext cx="4243589" cy="3320668"/>
+          </a:xfrm>
+        </p:spPr>
+        <p:txBody>
+          <a:bodyPr>
+            <a:normAutofit/>
+          </a:bodyPr>
+          <a:lstStyle/>
+          <a:p>
+            <a:r>
+              <a:rPr lang="en-IN" sz="2200"/>
+              <a:t>Our project is an ecommerce app for Shoes.</a:t>
+            </a:r>
+          </a:p>
+          <a:p>
+            <a:r>
+              <a:rPr lang="en-IN" sz="2200"/>
+              <a:t>Its goal is to match the versatile fashion of Montreal’s multi-culturalism.</a:t>
+            </a:r>
+          </a:p>
+          <a:p>
+            <a:r>
+              <a:rPr lang="en-IN" sz="2200"/>
+              <a:t>It gives variety of options to people to shop shoes of their choice.</a:t>
+            </a:r>
+          </a:p>
+          <a:p>
+            <a:endParaRPr lang="en-IN" sz="2200"/>
+          </a:p>
+        </p:txBody>
+      </p:sp>
+      <p:pic>
+        <p:nvPicPr>
+          <p:cNvPr id="5" name="Picture 4" descr="Shoes on stairs">
+            <a:extLst>
+              <a:ext uri="{FF2B5EF4-FFF2-40B4-BE49-F238E27FC236}">
+                <a16:creationId xmlns:a16="http://schemas.microsoft.com/office/drawing/2014/main" id="{9B5EFF75-B762-FDF1-9ADC-17EE32AB94C5}"/>
+              </a:ext>
+            </a:extLst>
+          </p:cNvPr>
+          <p:cNvPicPr>
+            <a:picLocks noChangeAspect="1"/>
+          </p:cNvPicPr>
+          <p:nvPr/>
+        </p:nvPicPr>
+        <p:blipFill rotWithShape="1">
+          <a:blip r:embed="rId2"/>
+          <a:srcRect l="12918" r="19880" b="2"/>
+          <a:stretch/>
+        </p:blipFill>
+        <p:spPr>
+          <a:xfrm>
+            <a:off x="5311702" y="10"/>
+            <a:ext cx="6878775" cy="6857990"/>
+          </a:xfrm>
+          <a:custGeom>
+            <a:avLst/>
+            <a:gdLst/>
+            <a:ahLst/>
+            <a:cxnLst/>
+            <a:rect l="l" t="t" r="r" b="b"/>
+            <a:pathLst>
+              <a:path w="6878775" h="6858000">
+                <a:moveTo>
+                  <a:pt x="1102973" y="0"/>
+                </a:moveTo>
+                <a:lnTo>
+                  <a:pt x="1160688" y="0"/>
+                </a:lnTo>
+                <a:lnTo>
+                  <a:pt x="983189" y="331786"/>
+                </a:lnTo>
+                <a:cubicBezTo>
+                  <a:pt x="914866" y="469145"/>
+                  <a:pt x="850355" y="608712"/>
+                  <a:pt x="789261" y="750263"/>
+                </a:cubicBezTo>
+                <a:cubicBezTo>
+                  <a:pt x="774307" y="784928"/>
+                  <a:pt x="759992" y="819849"/>
+                  <a:pt x="745295" y="854514"/>
+                </a:cubicBezTo>
+                <a:cubicBezTo>
+                  <a:pt x="756682" y="845393"/>
+                  <a:pt x="765489" y="833492"/>
+                  <a:pt x="770857" y="819975"/>
+                </a:cubicBezTo>
+                <a:cubicBezTo>
+                  <a:pt x="879943" y="589569"/>
+                  <a:pt x="999605" y="365513"/>
+                  <a:pt x="1131329" y="148742"/>
+                </a:cubicBezTo>
+                <a:lnTo>
+                  <a:pt x="1227589" y="0"/>
+                </a:lnTo>
+                <a:lnTo>
+                  <a:pt x="6878775" y="0"/>
+                </a:lnTo>
+                <a:lnTo>
+                  <a:pt x="6878775" y="6858000"/>
+                </a:lnTo>
+                <a:lnTo>
+                  <a:pt x="713521" y="6858000"/>
+                </a:lnTo>
+                <a:lnTo>
+                  <a:pt x="625642" y="6670527"/>
+                </a:lnTo>
+                <a:cubicBezTo>
+                  <a:pt x="507232" y="6398531"/>
+                  <a:pt x="403083" y="6118381"/>
+                  <a:pt x="312785" y="5830359"/>
+                </a:cubicBezTo>
+                <a:cubicBezTo>
+                  <a:pt x="278149" y="5719759"/>
+                  <a:pt x="248879" y="5607635"/>
+                  <a:pt x="212198" y="5480401"/>
+                </a:cubicBezTo>
+                <a:cubicBezTo>
+                  <a:pt x="212208" y="5491601"/>
+                  <a:pt x="212803" y="5502788"/>
+                  <a:pt x="213988" y="5513923"/>
+                </a:cubicBezTo>
+                <a:cubicBezTo>
+                  <a:pt x="264089" y="5723695"/>
+                  <a:pt x="307290" y="5935370"/>
+                  <a:pt x="365826" y="6142729"/>
+                </a:cubicBezTo>
+                <a:cubicBezTo>
+                  <a:pt x="433152" y="6380817"/>
+                  <a:pt x="510068" y="6614016"/>
+                  <a:pt x="597975" y="6841549"/>
+                </a:cubicBezTo>
+                <a:lnTo>
+                  <a:pt x="604824" y="6858000"/>
+                </a:lnTo>
+                <a:lnTo>
+                  <a:pt x="552056" y="6858000"/>
+                </a:lnTo>
+                <a:lnTo>
+                  <a:pt x="539576" y="6828295"/>
+                </a:lnTo>
+                <a:cubicBezTo>
+                  <a:pt x="380597" y="6414594"/>
+                  <a:pt x="260223" y="5988893"/>
+                  <a:pt x="171555" y="5552906"/>
+                </a:cubicBezTo>
+                <a:cubicBezTo>
+                  <a:pt x="91163" y="5157998"/>
+                  <a:pt x="43746" y="4758899"/>
+                  <a:pt x="12305" y="4357388"/>
+                </a:cubicBezTo>
+                <a:cubicBezTo>
+                  <a:pt x="-14281" y="4013908"/>
+                  <a:pt x="4507" y="3672965"/>
+                  <a:pt x="46684" y="3331516"/>
+                </a:cubicBezTo>
+                <a:cubicBezTo>
+                  <a:pt x="127203" y="2664286"/>
+                  <a:pt x="277819" y="2007265"/>
+                  <a:pt x="496065" y="1371196"/>
+                </a:cubicBezTo>
+                <a:cubicBezTo>
+                  <a:pt x="636273" y="966066"/>
+                  <a:pt x="800445" y="573253"/>
+                  <a:pt x="995723" y="196614"/>
+                </a:cubicBezTo>
+                <a:close/>
+              </a:path>
+            </a:pathLst>
+          </a:custGeom>
+        </p:spPr>
+      </p:pic>
+    </p:spTree>
+    <p:extLst>
+      <p:ext uri="{BB962C8B-B14F-4D97-AF65-F5344CB8AC3E}">
+        <p14:creationId xmlns:p14="http://schemas.microsoft.com/office/powerpoint/2010/main" val="751595338"/>
+      </p:ext>
+    </p:extLst>
+  </p:cSld>
+  <p:clrMapOvr>
+    <a:masterClrMapping/>
+  </p:clrMapOvr>
+  <p:transition spd="slow">
+    <p:push dir="u"/>
+  </p:transition>
+</p:sld>
+</file>
+
+<file path=ppt/slides/slide4.xml><?xml version="1.0" encoding="utf-8"?>
+<p:sld xmlns:a="http://schemas.openxmlformats.org/drawingml/2006/main" xmlns:r="http://schemas.openxmlformats.org/officeDocument/2006/relationships" xmlns:p="http://schemas.openxmlformats.org/presentationml/2006/main">
+  <p:cSld>
+    <p:bg>
+      <p:bgPr>
+        <a:solidFill>
+          <a:schemeClr val="bg1"/>
+        </a:solidFill>
+        <a:effectLst/>
+      </p:bgPr>
+    </p:bg>
+    <p:spTree>
+      <p:nvGrpSpPr>
+        <p:cNvPr id="1" name=""/>
+        <p:cNvGrpSpPr/>
+        <p:nvPr/>
+      </p:nvGrpSpPr>
+      <p:grpSpPr>
+        <a:xfrm>
+          <a:off x="0" y="0"/>
+          <a:ext cx="0" cy="0"/>
+          <a:chOff x="0" y="0"/>
+          <a:chExt cx="0" cy="0"/>
+        </a:xfrm>
+      </p:grpSpPr>
+      <p:sp>
+        <p:nvSpPr>
+          <p:cNvPr id="28" name="Rectangle 27">
+            <a:extLst>
+              <a:ext uri="{FF2B5EF4-FFF2-40B4-BE49-F238E27FC236}">
+                <a16:creationId xmlns:a16="http://schemas.microsoft.com/office/drawing/2014/main" id="{6753252F-4873-4F63-801D-CC719279A7D5}"/>
+              </a:ext>
+              <a:ext uri="{C183D7F6-B498-43B3-948B-1728B52AA6E4}">
+                <adec:decorative xmlns:adec="http://schemas.microsoft.com/office/drawing/2017/decorative" val="1"/>
+              </a:ext>
+            </a:extLst>
+          </p:cNvPr>
+          <p:cNvSpPr>
+            <a:spLocks noGrp="1" noRot="1" noChangeAspect="1" noMove="1" noResize="1" noEditPoints="1" noAdjustHandles="1" noChangeArrowheads="1" noChangeShapeType="1" noTextEdit="1"/>
+          </p:cNvSpPr>
+          <p:nvPr>
+            <p:extLst>
+              <p:ext uri="{386F3935-93C4-4BCD-93E2-E3B085C9AB24}">
+                <p16:designElem xmlns:p16="http://schemas.microsoft.com/office/powerpoint/2015/main" val="1"/>
+              </p:ext>
+            </p:extLst>
+          </p:nvPr>
+        </p:nvSpPr>
+        <p:spPr>
+          <a:xfrm>
+            <a:off x="0" y="0"/>
+            <a:ext cx="12192000" cy="6858000"/>
+          </a:xfrm>
+          <a:prstGeom prst="rect">
+            <a:avLst/>
+          </a:prstGeom>
+          <a:solidFill>
+            <a:srgbClr val="FFFFFF"/>
+          </a:solidFill>
+          <a:ln>
+            <a:noFill/>
+          </a:ln>
+        </p:spPr>
+        <p:style>
+          <a:lnRef idx="2">
+            <a:schemeClr val="accent1">
+              <a:shade val="50000"/>
+            </a:schemeClr>
+          </a:lnRef>
+          <a:fillRef idx="1">
+            <a:schemeClr val="accent1"/>
+          </a:fillRef>
+          <a:effectRef idx="0">
+            <a:schemeClr val="accent1"/>
+          </a:effectRef>
+          <a:fontRef idx="minor">
+            <a:schemeClr val="lt1"/>
+          </a:fontRef>
+        </p:style>
+        <p:txBody>
+          <a:bodyPr rtlCol="0" anchor="ctr"/>
+          <a:lstStyle/>
+          <a:p>
+            <a:pPr algn="ctr"/>
+            <a:endParaRPr lang="en-US"/>
+          </a:p>
+        </p:txBody>
+      </p:sp>
+      <p:sp>
+        <p:nvSpPr>
+          <p:cNvPr id="30" name="Rectangle 29">
+            <a:extLst>
+              <a:ext uri="{FF2B5EF4-FFF2-40B4-BE49-F238E27FC236}">
+                <a16:creationId xmlns:a16="http://schemas.microsoft.com/office/drawing/2014/main" id="{047C8CCB-F95D-4249-92DD-651249D3535A}"/>
+              </a:ext>
+              <a:ext uri="{C183D7F6-B498-43B3-948B-1728B52AA6E4}">
+                <adec:decorative xmlns:adec="http://schemas.microsoft.com/office/drawing/2017/decorative" val="1"/>
+              </a:ext>
+            </a:extLst>
+          </p:cNvPr>
+          <p:cNvSpPr>
+            <a:spLocks noGrp="1" noRot="1" noChangeAspect="1" noMove="1" noResize="1" noEditPoints="1" noAdjustHandles="1" noChangeArrowheads="1" noChangeShapeType="1" noTextEdit="1"/>
+          </p:cNvSpPr>
+          <p:nvPr>
+            <p:extLst>
+              <p:ext uri="{386F3935-93C4-4BCD-93E2-E3B085C9AB24}">
+                <p16:designElem xmlns:p16="http://schemas.microsoft.com/office/powerpoint/2015/main" val="1"/>
+              </p:ext>
+            </p:extLst>
+          </p:nvPr>
+        </p:nvSpPr>
+        <p:spPr>
+          <a:xfrm>
+            <a:off x="0" y="0"/>
+            <a:ext cx="2013557" cy="6858000"/>
+          </a:xfrm>
+          <a:prstGeom prst="rect">
+            <a:avLst/>
+          </a:prstGeom>
+          <a:solidFill>
+            <a:srgbClr val="465E7B"/>
+          </a:solidFill>
+          <a:ln>
+            <a:noFill/>
+          </a:ln>
+        </p:spPr>
+        <p:style>
+          <a:lnRef idx="2">
+            <a:schemeClr val="accent1">
+              <a:shade val="50000"/>
+            </a:schemeClr>
+          </a:lnRef>
+          <a:fillRef idx="1">
+            <a:schemeClr val="accent1"/>
+          </a:fillRef>
+          <a:effectRef idx="0">
+            <a:schemeClr val="accent1"/>
+          </a:effectRef>
+          <a:fontRef idx="minor">
+            <a:schemeClr val="lt1"/>
+          </a:fontRef>
+        </p:style>
+        <p:txBody>
+          <a:bodyPr rtlCol="0" anchor="ctr"/>
+          <a:lstStyle/>
+          <a:p>
+            <a:pPr algn="ctr"/>
+            <a:endParaRPr lang="en-US"/>
+          </a:p>
+        </p:txBody>
+      </p:sp>
+      <p:pic>
+        <p:nvPicPr>
+          <p:cNvPr id="5" name="Content Placeholder 4">
+            <a:extLst>
+              <a:ext uri="{FF2B5EF4-FFF2-40B4-BE49-F238E27FC236}">
+                <a16:creationId xmlns:a16="http://schemas.microsoft.com/office/drawing/2014/main" id="{3AA0FC67-41CE-E1F9-9D84-F747ACE16359}"/>
+              </a:ext>
+            </a:extLst>
+          </p:cNvPr>
+          <p:cNvPicPr>
+            <a:picLocks noGrp="1" noChangeAspect="1"/>
+          </p:cNvPicPr>
+          <p:nvPr>
+            <p:ph idx="1"/>
+          </p:nvPr>
+        </p:nvPicPr>
+        <p:blipFill>
+          <a:blip r:embed="rId2"/>
+          <a:stretch>
+            <a:fillRect/>
+          </a:stretch>
+        </p:blipFill>
+        <p:spPr>
+          <a:xfrm>
+            <a:off x="4156075" y="960438"/>
+            <a:ext cx="1092200" cy="2419350"/>
+          </a:xfrm>
+        </p:spPr>
+      </p:pic>
+      <p:pic>
+        <p:nvPicPr>
+          <p:cNvPr id="19" name="Picture 18">
+            <a:extLst>
+              <a:ext uri="{FF2B5EF4-FFF2-40B4-BE49-F238E27FC236}">
+                <a16:creationId xmlns:a16="http://schemas.microsoft.com/office/drawing/2014/main" id="{8DBE011B-8CF2-6FDA-05BD-F96DDA79F1AF}"/>
+              </a:ext>
+            </a:extLst>
+          </p:cNvPr>
+          <p:cNvPicPr>
+            <a:picLocks noChangeAspect="1"/>
+          </p:cNvPicPr>
+          <p:nvPr/>
+        </p:nvPicPr>
+        <p:blipFill>
+          <a:blip r:embed="rId3"/>
+          <a:stretch>
+            <a:fillRect/>
+          </a:stretch>
+        </p:blipFill>
+        <p:spPr>
+          <a:xfrm>
+            <a:off x="4156075" y="3440113"/>
+            <a:ext cx="1092200" cy="2451100"/>
+          </a:xfrm>
+          <a:prstGeom prst="rect">
+            <a:avLst/>
+          </a:prstGeom>
+        </p:spPr>
+      </p:pic>
+      <p:pic>
+        <p:nvPicPr>
+          <p:cNvPr id="7" name="Picture 6">
+            <a:extLst>
+              <a:ext uri="{FF2B5EF4-FFF2-40B4-BE49-F238E27FC236}">
+                <a16:creationId xmlns:a16="http://schemas.microsoft.com/office/drawing/2014/main" id="{190C0095-380C-69B7-A955-5101C0E5BFAB}"/>
+              </a:ext>
+            </a:extLst>
+          </p:cNvPr>
+          <p:cNvPicPr>
+            <a:picLocks noChangeAspect="1"/>
+          </p:cNvPicPr>
+          <p:nvPr/>
+        </p:nvPicPr>
+        <p:blipFill>
+          <a:blip r:embed="rId4"/>
+          <a:stretch>
+            <a:fillRect/>
+          </a:stretch>
+        </p:blipFill>
+        <p:spPr>
+          <a:xfrm>
+            <a:off x="5308600" y="960438"/>
+            <a:ext cx="2246313" cy="4930775"/>
+          </a:xfrm>
+          <a:prstGeom prst="rect">
+            <a:avLst/>
+          </a:prstGeom>
+          <a:solidFill>
+            <a:srgbClr val="FFFFFF">
+              <a:shade val="85000"/>
+            </a:srgbClr>
+          </a:solidFill>
+          <a:ln w="88900" cap="sq">
+            <a:solidFill>
+              <a:srgbClr val="FFFFFF"/>
+            </a:solidFill>
+            <a:miter lim="800000"/>
+          </a:ln>
+          <a:effectLst>
+            <a:outerShdw blurRad="55000" dist="18000" dir="5400000" algn="tl" rotWithShape="0">
+              <a:srgbClr val="000000">
+                <a:alpha val="40000"/>
+              </a:srgbClr>
+            </a:outerShdw>
+          </a:effectLst>
+          <a:scene3d>
+            <a:camera prst="orthographicFront"/>
+            <a:lightRig rig="twoPt" dir="t">
+              <a:rot lat="0" lon="0" rev="7200000"/>
+            </a:lightRig>
+          </a:scene3d>
+          <a:sp3d>
+            <a:bevelT w="25400" h="19050"/>
+            <a:contourClr>
+              <a:srgbClr val="FFFFFF"/>
+            </a:contourClr>
+          </a:sp3d>
+        </p:spPr>
+      </p:pic>
+      <p:pic>
+        <p:nvPicPr>
+          <p:cNvPr id="9" name="Picture 8">
+            <a:extLst>
+              <a:ext uri="{FF2B5EF4-FFF2-40B4-BE49-F238E27FC236}">
+                <a16:creationId xmlns:a16="http://schemas.microsoft.com/office/drawing/2014/main" id="{3591B276-143F-11B4-7779-711A5C11BE77}"/>
+              </a:ext>
+            </a:extLst>
+          </p:cNvPr>
+          <p:cNvPicPr>
+            <a:picLocks noChangeAspect="1"/>
+          </p:cNvPicPr>
+          <p:nvPr/>
+        </p:nvPicPr>
+        <p:blipFill>
+          <a:blip r:embed="rId5"/>
+          <a:stretch>
+            <a:fillRect/>
+          </a:stretch>
+        </p:blipFill>
+        <p:spPr>
+          <a:xfrm>
+            <a:off x="7615238" y="960438"/>
+            <a:ext cx="1108075" cy="2459038"/>
+          </a:xfrm>
+          <a:prstGeom prst="rect">
+            <a:avLst/>
+          </a:prstGeom>
+        </p:spPr>
+      </p:pic>
+      <p:pic>
+        <p:nvPicPr>
+          <p:cNvPr id="23" name="Content Placeholder 3">
+            <a:extLst>
+              <a:ext uri="{FF2B5EF4-FFF2-40B4-BE49-F238E27FC236}">
+                <a16:creationId xmlns:a16="http://schemas.microsoft.com/office/drawing/2014/main" id="{714FA24B-A174-46B7-3D99-731AE5432860}"/>
+              </a:ext>
+            </a:extLst>
+          </p:cNvPr>
+          <p:cNvPicPr>
+            <a:picLocks noChangeAspect="1"/>
+          </p:cNvPicPr>
+          <p:nvPr/>
+        </p:nvPicPr>
+        <p:blipFill>
+          <a:blip r:embed="rId6"/>
+          <a:stretch>
+            <a:fillRect/>
+          </a:stretch>
+        </p:blipFill>
+        <p:spPr>
+          <a:xfrm>
+            <a:off x="7615238" y="3479800"/>
+            <a:ext cx="1108075" cy="2411413"/>
+          </a:xfrm>
+          <a:prstGeom prst="rect">
+            <a:avLst/>
+          </a:prstGeom>
+        </p:spPr>
+      </p:pic>
+      <p:pic>
+        <p:nvPicPr>
+          <p:cNvPr id="8" name="Picture 7">
+            <a:extLst>
+              <a:ext uri="{FF2B5EF4-FFF2-40B4-BE49-F238E27FC236}">
+                <a16:creationId xmlns:a16="http://schemas.microsoft.com/office/drawing/2014/main" id="{3D54DBBA-4B76-6FA1-E119-4F406DA7E2A9}"/>
+              </a:ext>
+            </a:extLst>
+          </p:cNvPr>
+          <p:cNvPicPr>
+            <a:picLocks noChangeAspect="1"/>
+          </p:cNvPicPr>
+          <p:nvPr/>
+        </p:nvPicPr>
+        <p:blipFill>
+          <a:blip r:embed="rId7"/>
+          <a:stretch>
+            <a:fillRect/>
+          </a:stretch>
+        </p:blipFill>
+        <p:spPr>
+          <a:xfrm>
+            <a:off x="8783638" y="960438"/>
+            <a:ext cx="1162050" cy="2366963"/>
+          </a:xfrm>
+          <a:prstGeom prst="rect">
+            <a:avLst/>
+          </a:prstGeom>
+        </p:spPr>
+      </p:pic>
+      <p:pic>
+        <p:nvPicPr>
+          <p:cNvPr id="15" name="Picture 14">
+            <a:extLst>
+              <a:ext uri="{FF2B5EF4-FFF2-40B4-BE49-F238E27FC236}">
+                <a16:creationId xmlns:a16="http://schemas.microsoft.com/office/drawing/2014/main" id="{F0CE6677-27F2-0EB6-5E6E-91752797374D}"/>
+              </a:ext>
+            </a:extLst>
+          </p:cNvPr>
+          <p:cNvPicPr>
+            <a:picLocks noChangeAspect="1"/>
+          </p:cNvPicPr>
+          <p:nvPr/>
+        </p:nvPicPr>
+        <p:blipFill>
+          <a:blip r:embed="rId8"/>
+          <a:stretch>
+            <a:fillRect/>
+          </a:stretch>
+        </p:blipFill>
+        <p:spPr>
+          <a:xfrm>
+            <a:off x="8783638" y="3387725"/>
+            <a:ext cx="1162050" cy="2503488"/>
+          </a:xfrm>
+          <a:prstGeom prst="rect">
+            <a:avLst/>
+          </a:prstGeom>
+        </p:spPr>
+      </p:pic>
+      <p:pic>
+        <p:nvPicPr>
+          <p:cNvPr id="13" name="Picture 12">
+            <a:extLst>
+              <a:ext uri="{FF2B5EF4-FFF2-40B4-BE49-F238E27FC236}">
+                <a16:creationId xmlns:a16="http://schemas.microsoft.com/office/drawing/2014/main" id="{3BAE2F88-36B4-8B5C-0A65-F5C53E920062}"/>
+              </a:ext>
+            </a:extLst>
+          </p:cNvPr>
+          <p:cNvPicPr>
+            <a:picLocks noChangeAspect="1"/>
+          </p:cNvPicPr>
+          <p:nvPr/>
+        </p:nvPicPr>
+        <p:blipFill>
+          <a:blip r:embed="rId9"/>
+          <a:stretch>
+            <a:fillRect/>
+          </a:stretch>
+        </p:blipFill>
+        <p:spPr>
+          <a:xfrm>
+            <a:off x="10006013" y="960438"/>
+            <a:ext cx="1101725" cy="2436813"/>
+          </a:xfrm>
+          <a:prstGeom prst="rect">
+            <a:avLst/>
+          </a:prstGeom>
+        </p:spPr>
+      </p:pic>
+      <p:pic>
+        <p:nvPicPr>
+          <p:cNvPr id="17" name="Picture 16">
+            <a:extLst>
+              <a:ext uri="{FF2B5EF4-FFF2-40B4-BE49-F238E27FC236}">
+                <a16:creationId xmlns:a16="http://schemas.microsoft.com/office/drawing/2014/main" id="{BF8F334C-874B-724C-1C9B-27F55196ED81}"/>
+              </a:ext>
+            </a:extLst>
+          </p:cNvPr>
+          <p:cNvPicPr>
+            <a:picLocks noChangeAspect="1"/>
+          </p:cNvPicPr>
+          <p:nvPr/>
+        </p:nvPicPr>
+        <p:blipFill>
+          <a:blip r:embed="rId10"/>
+          <a:stretch>
+            <a:fillRect/>
+          </a:stretch>
+        </p:blipFill>
+        <p:spPr>
+          <a:xfrm>
+            <a:off x="10006013" y="3457575"/>
+            <a:ext cx="1101725" cy="2433638"/>
+          </a:xfrm>
+          <a:prstGeom prst="rect">
+            <a:avLst/>
+          </a:prstGeom>
+        </p:spPr>
+      </p:pic>
+      <p:sp>
+        <p:nvSpPr>
+          <p:cNvPr id="2" name="Title 1">
+            <a:extLst>
+              <a:ext uri="{FF2B5EF4-FFF2-40B4-BE49-F238E27FC236}">
+                <a16:creationId xmlns:a16="http://schemas.microsoft.com/office/drawing/2014/main" id="{73D13556-9FA4-18EB-5651-4303CC8C6D9C}"/>
+              </a:ext>
+            </a:extLst>
+          </p:cNvPr>
+          <p:cNvSpPr>
+            <a:spLocks noGrp="1"/>
+          </p:cNvSpPr>
+          <p:nvPr>
+            <p:ph type="title"/>
+          </p:nvPr>
+        </p:nvSpPr>
+        <p:spPr>
+          <a:xfrm>
+            <a:off x="640080" y="2074363"/>
+            <a:ext cx="2752354" cy="2709275"/>
+          </a:xfrm>
+          <a:prstGeom prst="ellipse">
+            <a:avLst/>
+          </a:prstGeom>
+          <a:solidFill>
+            <a:srgbClr val="262626"/>
+          </a:solidFill>
+          <a:ln w="174625" cmpd="thinThick">
+            <a:solidFill>
+              <a:srgbClr val="262626"/>
+            </a:solidFill>
+          </a:ln>
+        </p:spPr>
+        <p:txBody>
+          <a:bodyPr vert="horz" lIns="91440" tIns="45720" rIns="91440" bIns="45720" rtlCol="0" anchor="ctr">
+            <a:normAutofit/>
+          </a:bodyPr>
+          <a:lstStyle/>
+          <a:p>
+            <a:pPr algn="ctr"/>
+            <a:r>
+              <a:rPr lang="en-US" sz="2600" b="1" kern="1200" dirty="0">
+                <a:solidFill>
+                  <a:srgbClr val="FFFFFF"/>
+                </a:solidFill>
+                <a:latin typeface="+mj-lt"/>
+                <a:ea typeface="+mj-ea"/>
+                <a:cs typeface="+mj-cs"/>
+              </a:rPr>
+              <a:t>Mockup</a:t>
+            </a:r>
+          </a:p>
+        </p:txBody>
+      </p:sp>
+    </p:spTree>
+    <p:extLst>
+      <p:ext uri="{BB962C8B-B14F-4D97-AF65-F5344CB8AC3E}">
+        <p14:creationId xmlns:p14="http://schemas.microsoft.com/office/powerpoint/2010/main" val="2234195275"/>
+      </p:ext>
+    </p:extLst>
+  </p:cSld>
+  <p:clrMapOvr>
+    <a:masterClrMapping/>
+  </p:clrMapOvr>
+  <p:transition spd="slow">
+    <p:push dir="u"/>
+  </p:transition>
 </p:sld>
 </file>
 
@@ -6007,11 +10561,41 @@
           <a:p>
             <a:r>
               <a:rPr lang="en-IN" dirty="0"/>
-              <a:t>Product Screen</a:t>
+              <a:t>Home Screen</a:t>
             </a:r>
           </a:p>
         </p:txBody>
       </p:sp>
+      <p:pic>
+        <p:nvPicPr>
+          <p:cNvPr id="9" name="Content Placeholder 4">
+            <a:extLst>
+              <a:ext uri="{FF2B5EF4-FFF2-40B4-BE49-F238E27FC236}">
+                <a16:creationId xmlns:a16="http://schemas.microsoft.com/office/drawing/2014/main" id="{486D399E-DB4B-3784-58B0-B3BE7CAF9EA5}"/>
+              </a:ext>
+            </a:extLst>
+          </p:cNvPr>
+          <p:cNvPicPr>
+            <a:picLocks noChangeAspect="1"/>
+          </p:cNvPicPr>
+          <p:nvPr/>
+        </p:nvPicPr>
+        <p:blipFill>
+          <a:blip r:embed="rId2"/>
+          <a:stretch>
+            <a:fillRect/>
+          </a:stretch>
+        </p:blipFill>
+        <p:spPr>
+          <a:xfrm>
+            <a:off x="897655" y="642988"/>
+            <a:ext cx="2590766" cy="5571543"/>
+          </a:xfrm>
+          <a:prstGeom prst="rect">
+            <a:avLst/>
+          </a:prstGeom>
+        </p:spPr>
+      </p:pic>
       <p:sp>
         <p:nvSpPr>
           <p:cNvPr id="14" name="Content Placeholder 13">
@@ -6042,78 +10626,30 @@
           <a:p>
             <a:r>
               <a:rPr lang="en-US" sz="2000" dirty="0"/>
-              <a:t>This screen opens up as a user clicks the product tile.</a:t>
+              <a:t>This is the first screen of our application.</a:t>
             </a:r>
           </a:p>
           <a:p>
             <a:r>
               <a:rPr lang="en-US" sz="2000" dirty="0"/>
-              <a:t>It consists of product detail and also allows user to do following:</a:t>
-            </a:r>
-          </a:p>
-          <a:p>
-            <a:pPr lvl="1"/>
-            <a:r>
-              <a:rPr lang="en-US" sz="1600" dirty="0"/>
-              <a:t>Add to cart </a:t>
-            </a:r>
-          </a:p>
-          <a:p>
-            <a:pPr lvl="1"/>
-            <a:r>
-              <a:rPr lang="en-US" sz="1600" dirty="0"/>
-              <a:t>Buy Now</a:t>
-            </a:r>
-          </a:p>
-          <a:p>
-            <a:pPr lvl="1"/>
-            <a:r>
-              <a:rPr lang="en-US" sz="1600" dirty="0"/>
-              <a:t>Wishlist</a:t>
+              <a:t>It will be shown as app loads up. It consists of the most trending products and promotions.</a:t>
             </a:r>
           </a:p>
         </p:txBody>
       </p:sp>
-      <p:pic>
-        <p:nvPicPr>
-          <p:cNvPr id="3" name="Picture 2">
-            <a:extLst>
-              <a:ext uri="{FF2B5EF4-FFF2-40B4-BE49-F238E27FC236}">
-                <a16:creationId xmlns:a16="http://schemas.microsoft.com/office/drawing/2014/main" id="{A58EF52E-10BA-5123-C2FB-DB86364CE795}"/>
-              </a:ext>
-            </a:extLst>
-          </p:cNvPr>
-          <p:cNvPicPr>
-            <a:picLocks noChangeAspect="1"/>
-          </p:cNvPicPr>
-          <p:nvPr/>
-        </p:nvPicPr>
-        <p:blipFill>
-          <a:blip r:embed="rId2"/>
-          <a:stretch>
-            <a:fillRect/>
-          </a:stretch>
-        </p:blipFill>
-        <p:spPr>
-          <a:xfrm>
-            <a:off x="872068" y="809449"/>
-            <a:ext cx="2442632" cy="5239101"/>
-          </a:xfrm>
-          <a:prstGeom prst="rect">
-            <a:avLst/>
-          </a:prstGeom>
-        </p:spPr>
-      </p:pic>
     </p:spTree>
     <p:extLst>
       <p:ext uri="{BB962C8B-B14F-4D97-AF65-F5344CB8AC3E}">
-        <p14:creationId xmlns:p14="http://schemas.microsoft.com/office/powerpoint/2010/main" val="2022893432"/>
+        <p14:creationId xmlns:p14="http://schemas.microsoft.com/office/powerpoint/2010/main" val="2560501825"/>
       </p:ext>
     </p:extLst>
   </p:cSld>
   <p:clrMapOvr>
     <a:overrideClrMapping bg1="dk1" tx1="lt1" bg2="dk2" tx2="lt2" accent1="accent1" accent2="accent2" accent3="accent3" accent4="accent4" accent5="accent5" accent6="accent6" hlink="hlink" folHlink="folHlink"/>
   </p:clrMapOvr>
+  <p:transition spd="slow">
+    <p:push dir="u"/>
+  </p:transition>
 </p:sld>
 </file>
 
@@ -6457,9 +10993,10 @@
           <a:lstStyle/>
           <a:p>
             <a:r>
-              <a:rPr lang="en-IN" dirty="0"/>
-              <a:t>Wishlist Screen</a:t>
+              <a:rPr lang="en-IN"/>
+              <a:t>Product Screen</a:t>
             </a:r>
+            <a:endParaRPr lang="en-IN" dirty="0"/>
           </a:p>
         </p:txBody>
       </p:sp>
@@ -6493,26 +11030,45 @@
           <a:p>
             <a:r>
               <a:rPr lang="en-US" sz="2000" dirty="0"/>
-              <a:t>This screen is a consists of product list which are liked by users on product page.</a:t>
+              <a:t>This screen opens up as a user clicks the product tile.</a:t>
             </a:r>
           </a:p>
           <a:p>
             <a:r>
               <a:rPr lang="en-US" sz="2000" dirty="0"/>
-              <a:t>User can also add liked product to cart or buy directly.</a:t>
+              <a:t>It consists of product detail and also allows user to do following:</a:t>
             </a:r>
           </a:p>
           <a:p>
-            <a:endParaRPr lang="en-US" sz="2000" dirty="0"/>
+            <a:pPr lvl="1"/>
+            <a:r>
+              <a:rPr lang="en-US" sz="1600"/>
+              <a:t>Add to cart </a:t>
+            </a:r>
+          </a:p>
+          <a:p>
+            <a:pPr lvl="1"/>
+            <a:r>
+              <a:rPr lang="en-US" sz="1600"/>
+              <a:t>Buy Now</a:t>
+            </a:r>
+          </a:p>
+          <a:p>
+            <a:pPr lvl="1"/>
+            <a:r>
+              <a:rPr lang="en-US" sz="1600"/>
+              <a:t>Wishlist</a:t>
+            </a:r>
+            <a:endParaRPr lang="en-US" sz="1600" dirty="0"/>
           </a:p>
         </p:txBody>
       </p:sp>
       <p:pic>
         <p:nvPicPr>
-          <p:cNvPr id="4" name="Picture 3">
-            <a:extLst>
-              <a:ext uri="{FF2B5EF4-FFF2-40B4-BE49-F238E27FC236}">
-                <a16:creationId xmlns:a16="http://schemas.microsoft.com/office/drawing/2014/main" id="{686E12AC-8ECF-F37A-2172-E196A0383C5B}"/>
+          <p:cNvPr id="3" name="Picture 2">
+            <a:extLst>
+              <a:ext uri="{FF2B5EF4-FFF2-40B4-BE49-F238E27FC236}">
+                <a16:creationId xmlns:a16="http://schemas.microsoft.com/office/drawing/2014/main" id="{A58EF52E-10BA-5123-C2FB-DB86364CE795}"/>
               </a:ext>
             </a:extLst>
           </p:cNvPr>
@@ -6529,8 +11085,8 @@
         </p:blipFill>
         <p:spPr>
           <a:xfrm>
-            <a:off x="958596" y="1138237"/>
-            <a:ext cx="2441829" cy="5283023"/>
+            <a:off x="872068" y="809449"/>
+            <a:ext cx="2442632" cy="5239101"/>
           </a:xfrm>
           <a:prstGeom prst="rect">
             <a:avLst/>
@@ -6540,13 +11096,16 @@
     </p:spTree>
     <p:extLst>
       <p:ext uri="{BB962C8B-B14F-4D97-AF65-F5344CB8AC3E}">
-        <p14:creationId xmlns:p14="http://schemas.microsoft.com/office/powerpoint/2010/main" val="1674085387"/>
+        <p14:creationId xmlns:p14="http://schemas.microsoft.com/office/powerpoint/2010/main" val="2022893432"/>
       </p:ext>
     </p:extLst>
   </p:cSld>
   <p:clrMapOvr>
     <a:overrideClrMapping bg1="dk1" tx1="lt1" bg2="dk2" tx2="lt2" accent1="accent1" accent2="accent2" accent3="accent3" accent4="accent4" accent5="accent5" accent6="accent6" hlink="hlink" folHlink="folHlink"/>
   </p:clrMapOvr>
+  <p:transition spd="slow">
+    <p:push dir="u"/>
+  </p:transition>
 </p:sld>
 </file>
 
@@ -6891,7 +11450,7 @@
           <a:p>
             <a:r>
               <a:rPr lang="en-IN" dirty="0"/>
-              <a:t>Cart Screen</a:t>
+              <a:t>Wishlist Screen</a:t>
             </a:r>
           </a:p>
         </p:txBody>
@@ -6926,29 +11485,26 @@
           <a:p>
             <a:r>
               <a:rPr lang="en-US" sz="2000" dirty="0"/>
-              <a:t>Cart screen is the ending screen before going to payment section.</a:t>
+              <a:t>This screen is a consists of product list which are liked by users on product page.</a:t>
             </a:r>
           </a:p>
           <a:p>
             <a:r>
               <a:rPr lang="en-US" sz="2000" dirty="0"/>
-              <a:t>It also allows user to add or remove product from the cart list.</a:t>
+              <a:t>User can also add liked product to cart or buy directly.</a:t>
             </a:r>
           </a:p>
           <a:p>
-            <a:r>
-              <a:rPr lang="en-US" sz="2000" dirty="0"/>
-              <a:t>On top of it, we can do payment for all the product in the cart.</a:t>
-            </a:r>
+            <a:endParaRPr lang="en-US" sz="2000" dirty="0"/>
           </a:p>
         </p:txBody>
       </p:sp>
       <p:pic>
         <p:nvPicPr>
-          <p:cNvPr id="3" name="Content Placeholder 3">
-            <a:extLst>
-              <a:ext uri="{FF2B5EF4-FFF2-40B4-BE49-F238E27FC236}">
-                <a16:creationId xmlns:a16="http://schemas.microsoft.com/office/drawing/2014/main" id="{D093220F-0D84-94AF-42D8-E6AC25A07116}"/>
+          <p:cNvPr id="4" name="Picture 3">
+            <a:extLst>
+              <a:ext uri="{FF2B5EF4-FFF2-40B4-BE49-F238E27FC236}">
+                <a16:creationId xmlns:a16="http://schemas.microsoft.com/office/drawing/2014/main" id="{686E12AC-8ECF-F37A-2172-E196A0383C5B}"/>
               </a:ext>
             </a:extLst>
           </p:cNvPr>
@@ -6965,8 +11521,8 @@
         </p:blipFill>
         <p:spPr>
           <a:xfrm>
-            <a:off x="702277" y="1027905"/>
-            <a:ext cx="2374297" cy="5023399"/>
+            <a:off x="958596" y="1138237"/>
+            <a:ext cx="2441829" cy="5283023"/>
           </a:xfrm>
           <a:prstGeom prst="rect">
             <a:avLst/>
@@ -6976,13 +11532,16 @@
     </p:spTree>
     <p:extLst>
       <p:ext uri="{BB962C8B-B14F-4D97-AF65-F5344CB8AC3E}">
-        <p14:creationId xmlns:p14="http://schemas.microsoft.com/office/powerpoint/2010/main" val="258741952"/>
+        <p14:creationId xmlns:p14="http://schemas.microsoft.com/office/powerpoint/2010/main" val="1674085387"/>
       </p:ext>
     </p:extLst>
   </p:cSld>
   <p:clrMapOvr>
     <a:overrideClrMapping bg1="dk1" tx1="lt1" bg2="dk2" tx2="lt2" accent1="accent1" accent2="accent2" accent3="accent3" accent4="accent4" accent5="accent5" accent6="accent6" hlink="hlink" folHlink="folHlink"/>
   </p:clrMapOvr>
+  <p:transition spd="slow">
+    <p:push dir="u"/>
+  </p:transition>
 </p:sld>
 </file>
 
@@ -7327,7 +11886,7 @@
           <a:p>
             <a:r>
               <a:rPr lang="en-IN" dirty="0"/>
-              <a:t>Checkout Screen</a:t>
+              <a:t>Cart Screen</a:t>
             </a:r>
           </a:p>
         </p:txBody>
@@ -7362,31 +11921,29 @@
           <a:p>
             <a:r>
               <a:rPr lang="en-US" sz="2000" dirty="0"/>
-              <a:t>Checkout page if the final confirmation for payment </a:t>
+              <a:t>Cart screen is the ending screen before going to payment section.</a:t>
             </a:r>
-            <a:r>
-              <a:rPr lang="en-US" sz="2000" dirty="0" err="1"/>
-              <a:t>api</a:t>
-            </a:r>
+          </a:p>
+          <a:p>
             <a:r>
               <a:rPr lang="en-US" sz="2000" dirty="0"/>
-              <a:t>.</a:t>
+              <a:t>It also allows user to add or remove product from the cart list.</a:t>
             </a:r>
           </a:p>
           <a:p>
             <a:r>
               <a:rPr lang="en-US" sz="2000" dirty="0"/>
-              <a:t>It ensures that user rechecks the product verification.</a:t>
+              <a:t>On top of it, we can do payment for all the product in the cart.</a:t>
             </a:r>
           </a:p>
         </p:txBody>
       </p:sp>
       <p:pic>
         <p:nvPicPr>
-          <p:cNvPr id="4" name="Picture 3">
-            <a:extLst>
-              <a:ext uri="{FF2B5EF4-FFF2-40B4-BE49-F238E27FC236}">
-                <a16:creationId xmlns:a16="http://schemas.microsoft.com/office/drawing/2014/main" id="{1A9AD166-1733-4418-FCFE-415671F9B1E9}"/>
+          <p:cNvPr id="3" name="Content Placeholder 3">
+            <a:extLst>
+              <a:ext uri="{FF2B5EF4-FFF2-40B4-BE49-F238E27FC236}">
+                <a16:creationId xmlns:a16="http://schemas.microsoft.com/office/drawing/2014/main" id="{D093220F-0D84-94AF-42D8-E6AC25A07116}"/>
               </a:ext>
             </a:extLst>
           </p:cNvPr>
@@ -7403,8 +11960,8 @@
         </p:blipFill>
         <p:spPr>
           <a:xfrm>
-            <a:off x="643468" y="1027906"/>
-            <a:ext cx="2404532" cy="5041759"/>
+            <a:off x="702277" y="1027905"/>
+            <a:ext cx="2374297" cy="5023399"/>
           </a:xfrm>
           <a:prstGeom prst="rect">
             <a:avLst/>
@@ -7414,13 +11971,16 @@
     </p:spTree>
     <p:extLst>
       <p:ext uri="{BB962C8B-B14F-4D97-AF65-F5344CB8AC3E}">
-        <p14:creationId xmlns:p14="http://schemas.microsoft.com/office/powerpoint/2010/main" val="188833536"/>
+        <p14:creationId xmlns:p14="http://schemas.microsoft.com/office/powerpoint/2010/main" val="258741952"/>
       </p:ext>
     </p:extLst>
   </p:cSld>
   <p:clrMapOvr>
     <a:overrideClrMapping bg1="dk1" tx1="lt1" bg2="dk2" tx2="lt2" accent1="accent1" accent2="accent2" accent3="accent3" accent4="accent4" accent5="accent5" accent6="accent6" hlink="hlink" folHlink="folHlink"/>
   </p:clrMapOvr>
+  <p:transition spd="slow">
+    <p:push dir="u"/>
+  </p:transition>
 </p:sld>
 </file>
 
@@ -7765,7 +12325,7 @@
           <a:p>
             <a:r>
               <a:rPr lang="en-IN" dirty="0"/>
-              <a:t>Order Screen</a:t>
+              <a:t>Register Screen</a:t>
             </a:r>
           </a:p>
         </p:txBody>
@@ -7800,7 +12360,13 @@
           <a:p>
             <a:r>
               <a:rPr lang="en-US" sz="2000" dirty="0"/>
-              <a:t>Order screen is to track the package and to show history of purchases.</a:t>
+              <a:t>Register screen as name says it registers the user’s info.</a:t>
+            </a:r>
+          </a:p>
+          <a:p>
+            <a:r>
+              <a:rPr lang="en-US" sz="2000" dirty="0"/>
+              <a:t>It is for the first-time users who really wants to enjoy the user experience of the app.</a:t>
             </a:r>
           </a:p>
         </p:txBody>
@@ -7810,7 +12376,7 @@
           <p:cNvPr id="3" name="Picture 2">
             <a:extLst>
               <a:ext uri="{FF2B5EF4-FFF2-40B4-BE49-F238E27FC236}">
-                <a16:creationId xmlns:a16="http://schemas.microsoft.com/office/drawing/2014/main" id="{B65F09B7-97D7-0F54-223B-4B7898D10CEE}"/>
+                <a16:creationId xmlns:a16="http://schemas.microsoft.com/office/drawing/2014/main" id="{329ABD65-3BAD-8BE3-6C4D-A704026595F5}"/>
               </a:ext>
             </a:extLst>
           </p:cNvPr>
@@ -7827,8 +12393,8 @@
         </p:blipFill>
         <p:spPr>
           <a:xfrm>
-            <a:off x="948424" y="1027905"/>
-            <a:ext cx="2461525" cy="5354691"/>
+            <a:off x="958595" y="1027906"/>
+            <a:ext cx="2518029" cy="5400820"/>
           </a:xfrm>
           <a:prstGeom prst="rect">
             <a:avLst/>
@@ -7838,13 +12404,16 @@
     </p:spTree>
     <p:extLst>
       <p:ext uri="{BB962C8B-B14F-4D97-AF65-F5344CB8AC3E}">
-        <p14:creationId xmlns:p14="http://schemas.microsoft.com/office/powerpoint/2010/main" val="1977293054"/>
+        <p14:creationId xmlns:p14="http://schemas.microsoft.com/office/powerpoint/2010/main" val="1912661493"/>
       </p:ext>
     </p:extLst>
   </p:cSld>
   <p:clrMapOvr>
     <a:overrideClrMapping bg1="dk1" tx1="lt1" bg2="dk2" tx2="lt2" accent1="accent1" accent2="accent2" accent3="accent3" accent4="accent4" accent5="accent5" accent6="accent6" hlink="hlink" folHlink="folHlink"/>
   </p:clrMapOvr>
+  <p:transition spd="slow">
+    <p:push dir="u"/>
+  </p:transition>
 </p:sld>
 </file>
 
